--- a/b609/lec05.pptx
+++ b/b609/lec05.pptx
@@ -13,9 +13,14 @@
     <p:sldId id="261" r:id="rId7"/>
     <p:sldId id="262" r:id="rId8"/>
     <p:sldId id="263" r:id="rId9"/>
-    <p:sldId id="264" r:id="rId10"/>
-    <p:sldId id="265" r:id="rId11"/>
-    <p:sldId id="266" r:id="rId12"/>
+    <p:sldId id="268" r:id="rId10"/>
+    <p:sldId id="264" r:id="rId11"/>
+    <p:sldId id="265" r:id="rId12"/>
+    <p:sldId id="266" r:id="rId13"/>
+    <p:sldId id="270" r:id="rId14"/>
+    <p:sldId id="271" r:id="rId15"/>
+    <p:sldId id="272" r:id="rId16"/>
+    <p:sldId id="273" r:id="rId17"/>
   </p:sldIdLst>
   <p:sldSz cx="9144000" cy="6858000" type="screen4x3"/>
   <p:notesSz cx="6858000" cy="9144000"/>
@@ -3255,7 +3260,14 @@
             </a:r>
             <a:r>
               <a:rPr lang="en-US" sz="4400" b="1" dirty="0" smtClean="0"/>
-              <a:t>8: Faster Power Method and Applications of SVD</a:t>
+              <a:t>8/9: Faster Power Method </a:t>
+            </a:r>
+          </a:p>
+          <a:p>
+            <a:pPr algn="ctr"/>
+            <a:r>
+              <a:rPr lang="en-US" sz="4400" b="1" dirty="0" smtClean="0"/>
+              <a:t>and Applications of SVD</a:t>
             </a:r>
             <a:endParaRPr lang="en-US" sz="4400" b="1" dirty="0"/>
           </a:p>
@@ -3319,6 +3331,1044 @@
 </file>
 
 <file path=ppt/slides/slide10.xml><?xml version="1.0" encoding="utf-8"?>
+<p:sld xmlns:a="http://schemas.openxmlformats.org/drawingml/2006/main" xmlns:r="http://schemas.openxmlformats.org/officeDocument/2006/relationships" xmlns:p="http://schemas.openxmlformats.org/presentationml/2006/main">
+  <p:cSld>
+    <p:spTree>
+      <p:nvGrpSpPr>
+        <p:cNvPr id="1" name=""/>
+        <p:cNvGrpSpPr/>
+        <p:nvPr/>
+      </p:nvGrpSpPr>
+      <p:grpSpPr>
+        <a:xfrm>
+          <a:off x="0" y="0"/>
+          <a:ext cx="0" cy="0"/>
+          <a:chOff x="0" y="0"/>
+          <a:chExt cx="0" cy="0"/>
+        </a:xfrm>
+      </p:grpSpPr>
+      <mc:AlternateContent xmlns:mc="http://schemas.openxmlformats.org/markup-compatibility/2006">
+        <mc:Choice xmlns:a14="http://schemas.microsoft.com/office/drawing/2010/main" Requires="a14">
+          <p:sp>
+            <p:nvSpPr>
+              <p:cNvPr id="2" name="Title 1"/>
+              <p:cNvSpPr>
+                <a:spLocks noGrp="1"/>
+              </p:cNvSpPr>
+              <p:nvPr>
+                <p:ph type="title"/>
+              </p:nvPr>
+            </p:nvSpPr>
+            <p:spPr>
+              <a:xfrm>
+                <a:off x="152400" y="274638"/>
+                <a:ext cx="8839200" cy="1143000"/>
+              </a:xfrm>
+            </p:spPr>
+            <p:txBody>
+              <a:bodyPr>
+                <a:normAutofit/>
+              </a:bodyPr>
+              <a:lstStyle/>
+              <a:p>
+                <a:r>
+                  <a:rPr lang="en-US" dirty="0" smtClean="0">
+                    <a:solidFill>
+                      <a:srgbClr val="0070C0"/>
+                    </a:solidFill>
+                  </a:rPr>
+                  <a:t>Separating mixture of </a:t>
+                </a:r>
+                <a14:m>
+                  <m:oMath xmlns:m="http://schemas.openxmlformats.org/officeDocument/2006/math">
+                    <m:r>
+                      <a:rPr lang="en-US" b="0" i="1" smtClean="0">
+                        <a:solidFill>
+                          <a:srgbClr val="0070C0"/>
+                        </a:solidFill>
+                        <a:latin typeface="Cambria Math"/>
+                      </a:rPr>
+                      <m:t>𝑘</m:t>
+                    </m:r>
+                  </m:oMath>
+                </a14:m>
+                <a:r>
+                  <a:rPr lang="en-US" dirty="0" smtClean="0">
+                    <a:solidFill>
+                      <a:srgbClr val="0070C0"/>
+                    </a:solidFill>
+                  </a:rPr>
+                  <a:t> Gaussians</a:t>
+                </a:r>
+                <a:endParaRPr lang="en-US" dirty="0"/>
+              </a:p>
+            </p:txBody>
+          </p:sp>
+        </mc:Choice>
+        <mc:Fallback>
+          <p:sp>
+            <p:nvSpPr>
+              <p:cNvPr id="2" name="Title 1"/>
+              <p:cNvSpPr>
+                <a:spLocks noGrp="1" noRot="1" noChangeAspect="1" noMove="1" noResize="1" noEditPoints="1" noAdjustHandles="1" noChangeArrowheads="1" noChangeShapeType="1" noTextEdit="1"/>
+              </p:cNvSpPr>
+              <p:nvPr>
+                <p:ph type="title"/>
+              </p:nvPr>
+            </p:nvSpPr>
+            <p:spPr>
+              <a:xfrm>
+                <a:off x="152400" y="274638"/>
+                <a:ext cx="8839200" cy="1143000"/>
+              </a:xfrm>
+              <a:blipFill rotWithShape="1">
+                <a:blip r:embed="rId2"/>
+                <a:stretch>
+                  <a:fillRect b="-8511"/>
+                </a:stretch>
+              </a:blipFill>
+            </p:spPr>
+            <p:txBody>
+              <a:bodyPr/>
+              <a:lstStyle/>
+              <a:p>
+                <a:r>
+                  <a:rPr lang="en-US">
+                    <a:noFill/>
+                  </a:rPr>
+                  <a:t> </a:t>
+                </a:r>
+              </a:p>
+            </p:txBody>
+          </p:sp>
+        </mc:Fallback>
+      </mc:AlternateContent>
+      <mc:AlternateContent xmlns:mc="http://schemas.openxmlformats.org/markup-compatibility/2006">
+        <mc:Choice xmlns:a14="http://schemas.microsoft.com/office/drawing/2010/main" Requires="a14">
+          <p:sp>
+            <p:nvSpPr>
+              <p:cNvPr id="3" name="Content Placeholder 2"/>
+              <p:cNvSpPr>
+                <a:spLocks noGrp="1"/>
+              </p:cNvSpPr>
+              <p:nvPr>
+                <p:ph idx="1"/>
+              </p:nvPr>
+            </p:nvSpPr>
+            <p:spPr>
+              <a:xfrm>
+                <a:off x="304800" y="1447800"/>
+                <a:ext cx="8839200" cy="5410200"/>
+              </a:xfrm>
+            </p:spPr>
+            <p:txBody>
+              <a:bodyPr>
+                <a:normAutofit fontScale="92500" lnSpcReduction="10000"/>
+              </a:bodyPr>
+              <a:lstStyle/>
+              <a:p>
+                <a:r>
+                  <a:rPr lang="en-US" b="1" dirty="0"/>
+                  <a:t>Sample origin problem</a:t>
+                </a:r>
+                <a:r>
+                  <a:rPr lang="en-US" dirty="0"/>
+                  <a:t>: </a:t>
+                </a:r>
+              </a:p>
+              <a:p>
+                <a:pPr lvl="1"/>
+                <a:r>
+                  <a:rPr lang="en-US" dirty="0"/>
+                  <a:t>G</a:t>
+                </a:r>
+                <a:r>
+                  <a:rPr lang="en-US" dirty="0"/>
+                  <a:t>iven samples from </a:t>
+                </a:r>
+                <a14:m>
+                  <m:oMath xmlns:m="http://schemas.openxmlformats.org/officeDocument/2006/math">
+                    <m:r>
+                      <a:rPr lang="en-US" b="1" i="1" smtClean="0">
+                        <a:solidFill>
+                          <a:srgbClr val="00B050"/>
+                        </a:solidFill>
+                        <a:latin typeface="Cambria Math"/>
+                      </a:rPr>
+                      <m:t>𝒌</m:t>
+                    </m:r>
+                    <m:r>
+                      <a:rPr lang="en-US" i="1">
+                        <a:latin typeface="Cambria Math"/>
+                      </a:rPr>
+                      <m:t> </m:t>
+                    </m:r>
+                  </m:oMath>
+                </a14:m>
+                <a:r>
+                  <a:rPr lang="en-US" b="1" dirty="0"/>
+                  <a:t>well-separated</a:t>
+                </a:r>
+                <a:r>
+                  <a:rPr lang="en-US" dirty="0"/>
+                  <a:t> </a:t>
+                </a:r>
+                <a:r>
+                  <a:rPr lang="en-US" dirty="0" smtClean="0"/>
+                  <a:t> spherical Gaussians </a:t>
+                </a:r>
+                <a:endParaRPr lang="en-US" dirty="0"/>
+              </a:p>
+              <a:p>
+                <a:pPr lvl="1"/>
+                <a:r>
+                  <a:rPr lang="en-US" b="1" dirty="0"/>
+                  <a:t>Q</a:t>
+                </a:r>
+                <a:r>
+                  <a:rPr lang="en-US" dirty="0"/>
+                  <a:t>: Did they come from the same Gaussian?</a:t>
+                </a:r>
+              </a:p>
+              <a:p>
+                <a14:m>
+                  <m:oMath xmlns:m="http://schemas.openxmlformats.org/officeDocument/2006/math">
+                    <m:r>
+                      <a:rPr lang="en-US" i="1" dirty="0">
+                        <a:solidFill>
+                          <a:srgbClr val="FF0000"/>
+                        </a:solidFill>
+                        <a:latin typeface="Cambria Math"/>
+                      </a:rPr>
+                      <m:t>𝛿</m:t>
+                    </m:r>
+                  </m:oMath>
+                </a14:m>
+                <a:r>
+                  <a:rPr lang="en-US" dirty="0" smtClean="0"/>
+                  <a:t> = distance between centers</a:t>
+                </a:r>
+              </a:p>
+              <a:p>
+                <a:r>
+                  <a:rPr lang="en-US" dirty="0" smtClean="0"/>
+                  <a:t>For two Gaussians naïve separation requires</a:t>
+                </a:r>
+              </a:p>
+              <a:p>
+                <a:pPr marL="0" indent="0">
+                  <a:buNone/>
+                </a:pPr>
+                <a14:m>
+                  <m:oMathPara xmlns:m="http://schemas.openxmlformats.org/officeDocument/2006/math">
+                    <m:oMathParaPr>
+                      <m:jc m:val="centerGroup"/>
+                    </m:oMathParaPr>
+                    <m:oMath xmlns:m="http://schemas.openxmlformats.org/officeDocument/2006/math">
+                      <m:r>
+                        <a:rPr lang="en-US" i="1" dirty="0">
+                          <a:solidFill>
+                            <a:srgbClr val="FF0000"/>
+                          </a:solidFill>
+                          <a:latin typeface="Cambria Math"/>
+                        </a:rPr>
+                        <m:t>𝛿</m:t>
+                      </m:r>
+                      <m:r>
+                        <a:rPr lang="en-US" b="0" i="1" dirty="0" smtClean="0">
+                          <a:solidFill>
+                            <a:srgbClr val="FF0000"/>
+                          </a:solidFill>
+                          <a:latin typeface="Cambria Math"/>
+                        </a:rPr>
+                        <m:t>&gt;</m:t>
+                      </m:r>
+                      <m:r>
+                        <a:rPr lang="en-US" i="1">
+                          <a:latin typeface="Cambria Math"/>
+                        </a:rPr>
+                        <m:t>𝜔</m:t>
+                      </m:r>
+                      <m:d>
+                        <m:dPr>
+                          <m:ctrlPr>
+                            <a:rPr lang="en-US" i="1">
+                              <a:latin typeface="Cambria Math"/>
+                            </a:rPr>
+                          </m:ctrlPr>
+                        </m:dPr>
+                        <m:e>
+                          <m:sSup>
+                            <m:sSupPr>
+                              <m:ctrlPr>
+                                <a:rPr lang="en-US" b="1" i="1">
+                                  <a:solidFill>
+                                    <a:srgbClr val="0070C0"/>
+                                  </a:solidFill>
+                                  <a:latin typeface="Cambria Math"/>
+                                </a:rPr>
+                              </m:ctrlPr>
+                            </m:sSupPr>
+                            <m:e>
+                              <m:r>
+                                <a:rPr lang="en-US" b="1" i="1">
+                                  <a:solidFill>
+                                    <a:srgbClr val="0070C0"/>
+                                  </a:solidFill>
+                                  <a:latin typeface="Cambria Math"/>
+                                </a:rPr>
+                                <m:t>𝒅</m:t>
+                              </m:r>
+                            </m:e>
+                            <m:sup>
+                              <m:r>
+                                <a:rPr lang="en-US" b="1" i="1">
+                                  <a:solidFill>
+                                    <a:srgbClr val="0070C0"/>
+                                  </a:solidFill>
+                                  <a:latin typeface="Cambria Math"/>
+                                </a:rPr>
+                                <m:t>𝟏</m:t>
+                              </m:r>
+                              <m:r>
+                                <a:rPr lang="en-US" b="1" i="1">
+                                  <a:solidFill>
+                                    <a:srgbClr val="0070C0"/>
+                                  </a:solidFill>
+                                  <a:latin typeface="Cambria Math"/>
+                                </a:rPr>
+                                <m:t>/</m:t>
+                              </m:r>
+                              <m:r>
+                                <a:rPr lang="en-US" b="1" i="1">
+                                  <a:solidFill>
+                                    <a:srgbClr val="0070C0"/>
+                                  </a:solidFill>
+                                  <a:latin typeface="Cambria Math"/>
+                                </a:rPr>
+                                <m:t>𝟒</m:t>
+                              </m:r>
+                            </m:sup>
+                          </m:sSup>
+                        </m:e>
+                      </m:d>
+                    </m:oMath>
+                  </m:oMathPara>
+                </a14:m>
+                <a:endParaRPr lang="en-US" b="1" dirty="0" smtClean="0"/>
+              </a:p>
+              <a:p>
+                <a:r>
+                  <a:rPr lang="en-US" b="1" dirty="0" err="1" smtClean="0"/>
+                  <a:t>Thm</a:t>
+                </a:r>
+                <a:r>
+                  <a:rPr lang="en-US" b="1" dirty="0" smtClean="0"/>
+                  <a:t>. </a:t>
+                </a:r>
+                <a14:m>
+                  <m:oMath xmlns:m="http://schemas.openxmlformats.org/officeDocument/2006/math">
+                    <m:sSup>
+                      <m:sSupPr>
+                        <m:ctrlPr>
+                          <a:rPr lang="en-US" i="1">
+                            <a:solidFill>
+                              <a:srgbClr val="0070C0"/>
+                            </a:solidFill>
+                            <a:latin typeface="Cambria Math"/>
+                          </a:rPr>
+                        </m:ctrlPr>
+                      </m:sSupPr>
+                      <m:e>
+                        <m:r>
+                          <a:rPr lang="en-US" b="0" i="1" dirty="0">
+                            <a:solidFill>
+                              <a:srgbClr val="FF0000"/>
+                            </a:solidFill>
+                            <a:latin typeface="Cambria Math"/>
+                          </a:rPr>
+                          <m:t>𝛿</m:t>
+                        </m:r>
+                        <m:r>
+                          <a:rPr lang="en-US" b="0" i="1" dirty="0" smtClean="0">
+                            <a:solidFill>
+                              <a:schemeClr val="tx1"/>
+                            </a:solidFill>
+                            <a:latin typeface="Cambria Math"/>
+                          </a:rPr>
+                          <m:t>=</m:t>
+                        </m:r>
+                        <m:r>
+                          <m:rPr>
+                            <m:sty m:val="p"/>
+                          </m:rPr>
+                          <a:rPr lang="en-US" b="0" i="0" dirty="0" smtClean="0">
+                            <a:solidFill>
+                              <a:schemeClr val="tx1"/>
+                            </a:solidFill>
+                            <a:latin typeface="Cambria Math"/>
+                          </a:rPr>
+                          <m:t>Ω</m:t>
+                        </m:r>
+                        <m:r>
+                          <a:rPr lang="en-US" b="0" i="0" dirty="0" smtClean="0">
+                            <a:solidFill>
+                              <a:schemeClr val="tx1"/>
+                            </a:solidFill>
+                            <a:latin typeface="Cambria Math"/>
+                          </a:rPr>
+                          <m:t>(</m:t>
+                        </m:r>
+                        <m:r>
+                          <a:rPr lang="en-US" b="1" i="1" smtClean="0">
+                            <a:solidFill>
+                              <a:srgbClr val="00B050"/>
+                            </a:solidFill>
+                            <a:latin typeface="Cambria Math"/>
+                          </a:rPr>
+                          <m:t>𝒌</m:t>
+                        </m:r>
+                      </m:e>
+                      <m:sup>
+                        <m:f>
+                          <m:fPr>
+                            <m:ctrlPr>
+                              <a:rPr lang="en-US" b="0" i="1" smtClean="0">
+                                <a:solidFill>
+                                  <a:schemeClr val="tx1"/>
+                                </a:solidFill>
+                                <a:latin typeface="Cambria Math"/>
+                              </a:rPr>
+                            </m:ctrlPr>
+                          </m:fPr>
+                          <m:num>
+                            <m:r>
+                              <a:rPr lang="en-US" b="0" i="1" smtClean="0">
+                                <a:solidFill>
+                                  <a:schemeClr val="tx1"/>
+                                </a:solidFill>
+                                <a:latin typeface="Cambria Math"/>
+                              </a:rPr>
+                              <m:t>1</m:t>
+                            </m:r>
+                          </m:num>
+                          <m:den>
+                            <m:r>
+                              <a:rPr lang="en-US" b="0" i="1" smtClean="0">
+                                <a:solidFill>
+                                  <a:schemeClr val="tx1"/>
+                                </a:solidFill>
+                                <a:latin typeface="Cambria Math"/>
+                              </a:rPr>
+                              <m:t>4</m:t>
+                            </m:r>
+                          </m:den>
+                        </m:f>
+                      </m:sup>
+                    </m:sSup>
+                    <m:r>
+                      <a:rPr lang="en-US" b="1" i="1" smtClean="0">
+                        <a:solidFill>
+                          <a:schemeClr val="tx1"/>
+                        </a:solidFill>
+                        <a:latin typeface="Cambria Math"/>
+                      </a:rPr>
+                      <m:t>) </m:t>
+                    </m:r>
+                  </m:oMath>
+                </a14:m>
+                <a:r>
+                  <a:rPr lang="en-US" dirty="0" smtClean="0"/>
+                  <a:t> suffices</a:t>
+                </a:r>
+              </a:p>
+              <a:p>
+                <a:r>
+                  <a:rPr lang="en-US" b="1" dirty="0" smtClean="0"/>
+                  <a:t>Idea: </a:t>
+                </a:r>
+              </a:p>
+              <a:p>
+                <a:pPr lvl="1"/>
+                <a:r>
+                  <a:rPr lang="en-US" dirty="0" smtClean="0"/>
+                  <a:t>Project on a </a:t>
+                </a:r>
+                <a14:m>
+                  <m:oMath xmlns:m="http://schemas.openxmlformats.org/officeDocument/2006/math">
+                    <m:r>
+                      <a:rPr lang="en-US" b="1" i="1" smtClean="0">
+                        <a:solidFill>
+                          <a:srgbClr val="00B050"/>
+                        </a:solidFill>
+                        <a:latin typeface="Cambria Math"/>
+                      </a:rPr>
+                      <m:t>𝒌</m:t>
+                    </m:r>
+                  </m:oMath>
+                </a14:m>
+                <a:r>
+                  <a:rPr lang="en-US" dirty="0" smtClean="0"/>
+                  <a:t>-dimensional subspace through centers </a:t>
+                </a:r>
+                <a:endParaRPr lang="en-US" dirty="0"/>
+              </a:p>
+              <a:p>
+                <a:pPr lvl="1"/>
+                <a:r>
+                  <a:rPr lang="en-US" b="1" dirty="0" smtClean="0"/>
+                  <a:t>Key fact:</a:t>
+                </a:r>
+                <a:r>
+                  <a:rPr lang="en-US" dirty="0" smtClean="0"/>
+                  <a:t> This subspace can be found via SVD</a:t>
+                </a:r>
+              </a:p>
+              <a:p>
+                <a:pPr lvl="1"/>
+                <a:r>
+                  <a:rPr lang="en-US" dirty="0" smtClean="0"/>
+                  <a:t>Apply naïve algorithm</a:t>
+                </a:r>
+                <a:endParaRPr lang="en-US" dirty="0"/>
+              </a:p>
+            </p:txBody>
+          </p:sp>
+        </mc:Choice>
+        <mc:Fallback>
+          <p:sp>
+            <p:nvSpPr>
+              <p:cNvPr id="3" name="Content Placeholder 2"/>
+              <p:cNvSpPr>
+                <a:spLocks noGrp="1" noRot="1" noChangeAspect="1" noMove="1" noResize="1" noEditPoints="1" noAdjustHandles="1" noChangeArrowheads="1" noChangeShapeType="1" noTextEdit="1"/>
+              </p:cNvSpPr>
+              <p:nvPr>
+                <p:ph idx="1"/>
+              </p:nvPr>
+            </p:nvSpPr>
+            <p:spPr>
+              <a:xfrm>
+                <a:off x="304800" y="1447800"/>
+                <a:ext cx="8839200" cy="5410200"/>
+              </a:xfrm>
+              <a:blipFill rotWithShape="1">
+                <a:blip r:embed="rId3"/>
+                <a:stretch>
+                  <a:fillRect l="-1379" t="-2255" r="-828" b="-2593"/>
+                </a:stretch>
+              </a:blipFill>
+            </p:spPr>
+            <p:txBody>
+              <a:bodyPr/>
+              <a:lstStyle/>
+              <a:p>
+                <a:r>
+                  <a:rPr lang="en-US">
+                    <a:noFill/>
+                  </a:rPr>
+                  <a:t> </a:t>
+                </a:r>
+              </a:p>
+            </p:txBody>
+          </p:sp>
+        </mc:Fallback>
+      </mc:AlternateContent>
+    </p:spTree>
+    <p:extLst>
+      <p:ext uri="{BB962C8B-B14F-4D97-AF65-F5344CB8AC3E}">
+        <p14:creationId xmlns:p14="http://schemas.microsoft.com/office/powerpoint/2010/main" val="224953696"/>
+      </p:ext>
+    </p:extLst>
+  </p:cSld>
+  <p:clrMapOvr>
+    <a:masterClrMapping/>
+  </p:clrMapOvr>
+  <p:timing>
+    <p:tnLst>
+      <p:par>
+        <p:cTn id="1" dur="indefinite" restart="never" nodeType="tmRoot">
+          <p:childTnLst>
+            <p:seq concurrent="1" nextAc="seek">
+              <p:cTn id="2" dur="indefinite" nodeType="mainSeq">
+                <p:childTnLst>
+                  <p:par>
+                    <p:cTn id="3" fill="hold">
+                      <p:stCondLst>
+                        <p:cond delay="indefinite"/>
+                      </p:stCondLst>
+                      <p:childTnLst>
+                        <p:par>
+                          <p:cTn id="4" fill="hold">
+                            <p:stCondLst>
+                              <p:cond delay="0"/>
+                            </p:stCondLst>
+                            <p:childTnLst>
+                              <p:par>
+                                <p:cTn id="5" presetID="1" presetClass="entr" presetSubtype="0" fill="hold" grpId="0" nodeType="clickEffect">
+                                  <p:stCondLst>
+                                    <p:cond delay="0"/>
+                                  </p:stCondLst>
+                                  <p:childTnLst>
+                                    <p:set>
+                                      <p:cBhvr>
+                                        <p:cTn id="6" dur="1" fill="hold">
+                                          <p:stCondLst>
+                                            <p:cond delay="0"/>
+                                          </p:stCondLst>
+                                        </p:cTn>
+                                        <p:tgtEl>
+                                          <p:spTgt spid="3">
+                                            <p:txEl>
+                                              <p:pRg st="0" end="0"/>
+                                            </p:txEl>
+                                          </p:spTgt>
+                                        </p:tgtEl>
+                                        <p:attrNameLst>
+                                          <p:attrName>style.visibility</p:attrName>
+                                        </p:attrNameLst>
+                                      </p:cBhvr>
+                                      <p:to>
+                                        <p:strVal val="visible"/>
+                                      </p:to>
+                                    </p:set>
+                                  </p:childTnLst>
+                                </p:cTn>
+                              </p:par>
+                              <p:par>
+                                <p:cTn id="7" presetID="1" presetClass="entr" presetSubtype="0" fill="hold" grpId="0" nodeType="withEffect">
+                                  <p:stCondLst>
+                                    <p:cond delay="0"/>
+                                  </p:stCondLst>
+                                  <p:childTnLst>
+                                    <p:set>
+                                      <p:cBhvr>
+                                        <p:cTn id="8" dur="1" fill="hold">
+                                          <p:stCondLst>
+                                            <p:cond delay="0"/>
+                                          </p:stCondLst>
+                                        </p:cTn>
+                                        <p:tgtEl>
+                                          <p:spTgt spid="3">
+                                            <p:txEl>
+                                              <p:pRg st="1" end="1"/>
+                                            </p:txEl>
+                                          </p:spTgt>
+                                        </p:tgtEl>
+                                        <p:attrNameLst>
+                                          <p:attrName>style.visibility</p:attrName>
+                                        </p:attrNameLst>
+                                      </p:cBhvr>
+                                      <p:to>
+                                        <p:strVal val="visible"/>
+                                      </p:to>
+                                    </p:set>
+                                  </p:childTnLst>
+                                </p:cTn>
+                              </p:par>
+                              <p:par>
+                                <p:cTn id="9" presetID="1" presetClass="entr" presetSubtype="0" fill="hold" grpId="0" nodeType="withEffect">
+                                  <p:stCondLst>
+                                    <p:cond delay="0"/>
+                                  </p:stCondLst>
+                                  <p:childTnLst>
+                                    <p:set>
+                                      <p:cBhvr>
+                                        <p:cTn id="10" dur="1" fill="hold">
+                                          <p:stCondLst>
+                                            <p:cond delay="0"/>
+                                          </p:stCondLst>
+                                        </p:cTn>
+                                        <p:tgtEl>
+                                          <p:spTgt spid="3">
+                                            <p:txEl>
+                                              <p:pRg st="2" end="2"/>
+                                            </p:txEl>
+                                          </p:spTgt>
+                                        </p:tgtEl>
+                                        <p:attrNameLst>
+                                          <p:attrName>style.visibility</p:attrName>
+                                        </p:attrNameLst>
+                                      </p:cBhvr>
+                                      <p:to>
+                                        <p:strVal val="visible"/>
+                                      </p:to>
+                                    </p:set>
+                                  </p:childTnLst>
+                                </p:cTn>
+                              </p:par>
+                            </p:childTnLst>
+                          </p:cTn>
+                        </p:par>
+                      </p:childTnLst>
+                    </p:cTn>
+                  </p:par>
+                  <p:par>
+                    <p:cTn id="11" fill="hold">
+                      <p:stCondLst>
+                        <p:cond delay="indefinite"/>
+                      </p:stCondLst>
+                      <p:childTnLst>
+                        <p:par>
+                          <p:cTn id="12" fill="hold">
+                            <p:stCondLst>
+                              <p:cond delay="0"/>
+                            </p:stCondLst>
+                            <p:childTnLst>
+                              <p:par>
+                                <p:cTn id="13" presetID="1" presetClass="entr" presetSubtype="0" fill="hold" grpId="0" nodeType="clickEffect">
+                                  <p:stCondLst>
+                                    <p:cond delay="0"/>
+                                  </p:stCondLst>
+                                  <p:childTnLst>
+                                    <p:set>
+                                      <p:cBhvr>
+                                        <p:cTn id="14" dur="1" fill="hold">
+                                          <p:stCondLst>
+                                            <p:cond delay="0"/>
+                                          </p:stCondLst>
+                                        </p:cTn>
+                                        <p:tgtEl>
+                                          <p:spTgt spid="3">
+                                            <p:txEl>
+                                              <p:pRg st="3" end="3"/>
+                                            </p:txEl>
+                                          </p:spTgt>
+                                        </p:tgtEl>
+                                        <p:attrNameLst>
+                                          <p:attrName>style.visibility</p:attrName>
+                                        </p:attrNameLst>
+                                      </p:cBhvr>
+                                      <p:to>
+                                        <p:strVal val="visible"/>
+                                      </p:to>
+                                    </p:set>
+                                  </p:childTnLst>
+                                </p:cTn>
+                              </p:par>
+                            </p:childTnLst>
+                          </p:cTn>
+                        </p:par>
+                      </p:childTnLst>
+                    </p:cTn>
+                  </p:par>
+                  <p:par>
+                    <p:cTn id="15" fill="hold">
+                      <p:stCondLst>
+                        <p:cond delay="indefinite"/>
+                      </p:stCondLst>
+                      <p:childTnLst>
+                        <p:par>
+                          <p:cTn id="16" fill="hold">
+                            <p:stCondLst>
+                              <p:cond delay="0"/>
+                            </p:stCondLst>
+                            <p:childTnLst>
+                              <p:par>
+                                <p:cTn id="17" presetID="1" presetClass="entr" presetSubtype="0" fill="hold" grpId="0" nodeType="clickEffect">
+                                  <p:stCondLst>
+                                    <p:cond delay="0"/>
+                                  </p:stCondLst>
+                                  <p:childTnLst>
+                                    <p:set>
+                                      <p:cBhvr>
+                                        <p:cTn id="18" dur="1" fill="hold">
+                                          <p:stCondLst>
+                                            <p:cond delay="0"/>
+                                          </p:stCondLst>
+                                        </p:cTn>
+                                        <p:tgtEl>
+                                          <p:spTgt spid="3">
+                                            <p:txEl>
+                                              <p:pRg st="4" end="4"/>
+                                            </p:txEl>
+                                          </p:spTgt>
+                                        </p:tgtEl>
+                                        <p:attrNameLst>
+                                          <p:attrName>style.visibility</p:attrName>
+                                        </p:attrNameLst>
+                                      </p:cBhvr>
+                                      <p:to>
+                                        <p:strVal val="visible"/>
+                                      </p:to>
+                                    </p:set>
+                                  </p:childTnLst>
+                                </p:cTn>
+                              </p:par>
+                            </p:childTnLst>
+                          </p:cTn>
+                        </p:par>
+                      </p:childTnLst>
+                    </p:cTn>
+                  </p:par>
+                  <p:par>
+                    <p:cTn id="19" fill="hold">
+                      <p:stCondLst>
+                        <p:cond delay="indefinite"/>
+                      </p:stCondLst>
+                      <p:childTnLst>
+                        <p:par>
+                          <p:cTn id="20" fill="hold">
+                            <p:stCondLst>
+                              <p:cond delay="0"/>
+                            </p:stCondLst>
+                            <p:childTnLst>
+                              <p:par>
+                                <p:cTn id="21" presetID="1" presetClass="entr" presetSubtype="0" fill="hold" grpId="0" nodeType="clickEffect">
+                                  <p:stCondLst>
+                                    <p:cond delay="0"/>
+                                  </p:stCondLst>
+                                  <p:childTnLst>
+                                    <p:set>
+                                      <p:cBhvr>
+                                        <p:cTn id="22" dur="1" fill="hold">
+                                          <p:stCondLst>
+                                            <p:cond delay="0"/>
+                                          </p:stCondLst>
+                                        </p:cTn>
+                                        <p:tgtEl>
+                                          <p:spTgt spid="3">
+                                            <p:txEl>
+                                              <p:pRg st="5" end="5"/>
+                                            </p:txEl>
+                                          </p:spTgt>
+                                        </p:tgtEl>
+                                        <p:attrNameLst>
+                                          <p:attrName>style.visibility</p:attrName>
+                                        </p:attrNameLst>
+                                      </p:cBhvr>
+                                      <p:to>
+                                        <p:strVal val="visible"/>
+                                      </p:to>
+                                    </p:set>
+                                  </p:childTnLst>
+                                </p:cTn>
+                              </p:par>
+                            </p:childTnLst>
+                          </p:cTn>
+                        </p:par>
+                      </p:childTnLst>
+                    </p:cTn>
+                  </p:par>
+                  <p:par>
+                    <p:cTn id="23" fill="hold">
+                      <p:stCondLst>
+                        <p:cond delay="indefinite"/>
+                      </p:stCondLst>
+                      <p:childTnLst>
+                        <p:par>
+                          <p:cTn id="24" fill="hold">
+                            <p:stCondLst>
+                              <p:cond delay="0"/>
+                            </p:stCondLst>
+                            <p:childTnLst>
+                              <p:par>
+                                <p:cTn id="25" presetID="1" presetClass="entr" presetSubtype="0" fill="hold" grpId="0" nodeType="clickEffect">
+                                  <p:stCondLst>
+                                    <p:cond delay="0"/>
+                                  </p:stCondLst>
+                                  <p:childTnLst>
+                                    <p:set>
+                                      <p:cBhvr>
+                                        <p:cTn id="26" dur="1" fill="hold">
+                                          <p:stCondLst>
+                                            <p:cond delay="0"/>
+                                          </p:stCondLst>
+                                        </p:cTn>
+                                        <p:tgtEl>
+                                          <p:spTgt spid="3">
+                                            <p:txEl>
+                                              <p:pRg st="6" end="6"/>
+                                            </p:txEl>
+                                          </p:spTgt>
+                                        </p:tgtEl>
+                                        <p:attrNameLst>
+                                          <p:attrName>style.visibility</p:attrName>
+                                        </p:attrNameLst>
+                                      </p:cBhvr>
+                                      <p:to>
+                                        <p:strVal val="visible"/>
+                                      </p:to>
+                                    </p:set>
+                                  </p:childTnLst>
+                                </p:cTn>
+                              </p:par>
+                            </p:childTnLst>
+                          </p:cTn>
+                        </p:par>
+                      </p:childTnLst>
+                    </p:cTn>
+                  </p:par>
+                  <p:par>
+                    <p:cTn id="27" fill="hold">
+                      <p:stCondLst>
+                        <p:cond delay="indefinite"/>
+                      </p:stCondLst>
+                      <p:childTnLst>
+                        <p:par>
+                          <p:cTn id="28" fill="hold">
+                            <p:stCondLst>
+                              <p:cond delay="0"/>
+                            </p:stCondLst>
+                            <p:childTnLst>
+                              <p:par>
+                                <p:cTn id="29" presetID="1" presetClass="entr" presetSubtype="0" fill="hold" grpId="0" nodeType="clickEffect">
+                                  <p:stCondLst>
+                                    <p:cond delay="0"/>
+                                  </p:stCondLst>
+                                  <p:childTnLst>
+                                    <p:set>
+                                      <p:cBhvr>
+                                        <p:cTn id="30" dur="1" fill="hold">
+                                          <p:stCondLst>
+                                            <p:cond delay="0"/>
+                                          </p:stCondLst>
+                                        </p:cTn>
+                                        <p:tgtEl>
+                                          <p:spTgt spid="3">
+                                            <p:txEl>
+                                              <p:pRg st="7" end="7"/>
+                                            </p:txEl>
+                                          </p:spTgt>
+                                        </p:tgtEl>
+                                        <p:attrNameLst>
+                                          <p:attrName>style.visibility</p:attrName>
+                                        </p:attrNameLst>
+                                      </p:cBhvr>
+                                      <p:to>
+                                        <p:strVal val="visible"/>
+                                      </p:to>
+                                    </p:set>
+                                  </p:childTnLst>
+                                </p:cTn>
+                              </p:par>
+                              <p:par>
+                                <p:cTn id="31" presetID="1" presetClass="entr" presetSubtype="0" fill="hold" grpId="0" nodeType="withEffect">
+                                  <p:stCondLst>
+                                    <p:cond delay="0"/>
+                                  </p:stCondLst>
+                                  <p:childTnLst>
+                                    <p:set>
+                                      <p:cBhvr>
+                                        <p:cTn id="32" dur="1" fill="hold">
+                                          <p:stCondLst>
+                                            <p:cond delay="0"/>
+                                          </p:stCondLst>
+                                        </p:cTn>
+                                        <p:tgtEl>
+                                          <p:spTgt spid="3">
+                                            <p:txEl>
+                                              <p:pRg st="8" end="8"/>
+                                            </p:txEl>
+                                          </p:spTgt>
+                                        </p:tgtEl>
+                                        <p:attrNameLst>
+                                          <p:attrName>style.visibility</p:attrName>
+                                        </p:attrNameLst>
+                                      </p:cBhvr>
+                                      <p:to>
+                                        <p:strVal val="visible"/>
+                                      </p:to>
+                                    </p:set>
+                                  </p:childTnLst>
+                                </p:cTn>
+                              </p:par>
+                              <p:par>
+                                <p:cTn id="33" presetID="1" presetClass="entr" presetSubtype="0" fill="hold" grpId="0" nodeType="withEffect">
+                                  <p:stCondLst>
+                                    <p:cond delay="0"/>
+                                  </p:stCondLst>
+                                  <p:childTnLst>
+                                    <p:set>
+                                      <p:cBhvr>
+                                        <p:cTn id="34" dur="1" fill="hold">
+                                          <p:stCondLst>
+                                            <p:cond delay="0"/>
+                                          </p:stCondLst>
+                                        </p:cTn>
+                                        <p:tgtEl>
+                                          <p:spTgt spid="3">
+                                            <p:txEl>
+                                              <p:pRg st="9" end="9"/>
+                                            </p:txEl>
+                                          </p:spTgt>
+                                        </p:tgtEl>
+                                        <p:attrNameLst>
+                                          <p:attrName>style.visibility</p:attrName>
+                                        </p:attrNameLst>
+                                      </p:cBhvr>
+                                      <p:to>
+                                        <p:strVal val="visible"/>
+                                      </p:to>
+                                    </p:set>
+                                  </p:childTnLst>
+                                </p:cTn>
+                              </p:par>
+                              <p:par>
+                                <p:cTn id="35" presetID="1" presetClass="entr" presetSubtype="0" fill="hold" grpId="0" nodeType="withEffect">
+                                  <p:stCondLst>
+                                    <p:cond delay="0"/>
+                                  </p:stCondLst>
+                                  <p:childTnLst>
+                                    <p:set>
+                                      <p:cBhvr>
+                                        <p:cTn id="36" dur="1" fill="hold">
+                                          <p:stCondLst>
+                                            <p:cond delay="0"/>
+                                          </p:stCondLst>
+                                        </p:cTn>
+                                        <p:tgtEl>
+                                          <p:spTgt spid="3">
+                                            <p:txEl>
+                                              <p:pRg st="10" end="10"/>
+                                            </p:txEl>
+                                          </p:spTgt>
+                                        </p:tgtEl>
+                                        <p:attrNameLst>
+                                          <p:attrName>style.visibility</p:attrName>
+                                        </p:attrNameLst>
+                                      </p:cBhvr>
+                                      <p:to>
+                                        <p:strVal val="visible"/>
+                                      </p:to>
+                                    </p:set>
+                                  </p:childTnLst>
+                                </p:cTn>
+                              </p:par>
+                            </p:childTnLst>
+                          </p:cTn>
+                        </p:par>
+                      </p:childTnLst>
+                    </p:cTn>
+                  </p:par>
+                </p:childTnLst>
+              </p:cTn>
+              <p:prevCondLst>
+                <p:cond evt="onPrev" delay="0">
+                  <p:tgtEl>
+                    <p:sldTgt/>
+                  </p:tgtEl>
+                </p:cond>
+              </p:prevCondLst>
+              <p:nextCondLst>
+                <p:cond evt="onNext" delay="0">
+                  <p:tgtEl>
+                    <p:sldTgt/>
+                  </p:tgtEl>
+                </p:cond>
+              </p:nextCondLst>
+            </p:seq>
+          </p:childTnLst>
+        </p:cTn>
+      </p:par>
+    </p:tnLst>
+    <p:bldLst>
+      <p:bldP spid="3" grpId="0" build="p"/>
+    </p:bldLst>
+  </p:timing>
+</p:sld>
+</file>
+
+<file path=ppt/slides/slide11.xml><?xml version="1.0" encoding="utf-8"?>
 <p:sld xmlns:a="http://schemas.openxmlformats.org/drawingml/2006/main" xmlns:r="http://schemas.openxmlformats.org/officeDocument/2006/relationships" xmlns:p="http://schemas.openxmlformats.org/presentationml/2006/main">
   <p:cSld>
     <p:spTree>
@@ -4201,7 +5251,7 @@
 </p:sld>
 </file>
 
-<file path=ppt/slides/slide11.xml><?xml version="1.0" encoding="utf-8"?>
+<file path=ppt/slides/slide12.xml><?xml version="1.0" encoding="utf-8"?>
 <p:sld xmlns:a="http://schemas.openxmlformats.org/drawingml/2006/main" xmlns:r="http://schemas.openxmlformats.org/officeDocument/2006/relationships" xmlns:p="http://schemas.openxmlformats.org/presentationml/2006/main">
   <p:cSld>
     <p:spTree>
@@ -6878,6 +7928,3905 @@
             </p:seq>
           </p:childTnLst>
         </p:cTn>
+      </p:par>
+    </p:tnLst>
+  </p:timing>
+</p:sld>
+</file>
+
+<file path=ppt/slides/slide13.xml><?xml version="1.0" encoding="utf-8"?>
+<p:sld xmlns:a="http://schemas.openxmlformats.org/drawingml/2006/main" xmlns:r="http://schemas.openxmlformats.org/officeDocument/2006/relationships" xmlns:p="http://schemas.openxmlformats.org/presentationml/2006/main">
+  <p:cSld>
+    <p:spTree>
+      <p:nvGrpSpPr>
+        <p:cNvPr id="1" name=""/>
+        <p:cNvGrpSpPr/>
+        <p:nvPr/>
+      </p:nvGrpSpPr>
+      <p:grpSpPr>
+        <a:xfrm>
+          <a:off x="0" y="0"/>
+          <a:ext cx="0" cy="0"/>
+          <a:chOff x="0" y="0"/>
+          <a:chExt cx="0" cy="0"/>
+        </a:xfrm>
+      </p:grpSpPr>
+      <p:sp>
+        <p:nvSpPr>
+          <p:cNvPr id="2" name="Title 1"/>
+          <p:cNvSpPr>
+            <a:spLocks noGrp="1"/>
+          </p:cNvSpPr>
+          <p:nvPr>
+            <p:ph type="title"/>
+          </p:nvPr>
+        </p:nvSpPr>
+        <p:spPr/>
+        <p:txBody>
+          <a:bodyPr/>
+          <a:lstStyle/>
+          <a:p>
+            <a:r>
+              <a:rPr lang="en-US" dirty="0" smtClean="0">
+                <a:solidFill>
+                  <a:srgbClr val="0070C0"/>
+                </a:solidFill>
+              </a:rPr>
+              <a:t>Best fit subspace for one Gaussian</a:t>
+            </a:r>
+            <a:endParaRPr lang="en-US" dirty="0"/>
+          </a:p>
+        </p:txBody>
+      </p:sp>
+      <mc:AlternateContent xmlns:mc="http://schemas.openxmlformats.org/markup-compatibility/2006">
+        <mc:Choice xmlns:a14="http://schemas.microsoft.com/office/drawing/2010/main" Requires="a14">
+          <p:sp>
+            <p:nvSpPr>
+              <p:cNvPr id="3" name="Content Placeholder 2"/>
+              <p:cNvSpPr>
+                <a:spLocks noGrp="1"/>
+              </p:cNvSpPr>
+              <p:nvPr>
+                <p:ph idx="1"/>
+              </p:nvPr>
+            </p:nvSpPr>
+            <p:spPr>
+              <a:xfrm>
+                <a:off x="457200" y="1600200"/>
+                <a:ext cx="8229600" cy="5105400"/>
+              </a:xfrm>
+            </p:spPr>
+            <p:txBody>
+              <a:bodyPr>
+                <a:normAutofit lnSpcReduction="10000"/>
+              </a:bodyPr>
+              <a:lstStyle/>
+              <a:p>
+                <a:r>
+                  <a:rPr lang="en-US" dirty="0" smtClean="0"/>
+                  <a:t>Best fit </a:t>
+                </a:r>
+                <a14:m>
+                  <m:oMath xmlns:m="http://schemas.openxmlformats.org/officeDocument/2006/math">
+                    <m:r>
+                      <a:rPr lang="en-US" b="0" i="1" smtClean="0">
+                        <a:solidFill>
+                          <a:srgbClr val="FF0000"/>
+                        </a:solidFill>
+                        <a:latin typeface="Cambria Math"/>
+                      </a:rPr>
+                      <m:t>𝑘</m:t>
+                    </m:r>
+                  </m:oMath>
+                </a14:m>
+                <a:r>
+                  <a:rPr lang="en-US" dirty="0" smtClean="0"/>
+                  <a:t>-dimensional subspace </a:t>
+                </a:r>
+                <a14:m>
+                  <m:oMath xmlns:m="http://schemas.openxmlformats.org/officeDocument/2006/math">
+                    <m:sSub>
+                      <m:sSubPr>
+                        <m:ctrlPr>
+                          <a:rPr lang="en-US" b="0" i="1" smtClean="0">
+                            <a:latin typeface="Cambria Math"/>
+                          </a:rPr>
+                        </m:ctrlPr>
+                      </m:sSubPr>
+                      <m:e>
+                        <m:r>
+                          <a:rPr lang="en-US" b="1" i="1" smtClean="0">
+                            <a:latin typeface="Cambria Math"/>
+                          </a:rPr>
+                          <m:t>𝑽</m:t>
+                        </m:r>
+                      </m:e>
+                      <m:sub>
+                        <m:r>
+                          <a:rPr lang="en-US" b="0" i="1" smtClean="0">
+                            <a:solidFill>
+                              <a:srgbClr val="FF0000"/>
+                            </a:solidFill>
+                            <a:latin typeface="Cambria Math"/>
+                          </a:rPr>
+                          <m:t>𝑘</m:t>
+                        </m:r>
+                      </m:sub>
+                    </m:sSub>
+                    <m:r>
+                      <a:rPr lang="en-US" b="0" i="0" smtClean="0">
+                        <a:latin typeface="Cambria Math"/>
+                      </a:rPr>
+                      <m:t>:</m:t>
+                    </m:r>
+                  </m:oMath>
+                </a14:m>
+                <a:endParaRPr lang="en-US" b="0" dirty="0" smtClean="0"/>
+              </a:p>
+              <a:p>
+                <a:pPr marL="0" indent="0">
+                  <a:buNone/>
+                </a:pPr>
+                <a14:m>
+                  <m:oMathPara xmlns:m="http://schemas.openxmlformats.org/officeDocument/2006/math">
+                    <m:oMathParaPr>
+                      <m:jc m:val="centerGroup"/>
+                    </m:oMathParaPr>
+                    <m:oMath xmlns:m="http://schemas.openxmlformats.org/officeDocument/2006/math">
+                      <m:sSub>
+                        <m:sSubPr>
+                          <m:ctrlPr>
+                            <a:rPr lang="en-US" b="1" i="1" smtClean="0">
+                              <a:latin typeface="Cambria Math"/>
+                            </a:rPr>
+                          </m:ctrlPr>
+                        </m:sSubPr>
+                        <m:e>
+                          <m:sSub>
+                            <m:sSubPr>
+                              <m:ctrlPr>
+                                <a:rPr lang="en-US" b="1" i="1" smtClean="0">
+                                  <a:latin typeface="Cambria Math"/>
+                                </a:rPr>
+                              </m:ctrlPr>
+                            </m:sSubPr>
+                            <m:e>
+                              <m:r>
+                                <a:rPr lang="en-US" b="1" i="1" smtClean="0">
+                                  <a:latin typeface="Cambria Math"/>
+                                </a:rPr>
+                                <m:t>𝑽</m:t>
+                              </m:r>
+                            </m:e>
+                            <m:sub>
+                              <m:r>
+                                <a:rPr lang="en-US" b="0" i="1" smtClean="0">
+                                  <a:solidFill>
+                                    <a:srgbClr val="FF0000"/>
+                                  </a:solidFill>
+                                  <a:latin typeface="Cambria Math"/>
+                                </a:rPr>
+                                <m:t>𝑘</m:t>
+                              </m:r>
+                            </m:sub>
+                          </m:sSub>
+                          <m:r>
+                            <a:rPr lang="en-US" b="1" i="1" smtClean="0">
+                              <a:latin typeface="Cambria Math"/>
+                            </a:rPr>
+                            <m:t>=</m:t>
+                          </m:r>
+                        </m:e>
+                        <m:sub>
+                          <m:eqArr>
+                            <m:eqArrPr>
+                              <m:ctrlPr>
+                                <a:rPr lang="en-US" b="1" i="1" smtClean="0">
+                                  <a:latin typeface="Cambria Math"/>
+                                </a:rPr>
+                              </m:ctrlPr>
+                            </m:eqArrPr>
+                            <m:e>
+                              <m:r>
+                                <a:rPr lang="en-US" b="0" i="1" smtClean="0">
+                                  <a:latin typeface="Cambria Math"/>
+                                </a:rPr>
+                                <m:t>𝑎𝑟𝑔𝑚𝑎𝑥</m:t>
+                              </m:r>
+                            </m:e>
+                            <m:e>
+                              <m:r>
+                                <a:rPr lang="en-US" b="1" i="1" smtClean="0">
+                                  <a:latin typeface="Cambria Math"/>
+                                </a:rPr>
+                                <m:t>𝑽</m:t>
+                              </m:r>
+                              <m:r>
+                                <a:rPr lang="en-US" b="1" i="1" smtClean="0">
+                                  <a:latin typeface="Cambria Math"/>
+                                </a:rPr>
+                                <m:t>:</m:t>
+                              </m:r>
+                              <m:r>
+                                <a:rPr lang="en-US" b="0" i="1" smtClean="0">
+                                  <a:latin typeface="Cambria Math"/>
+                                </a:rPr>
+                                <m:t>𝑑𝑖𝑚</m:t>
+                              </m:r>
+                              <m:d>
+                                <m:dPr>
+                                  <m:ctrlPr>
+                                    <a:rPr lang="en-US" b="1" i="1" smtClean="0">
+                                      <a:latin typeface="Cambria Math"/>
+                                    </a:rPr>
+                                  </m:ctrlPr>
+                                </m:dPr>
+                                <m:e>
+                                  <m:r>
+                                    <a:rPr lang="en-US" b="1" i="1" smtClean="0">
+                                      <a:latin typeface="Cambria Math"/>
+                                    </a:rPr>
+                                    <m:t>𝑽</m:t>
+                                  </m:r>
+                                </m:e>
+                              </m:d>
+                              <m:r>
+                                <a:rPr lang="en-US" b="1" i="1" smtClean="0">
+                                  <a:latin typeface="Cambria Math"/>
+                                </a:rPr>
+                                <m:t>=</m:t>
+                              </m:r>
+                              <m:r>
+                                <a:rPr lang="en-US" b="0" i="1" smtClean="0">
+                                  <a:solidFill>
+                                    <a:srgbClr val="FF0000"/>
+                                  </a:solidFill>
+                                  <a:latin typeface="Cambria Math"/>
+                                </a:rPr>
+                                <m:t>𝑘</m:t>
+                              </m:r>
+                            </m:e>
+                          </m:eqArr>
+                        </m:sub>
+                      </m:sSub>
+                      <m:sSub>
+                        <m:sSubPr>
+                          <m:ctrlPr>
+                            <a:rPr lang="en-US" b="1" i="1" smtClean="0">
+                              <a:latin typeface="Cambria Math"/>
+                              <a:ea typeface="Cambria Math"/>
+                            </a:rPr>
+                          </m:ctrlPr>
+                        </m:sSubPr>
+                        <m:e>
+                          <m:r>
+                            <a:rPr lang="en-US" b="1" i="1" smtClean="0">
+                              <a:latin typeface="Cambria Math"/>
+                              <a:ea typeface="Cambria Math"/>
+                            </a:rPr>
+                            <m:t>𝔼</m:t>
+                          </m:r>
+                        </m:e>
+                        <m:sub>
+                          <m:r>
+                            <a:rPr lang="en-US" b="1" i="1" smtClean="0">
+                              <a:latin typeface="Cambria Math"/>
+                              <a:ea typeface="Cambria Math"/>
+                            </a:rPr>
+                            <m:t>𝒙</m:t>
+                          </m:r>
+                          <m:r>
+                            <a:rPr lang="en-US" b="1" i="1" smtClean="0">
+                              <a:latin typeface="Cambria Math"/>
+                              <a:ea typeface="Cambria Math"/>
+                            </a:rPr>
+                            <m:t>∼</m:t>
+                          </m:r>
+                          <m:r>
+                            <a:rPr lang="en-US" b="0" i="1" smtClean="0">
+                              <a:latin typeface="Cambria Math"/>
+                              <a:ea typeface="Cambria Math"/>
+                            </a:rPr>
+                            <m:t>𝑝</m:t>
+                          </m:r>
+                        </m:sub>
+                      </m:sSub>
+                      <m:r>
+                        <a:rPr lang="en-US" b="1" i="1" smtClean="0">
+                          <a:latin typeface="Cambria Math"/>
+                          <a:ea typeface="Cambria Math"/>
+                        </a:rPr>
+                        <m:t> </m:t>
+                      </m:r>
+                      <m:d>
+                        <m:dPr>
+                          <m:begChr m:val="["/>
+                          <m:endChr m:val="]"/>
+                          <m:ctrlPr>
+                            <a:rPr lang="en-US" b="1" i="1" smtClean="0">
+                              <a:latin typeface="Cambria Math"/>
+                              <a:ea typeface="Cambria Math"/>
+                            </a:rPr>
+                          </m:ctrlPr>
+                        </m:dPr>
+                        <m:e>
+                          <m:sSubSup>
+                            <m:sSubSupPr>
+                              <m:ctrlPr>
+                                <a:rPr lang="en-US" b="1" i="1" smtClean="0">
+                                  <a:latin typeface="Cambria Math"/>
+                                  <a:ea typeface="Cambria Math"/>
+                                </a:rPr>
+                              </m:ctrlPr>
+                            </m:sSubSupPr>
+                            <m:e>
+                              <m:d>
+                                <m:dPr>
+                                  <m:begChr m:val="|"/>
+                                  <m:endChr m:val="|"/>
+                                  <m:ctrlPr>
+                                    <a:rPr lang="en-US" b="1" i="1" smtClean="0">
+                                      <a:latin typeface="Cambria Math"/>
+                                      <a:ea typeface="Cambria Math"/>
+                                    </a:rPr>
+                                  </m:ctrlPr>
+                                </m:dPr>
+                                <m:e>
+                                  <m:d>
+                                    <m:dPr>
+                                      <m:begChr m:val="|"/>
+                                      <m:endChr m:val="|"/>
+                                      <m:ctrlPr>
+                                        <a:rPr lang="en-US" b="1" i="1" smtClean="0">
+                                          <a:latin typeface="Cambria Math"/>
+                                          <a:ea typeface="Cambria Math"/>
+                                        </a:rPr>
+                                      </m:ctrlPr>
+                                    </m:dPr>
+                                    <m:e>
+                                      <m:r>
+                                        <a:rPr lang="en-US" b="0" i="1" smtClean="0">
+                                          <a:latin typeface="Cambria Math"/>
+                                          <a:ea typeface="Cambria Math"/>
+                                        </a:rPr>
+                                        <m:t>𝑝𝑟𝑜𝑗</m:t>
+                                      </m:r>
+                                      <m:d>
+                                        <m:dPr>
+                                          <m:ctrlPr>
+                                            <a:rPr lang="en-US" b="1" i="1" smtClean="0">
+                                              <a:latin typeface="Cambria Math"/>
+                                              <a:ea typeface="Cambria Math"/>
+                                            </a:rPr>
+                                          </m:ctrlPr>
+                                        </m:dPr>
+                                        <m:e>
+                                          <m:r>
+                                            <a:rPr lang="en-US" b="1" i="1" smtClean="0">
+                                              <a:latin typeface="Cambria Math"/>
+                                              <a:ea typeface="Cambria Math"/>
+                                            </a:rPr>
+                                            <m:t>𝒙</m:t>
+                                          </m:r>
+                                          <m:r>
+                                            <a:rPr lang="en-US" b="1" i="1" smtClean="0">
+                                              <a:latin typeface="Cambria Math"/>
+                                              <a:ea typeface="Cambria Math"/>
+                                            </a:rPr>
+                                            <m:t>,</m:t>
+                                          </m:r>
+                                          <m:r>
+                                            <a:rPr lang="en-US" b="1" i="1" smtClean="0">
+                                              <a:latin typeface="Cambria Math"/>
+                                              <a:ea typeface="Cambria Math"/>
+                                            </a:rPr>
+                                            <m:t>𝑽</m:t>
+                                          </m:r>
+                                        </m:e>
+                                      </m:d>
+                                    </m:e>
+                                  </m:d>
+                                </m:e>
+                              </m:d>
+                            </m:e>
+                            <m:sub>
+                              <m:r>
+                                <a:rPr lang="en-US" b="1" i="1" smtClean="0">
+                                  <a:latin typeface="Cambria Math"/>
+                                  <a:ea typeface="Cambria Math"/>
+                                </a:rPr>
+                                <m:t>𝟐</m:t>
+                              </m:r>
+                            </m:sub>
+                            <m:sup>
+                              <m:r>
+                                <a:rPr lang="en-US" b="1" i="1" smtClean="0">
+                                  <a:latin typeface="Cambria Math"/>
+                                  <a:ea typeface="Cambria Math"/>
+                                </a:rPr>
+                                <m:t>𝟐</m:t>
+                              </m:r>
+                            </m:sup>
+                          </m:sSubSup>
+                        </m:e>
+                      </m:d>
+                    </m:oMath>
+                  </m:oMathPara>
+                </a14:m>
+                <a:endParaRPr lang="en-US" b="1" dirty="0" smtClean="0">
+                  <a:ea typeface="Cambria Math"/>
+                </a:endParaRPr>
+              </a:p>
+              <a:p>
+                <a:r>
+                  <a:rPr lang="en-US" dirty="0" smtClean="0">
+                    <a:ea typeface="Cambria Math"/>
+                  </a:rPr>
+                  <a:t>For a spherical Gaussian </a:t>
+                </a:r>
+                <a14:m>
+                  <m:oMath xmlns:m="http://schemas.openxmlformats.org/officeDocument/2006/math">
+                    <m:r>
+                      <a:rPr lang="en-US" b="1" i="1" smtClean="0">
+                        <a:latin typeface="Cambria Math"/>
+                      </a:rPr>
+                      <m:t>𝑽</m:t>
+                    </m:r>
+                  </m:oMath>
+                </a14:m>
+                <a:r>
+                  <a:rPr lang="en-US" dirty="0" smtClean="0">
+                    <a:ea typeface="Cambria Math"/>
+                  </a:rPr>
+                  <a:t> is a best-fit </a:t>
+                </a:r>
+                <a14:m>
+                  <m:oMath xmlns:m="http://schemas.openxmlformats.org/officeDocument/2006/math">
+                    <m:r>
+                      <a:rPr lang="en-US" b="0" i="1" smtClean="0">
+                        <a:solidFill>
+                          <a:srgbClr val="FF0000"/>
+                        </a:solidFill>
+                        <a:latin typeface="Cambria Math"/>
+                      </a:rPr>
+                      <m:t>𝑘</m:t>
+                    </m:r>
+                  </m:oMath>
+                </a14:m>
+                <a:r>
+                  <a:rPr lang="en-US" dirty="0" smtClean="0"/>
+                  <a:t>-dimensional </a:t>
+                </a:r>
+                <a:r>
+                  <a:rPr lang="en-US" dirty="0" smtClean="0"/>
+                  <a:t>subspace </a:t>
+                </a:r>
+                <a:r>
+                  <a:rPr lang="en-US" b="1" dirty="0" err="1" smtClean="0"/>
+                  <a:t>iff</a:t>
+                </a:r>
+                <a:r>
+                  <a:rPr lang="en-US" dirty="0" smtClean="0"/>
+                  <a:t> it</a:t>
+                </a:r>
+                <a:r>
+                  <a:rPr lang="en-US" dirty="0" smtClean="0">
+                    <a:ea typeface="Cambria Math"/>
+                  </a:rPr>
+                  <a:t> contains</a:t>
+                </a:r>
+                <a:r>
+                  <a:rPr lang="en-US" b="1" dirty="0" smtClean="0">
+                    <a:ea typeface="Cambria Math"/>
+                  </a:rPr>
+                  <a:t> </a:t>
+                </a:r>
+                <a14:m>
+                  <m:oMath xmlns:m="http://schemas.openxmlformats.org/officeDocument/2006/math">
+                    <m:r>
+                      <a:rPr lang="en-US" b="1" i="1" smtClean="0">
+                        <a:latin typeface="Cambria Math"/>
+                        <a:ea typeface="Cambria Math"/>
+                      </a:rPr>
+                      <m:t>𝝁</m:t>
+                    </m:r>
+                  </m:oMath>
+                </a14:m>
+                <a:endParaRPr lang="en-US" b="1" dirty="0" smtClean="0">
+                  <a:ea typeface="Cambria Math"/>
+                </a:endParaRPr>
+              </a:p>
+              <a:p>
+                <a:r>
+                  <a:rPr lang="en-US" dirty="0" smtClean="0">
+                    <a:ea typeface="Cambria Math"/>
+                  </a:rPr>
+                  <a:t>If </a:t>
+                </a:r>
+                <a14:m>
+                  <m:oMath xmlns:m="http://schemas.openxmlformats.org/officeDocument/2006/math">
+                    <m:r>
+                      <a:rPr lang="en-US" b="1" i="1" smtClean="0">
+                        <a:latin typeface="Cambria Math"/>
+                        <a:ea typeface="Cambria Math"/>
+                      </a:rPr>
+                      <m:t>𝝁</m:t>
+                    </m:r>
+                    <m:r>
+                      <a:rPr lang="en-US" b="0" i="1" smtClean="0">
+                        <a:latin typeface="Cambria Math"/>
+                        <a:ea typeface="Cambria Math"/>
+                      </a:rPr>
+                      <m:t>=0</m:t>
+                    </m:r>
+                  </m:oMath>
+                </a14:m>
+                <a:r>
+                  <a:rPr lang="en-US" dirty="0" smtClean="0">
+                    <a:ea typeface="Cambria Math"/>
+                  </a:rPr>
+                  <a:t> </a:t>
+                </a:r>
+                <a:r>
+                  <a:rPr lang="en-US" smtClean="0">
+                    <a:ea typeface="Cambria Math"/>
+                  </a:rPr>
+                  <a:t>then any </a:t>
+                </a:r>
+                <a14:m>
+                  <m:oMath xmlns:m="http://schemas.openxmlformats.org/officeDocument/2006/math">
+                    <m:r>
+                      <a:rPr lang="en-US" b="0" i="1" smtClean="0">
+                        <a:solidFill>
+                          <a:srgbClr val="FF0000"/>
+                        </a:solidFill>
+                        <a:latin typeface="Cambria Math"/>
+                      </a:rPr>
+                      <m:t>𝑘</m:t>
+                    </m:r>
+                  </m:oMath>
+                </a14:m>
+                <a:r>
+                  <a:rPr lang="en-US" dirty="0" smtClean="0"/>
+                  <a:t>-</a:t>
+                </a:r>
+                <a:r>
+                  <a:rPr lang="en-US" dirty="0" smtClean="0"/>
+                  <a:t>dim. subspace is best fit</a:t>
+                </a:r>
+                <a:endParaRPr lang="en-US" dirty="0" smtClean="0">
+                  <a:ea typeface="Cambria Math"/>
+                </a:endParaRPr>
+              </a:p>
+              <a:p>
+                <a:r>
+                  <a:rPr lang="en-US" dirty="0" smtClean="0">
+                    <a:ea typeface="Cambria Math"/>
+                  </a:rPr>
+                  <a:t>If </a:t>
+                </a:r>
+                <a14:m>
+                  <m:oMath xmlns:m="http://schemas.openxmlformats.org/officeDocument/2006/math">
+                    <m:r>
+                      <a:rPr lang="en-US" b="1" i="1" smtClean="0">
+                        <a:latin typeface="Cambria Math"/>
+                        <a:ea typeface="Cambria Math"/>
+                      </a:rPr>
+                      <m:t>𝝁</m:t>
+                    </m:r>
+                    <m:r>
+                      <a:rPr lang="en-US" b="0" i="1" smtClean="0">
+                        <a:latin typeface="Cambria Math"/>
+                        <a:ea typeface="Cambria Math"/>
+                      </a:rPr>
+                      <m:t>≠</m:t>
+                    </m:r>
+                    <m:r>
+                      <a:rPr lang="en-US" b="0" i="1" smtClean="0">
+                        <a:latin typeface="Cambria Math"/>
+                        <a:ea typeface="Cambria Math"/>
+                      </a:rPr>
+                      <m:t>0</m:t>
+                    </m:r>
+                  </m:oMath>
+                </a14:m>
+                <a:r>
+                  <a:rPr lang="en-US" dirty="0" smtClean="0"/>
+                  <a:t> then best fit line </a:t>
+                </a:r>
+                <a14:m>
+                  <m:oMath xmlns:m="http://schemas.openxmlformats.org/officeDocument/2006/math">
+                    <m:r>
+                      <a:rPr lang="en-US" b="1" i="1" smtClean="0">
+                        <a:latin typeface="Cambria Math"/>
+                      </a:rPr>
+                      <m:t>𝒗</m:t>
+                    </m:r>
+                    <m:r>
+                      <a:rPr lang="en-US" b="1" i="1" smtClean="0">
+                        <a:latin typeface="Cambria Math"/>
+                      </a:rPr>
+                      <m:t> </m:t>
+                    </m:r>
+                  </m:oMath>
+                </a14:m>
+                <a:r>
+                  <a:rPr lang="en-US" dirty="0" smtClean="0"/>
+                  <a:t>goes through </a:t>
+                </a:r>
+                <a14:m>
+                  <m:oMath xmlns:m="http://schemas.openxmlformats.org/officeDocument/2006/math">
+                    <m:r>
+                      <a:rPr lang="en-US" b="1" i="1" smtClean="0">
+                        <a:latin typeface="Cambria Math"/>
+                        <a:ea typeface="Cambria Math"/>
+                      </a:rPr>
+                      <m:t>𝝁</m:t>
+                    </m:r>
+                  </m:oMath>
+                </a14:m>
+                <a:endParaRPr lang="en-US" dirty="0" smtClean="0"/>
+              </a:p>
+              <a:p>
+                <a:pPr lvl="1"/>
+                <a:r>
+                  <a:rPr lang="en-US" dirty="0" smtClean="0"/>
+                  <a:t>Same greedy process as SVD projects on </a:t>
+                </a:r>
+                <a14:m>
+                  <m:oMath xmlns:m="http://schemas.openxmlformats.org/officeDocument/2006/math">
+                    <m:r>
+                      <a:rPr lang="en-US" b="1" i="1" smtClean="0">
+                        <a:latin typeface="Cambria Math"/>
+                      </a:rPr>
+                      <m:t>𝒗</m:t>
+                    </m:r>
+                  </m:oMath>
+                </a14:m>
+                <a:endParaRPr lang="en-US" b="1" dirty="0" smtClean="0"/>
+              </a:p>
+              <a:p>
+                <a:pPr lvl="1"/>
+                <a:r>
+                  <a:rPr lang="en-US" dirty="0" smtClean="0"/>
+                  <a:t>After projection we have Gaussian with </a:t>
+                </a:r>
+                <a14:m>
+                  <m:oMath xmlns:m="http://schemas.openxmlformats.org/officeDocument/2006/math">
+                    <m:r>
+                      <a:rPr lang="en-US" b="1" i="1" smtClean="0">
+                        <a:latin typeface="Cambria Math"/>
+                        <a:ea typeface="Cambria Math"/>
+                      </a:rPr>
+                      <m:t>𝝁</m:t>
+                    </m:r>
+                    <m:r>
+                      <a:rPr lang="en-US" b="0" i="1" smtClean="0">
+                        <a:latin typeface="Cambria Math"/>
+                        <a:ea typeface="Cambria Math"/>
+                      </a:rPr>
+                      <m:t>=0</m:t>
+                    </m:r>
+                  </m:oMath>
+                </a14:m>
+                <a:endParaRPr lang="en-US" b="1" dirty="0" smtClean="0"/>
+              </a:p>
+              <a:p>
+                <a:pPr lvl="1"/>
+                <a:r>
+                  <a:rPr lang="en-US" dirty="0" smtClean="0"/>
+                  <a:t>Any</a:t>
+                </a:r>
+                <a:r>
+                  <a:rPr lang="en-US" b="1" dirty="0" smtClean="0"/>
+                  <a:t> </a:t>
+                </a:r>
+                <a14:m>
+                  <m:oMath xmlns:m="http://schemas.openxmlformats.org/officeDocument/2006/math">
+                    <m:r>
+                      <a:rPr lang="en-US" b="1" i="0" smtClean="0">
+                        <a:solidFill>
+                          <a:schemeClr val="tx1"/>
+                        </a:solidFill>
+                        <a:latin typeface="Cambria Math"/>
+                      </a:rPr>
+                      <m:t>(</m:t>
+                    </m:r>
+                    <m:r>
+                      <a:rPr lang="en-US" b="0" i="1" smtClean="0">
+                        <a:solidFill>
+                          <a:srgbClr val="FF0000"/>
+                        </a:solidFill>
+                        <a:latin typeface="Cambria Math"/>
+                      </a:rPr>
+                      <m:t>𝑘</m:t>
+                    </m:r>
+                    <m:r>
+                      <a:rPr lang="en-US" b="0" i="1" smtClean="0">
+                        <a:solidFill>
+                          <a:schemeClr val="tx1"/>
+                        </a:solidFill>
+                        <a:latin typeface="Cambria Math"/>
+                      </a:rPr>
+                      <m:t>−1)</m:t>
+                    </m:r>
+                  </m:oMath>
+                </a14:m>
+                <a:r>
+                  <a:rPr lang="en-US" dirty="0" smtClean="0"/>
+                  <a:t>-</a:t>
+                </a:r>
+                <a:r>
+                  <a:rPr lang="en-US" dirty="0" smtClean="0"/>
+                  <a:t>dimensional subspace would do</a:t>
+                </a:r>
+                <a:endParaRPr lang="en-US" b="1" dirty="0"/>
+              </a:p>
+            </p:txBody>
+          </p:sp>
+        </mc:Choice>
+        <mc:Fallback>
+          <p:sp>
+            <p:nvSpPr>
+              <p:cNvPr id="3" name="Content Placeholder 2"/>
+              <p:cNvSpPr>
+                <a:spLocks noGrp="1" noRot="1" noChangeAspect="1" noMove="1" noResize="1" noEditPoints="1" noAdjustHandles="1" noChangeArrowheads="1" noChangeShapeType="1" noTextEdit="1"/>
+              </p:cNvSpPr>
+              <p:nvPr>
+                <p:ph idx="1"/>
+              </p:nvPr>
+            </p:nvSpPr>
+            <p:spPr>
+              <a:xfrm>
+                <a:off x="457200" y="1600200"/>
+                <a:ext cx="8229600" cy="5105400"/>
+              </a:xfrm>
+              <a:blipFill rotWithShape="1">
+                <a:blip r:embed="rId2"/>
+                <a:stretch>
+                  <a:fillRect l="-1630" t="-2389" b="-119"/>
+                </a:stretch>
+              </a:blipFill>
+            </p:spPr>
+            <p:txBody>
+              <a:bodyPr/>
+              <a:lstStyle/>
+              <a:p>
+                <a:r>
+                  <a:rPr lang="en-US">
+                    <a:noFill/>
+                  </a:rPr>
+                  <a:t> </a:t>
+                </a:r>
+              </a:p>
+            </p:txBody>
+          </p:sp>
+        </mc:Fallback>
+      </mc:AlternateContent>
+    </p:spTree>
+    <p:extLst>
+      <p:ext uri="{BB962C8B-B14F-4D97-AF65-F5344CB8AC3E}">
+        <p14:creationId xmlns:p14="http://schemas.microsoft.com/office/powerpoint/2010/main" val="3189061480"/>
+      </p:ext>
+    </p:extLst>
+  </p:cSld>
+  <p:clrMapOvr>
+    <a:masterClrMapping/>
+  </p:clrMapOvr>
+  <p:timing>
+    <p:tnLst>
+      <p:par>
+        <p:cTn id="1" dur="indefinite" restart="never" nodeType="tmRoot">
+          <p:childTnLst>
+            <p:seq concurrent="1" nextAc="seek">
+              <p:cTn id="2" dur="indefinite" nodeType="mainSeq">
+                <p:childTnLst>
+                  <p:par>
+                    <p:cTn id="3" fill="hold">
+                      <p:stCondLst>
+                        <p:cond delay="indefinite"/>
+                      </p:stCondLst>
+                      <p:childTnLst>
+                        <p:par>
+                          <p:cTn id="4" fill="hold">
+                            <p:stCondLst>
+                              <p:cond delay="0"/>
+                            </p:stCondLst>
+                            <p:childTnLst>
+                              <p:par>
+                                <p:cTn id="5" presetID="1" presetClass="entr" presetSubtype="0" fill="hold" grpId="0" nodeType="clickEffect">
+                                  <p:stCondLst>
+                                    <p:cond delay="0"/>
+                                  </p:stCondLst>
+                                  <p:childTnLst>
+                                    <p:set>
+                                      <p:cBhvr>
+                                        <p:cTn id="6" dur="1" fill="hold">
+                                          <p:stCondLst>
+                                            <p:cond delay="0"/>
+                                          </p:stCondLst>
+                                        </p:cTn>
+                                        <p:tgtEl>
+                                          <p:spTgt spid="3">
+                                            <p:txEl>
+                                              <p:pRg st="0" end="0"/>
+                                            </p:txEl>
+                                          </p:spTgt>
+                                        </p:tgtEl>
+                                        <p:attrNameLst>
+                                          <p:attrName>style.visibility</p:attrName>
+                                        </p:attrNameLst>
+                                      </p:cBhvr>
+                                      <p:to>
+                                        <p:strVal val="visible"/>
+                                      </p:to>
+                                    </p:set>
+                                  </p:childTnLst>
+                                </p:cTn>
+                              </p:par>
+                            </p:childTnLst>
+                          </p:cTn>
+                        </p:par>
+                      </p:childTnLst>
+                    </p:cTn>
+                  </p:par>
+                  <p:par>
+                    <p:cTn id="7" fill="hold">
+                      <p:stCondLst>
+                        <p:cond delay="indefinite"/>
+                      </p:stCondLst>
+                      <p:childTnLst>
+                        <p:par>
+                          <p:cTn id="8" fill="hold">
+                            <p:stCondLst>
+                              <p:cond delay="0"/>
+                            </p:stCondLst>
+                            <p:childTnLst>
+                              <p:par>
+                                <p:cTn id="9" presetID="1" presetClass="entr" presetSubtype="0" fill="hold" grpId="0" nodeType="clickEffect">
+                                  <p:stCondLst>
+                                    <p:cond delay="0"/>
+                                  </p:stCondLst>
+                                  <p:childTnLst>
+                                    <p:set>
+                                      <p:cBhvr>
+                                        <p:cTn id="10" dur="1" fill="hold">
+                                          <p:stCondLst>
+                                            <p:cond delay="0"/>
+                                          </p:stCondLst>
+                                        </p:cTn>
+                                        <p:tgtEl>
+                                          <p:spTgt spid="3">
+                                            <p:txEl>
+                                              <p:pRg st="1" end="1"/>
+                                            </p:txEl>
+                                          </p:spTgt>
+                                        </p:tgtEl>
+                                        <p:attrNameLst>
+                                          <p:attrName>style.visibility</p:attrName>
+                                        </p:attrNameLst>
+                                      </p:cBhvr>
+                                      <p:to>
+                                        <p:strVal val="visible"/>
+                                      </p:to>
+                                    </p:set>
+                                  </p:childTnLst>
+                                </p:cTn>
+                              </p:par>
+                            </p:childTnLst>
+                          </p:cTn>
+                        </p:par>
+                      </p:childTnLst>
+                    </p:cTn>
+                  </p:par>
+                  <p:par>
+                    <p:cTn id="11" fill="hold">
+                      <p:stCondLst>
+                        <p:cond delay="indefinite"/>
+                      </p:stCondLst>
+                      <p:childTnLst>
+                        <p:par>
+                          <p:cTn id="12" fill="hold">
+                            <p:stCondLst>
+                              <p:cond delay="0"/>
+                            </p:stCondLst>
+                            <p:childTnLst>
+                              <p:par>
+                                <p:cTn id="13" presetID="1" presetClass="entr" presetSubtype="0" fill="hold" grpId="0" nodeType="clickEffect">
+                                  <p:stCondLst>
+                                    <p:cond delay="0"/>
+                                  </p:stCondLst>
+                                  <p:childTnLst>
+                                    <p:set>
+                                      <p:cBhvr>
+                                        <p:cTn id="14" dur="1" fill="hold">
+                                          <p:stCondLst>
+                                            <p:cond delay="0"/>
+                                          </p:stCondLst>
+                                        </p:cTn>
+                                        <p:tgtEl>
+                                          <p:spTgt spid="3">
+                                            <p:txEl>
+                                              <p:pRg st="2" end="2"/>
+                                            </p:txEl>
+                                          </p:spTgt>
+                                        </p:tgtEl>
+                                        <p:attrNameLst>
+                                          <p:attrName>style.visibility</p:attrName>
+                                        </p:attrNameLst>
+                                      </p:cBhvr>
+                                      <p:to>
+                                        <p:strVal val="visible"/>
+                                      </p:to>
+                                    </p:set>
+                                  </p:childTnLst>
+                                </p:cTn>
+                              </p:par>
+                            </p:childTnLst>
+                          </p:cTn>
+                        </p:par>
+                      </p:childTnLst>
+                    </p:cTn>
+                  </p:par>
+                  <p:par>
+                    <p:cTn id="15" fill="hold">
+                      <p:stCondLst>
+                        <p:cond delay="indefinite"/>
+                      </p:stCondLst>
+                      <p:childTnLst>
+                        <p:par>
+                          <p:cTn id="16" fill="hold">
+                            <p:stCondLst>
+                              <p:cond delay="0"/>
+                            </p:stCondLst>
+                            <p:childTnLst>
+                              <p:par>
+                                <p:cTn id="17" presetID="1" presetClass="entr" presetSubtype="0" fill="hold" grpId="0" nodeType="clickEffect">
+                                  <p:stCondLst>
+                                    <p:cond delay="0"/>
+                                  </p:stCondLst>
+                                  <p:childTnLst>
+                                    <p:set>
+                                      <p:cBhvr>
+                                        <p:cTn id="18" dur="1" fill="hold">
+                                          <p:stCondLst>
+                                            <p:cond delay="0"/>
+                                          </p:stCondLst>
+                                        </p:cTn>
+                                        <p:tgtEl>
+                                          <p:spTgt spid="3">
+                                            <p:txEl>
+                                              <p:pRg st="3" end="3"/>
+                                            </p:txEl>
+                                          </p:spTgt>
+                                        </p:tgtEl>
+                                        <p:attrNameLst>
+                                          <p:attrName>style.visibility</p:attrName>
+                                        </p:attrNameLst>
+                                      </p:cBhvr>
+                                      <p:to>
+                                        <p:strVal val="visible"/>
+                                      </p:to>
+                                    </p:set>
+                                  </p:childTnLst>
+                                </p:cTn>
+                              </p:par>
+                            </p:childTnLst>
+                          </p:cTn>
+                        </p:par>
+                      </p:childTnLst>
+                    </p:cTn>
+                  </p:par>
+                  <p:par>
+                    <p:cTn id="19" fill="hold">
+                      <p:stCondLst>
+                        <p:cond delay="indefinite"/>
+                      </p:stCondLst>
+                      <p:childTnLst>
+                        <p:par>
+                          <p:cTn id="20" fill="hold">
+                            <p:stCondLst>
+                              <p:cond delay="0"/>
+                            </p:stCondLst>
+                            <p:childTnLst>
+                              <p:par>
+                                <p:cTn id="21" presetID="1" presetClass="entr" presetSubtype="0" fill="hold" grpId="0" nodeType="clickEffect">
+                                  <p:stCondLst>
+                                    <p:cond delay="0"/>
+                                  </p:stCondLst>
+                                  <p:childTnLst>
+                                    <p:set>
+                                      <p:cBhvr>
+                                        <p:cTn id="22" dur="1" fill="hold">
+                                          <p:stCondLst>
+                                            <p:cond delay="0"/>
+                                          </p:stCondLst>
+                                        </p:cTn>
+                                        <p:tgtEl>
+                                          <p:spTgt spid="3">
+                                            <p:txEl>
+                                              <p:pRg st="4" end="4"/>
+                                            </p:txEl>
+                                          </p:spTgt>
+                                        </p:tgtEl>
+                                        <p:attrNameLst>
+                                          <p:attrName>style.visibility</p:attrName>
+                                        </p:attrNameLst>
+                                      </p:cBhvr>
+                                      <p:to>
+                                        <p:strVal val="visible"/>
+                                      </p:to>
+                                    </p:set>
+                                  </p:childTnLst>
+                                </p:cTn>
+                              </p:par>
+                              <p:par>
+                                <p:cTn id="23" presetID="1" presetClass="entr" presetSubtype="0" fill="hold" grpId="0" nodeType="withEffect">
+                                  <p:stCondLst>
+                                    <p:cond delay="0"/>
+                                  </p:stCondLst>
+                                  <p:childTnLst>
+                                    <p:set>
+                                      <p:cBhvr>
+                                        <p:cTn id="24" dur="1" fill="hold">
+                                          <p:stCondLst>
+                                            <p:cond delay="0"/>
+                                          </p:stCondLst>
+                                        </p:cTn>
+                                        <p:tgtEl>
+                                          <p:spTgt spid="3">
+                                            <p:txEl>
+                                              <p:pRg st="5" end="5"/>
+                                            </p:txEl>
+                                          </p:spTgt>
+                                        </p:tgtEl>
+                                        <p:attrNameLst>
+                                          <p:attrName>style.visibility</p:attrName>
+                                        </p:attrNameLst>
+                                      </p:cBhvr>
+                                      <p:to>
+                                        <p:strVal val="visible"/>
+                                      </p:to>
+                                    </p:set>
+                                  </p:childTnLst>
+                                </p:cTn>
+                              </p:par>
+                              <p:par>
+                                <p:cTn id="25" presetID="1" presetClass="entr" presetSubtype="0" fill="hold" grpId="0" nodeType="withEffect">
+                                  <p:stCondLst>
+                                    <p:cond delay="0"/>
+                                  </p:stCondLst>
+                                  <p:childTnLst>
+                                    <p:set>
+                                      <p:cBhvr>
+                                        <p:cTn id="26" dur="1" fill="hold">
+                                          <p:stCondLst>
+                                            <p:cond delay="0"/>
+                                          </p:stCondLst>
+                                        </p:cTn>
+                                        <p:tgtEl>
+                                          <p:spTgt spid="3">
+                                            <p:txEl>
+                                              <p:pRg st="6" end="6"/>
+                                            </p:txEl>
+                                          </p:spTgt>
+                                        </p:tgtEl>
+                                        <p:attrNameLst>
+                                          <p:attrName>style.visibility</p:attrName>
+                                        </p:attrNameLst>
+                                      </p:cBhvr>
+                                      <p:to>
+                                        <p:strVal val="visible"/>
+                                      </p:to>
+                                    </p:set>
+                                  </p:childTnLst>
+                                </p:cTn>
+                              </p:par>
+                              <p:par>
+                                <p:cTn id="27" presetID="1" presetClass="entr" presetSubtype="0" fill="hold" grpId="0" nodeType="withEffect">
+                                  <p:stCondLst>
+                                    <p:cond delay="0"/>
+                                  </p:stCondLst>
+                                  <p:childTnLst>
+                                    <p:set>
+                                      <p:cBhvr>
+                                        <p:cTn id="28" dur="1" fill="hold">
+                                          <p:stCondLst>
+                                            <p:cond delay="0"/>
+                                          </p:stCondLst>
+                                        </p:cTn>
+                                        <p:tgtEl>
+                                          <p:spTgt spid="3">
+                                            <p:txEl>
+                                              <p:pRg st="7" end="7"/>
+                                            </p:txEl>
+                                          </p:spTgt>
+                                        </p:tgtEl>
+                                        <p:attrNameLst>
+                                          <p:attrName>style.visibility</p:attrName>
+                                        </p:attrNameLst>
+                                      </p:cBhvr>
+                                      <p:to>
+                                        <p:strVal val="visible"/>
+                                      </p:to>
+                                    </p:set>
+                                  </p:childTnLst>
+                                </p:cTn>
+                              </p:par>
+                            </p:childTnLst>
+                          </p:cTn>
+                        </p:par>
+                      </p:childTnLst>
+                    </p:cTn>
+                  </p:par>
+                </p:childTnLst>
+              </p:cTn>
+              <p:prevCondLst>
+                <p:cond evt="onPrev" delay="0">
+                  <p:tgtEl>
+                    <p:sldTgt/>
+                  </p:tgtEl>
+                </p:cond>
+              </p:prevCondLst>
+              <p:nextCondLst>
+                <p:cond evt="onNext" delay="0">
+                  <p:tgtEl>
+                    <p:sldTgt/>
+                  </p:tgtEl>
+                </p:cond>
+              </p:nextCondLst>
+            </p:seq>
+          </p:childTnLst>
+        </p:cTn>
+      </p:par>
+    </p:tnLst>
+    <p:bldLst>
+      <p:bldP spid="3" grpId="0" build="p"/>
+    </p:bldLst>
+  </p:timing>
+</p:sld>
+</file>
+
+<file path=ppt/slides/slide14.xml><?xml version="1.0" encoding="utf-8"?>
+<p:sld xmlns:a="http://schemas.openxmlformats.org/drawingml/2006/main" xmlns:r="http://schemas.openxmlformats.org/officeDocument/2006/relationships" xmlns:p="http://schemas.openxmlformats.org/presentationml/2006/main">
+  <p:cSld>
+    <p:spTree>
+      <p:nvGrpSpPr>
+        <p:cNvPr id="1" name=""/>
+        <p:cNvGrpSpPr/>
+        <p:nvPr/>
+      </p:nvGrpSpPr>
+      <p:grpSpPr>
+        <a:xfrm>
+          <a:off x="0" y="0"/>
+          <a:ext cx="0" cy="0"/>
+          <a:chOff x="0" y="0"/>
+          <a:chExt cx="0" cy="0"/>
+        </a:xfrm>
+      </p:grpSpPr>
+      <mc:AlternateContent xmlns:mc="http://schemas.openxmlformats.org/markup-compatibility/2006">
+        <mc:Choice xmlns:a14="http://schemas.microsoft.com/office/drawing/2010/main" Requires="a14">
+          <p:sp>
+            <p:nvSpPr>
+              <p:cNvPr id="2" name="Title 1"/>
+              <p:cNvSpPr>
+                <a:spLocks noGrp="1"/>
+              </p:cNvSpPr>
+              <p:nvPr>
+                <p:ph type="title"/>
+              </p:nvPr>
+            </p:nvSpPr>
+            <p:spPr/>
+            <p:txBody>
+              <a:bodyPr/>
+              <a:lstStyle/>
+              <a:p>
+                <a:r>
+                  <a:rPr lang="en-US" dirty="0" smtClean="0">
+                    <a:solidFill>
+                      <a:srgbClr val="0070C0"/>
+                    </a:solidFill>
+                  </a:rPr>
+                  <a:t>Best fit subspace for </a:t>
+                </a:r>
+                <a14:m>
+                  <m:oMath xmlns:m="http://schemas.openxmlformats.org/officeDocument/2006/math">
+                    <m:r>
+                      <a:rPr lang="en-US" b="0" i="1" smtClean="0">
+                        <a:solidFill>
+                          <a:srgbClr val="FF0000"/>
+                        </a:solidFill>
+                        <a:latin typeface="Cambria Math"/>
+                      </a:rPr>
+                      <m:t>𝑘</m:t>
+                    </m:r>
+                  </m:oMath>
+                </a14:m>
+                <a:r>
+                  <a:rPr lang="en-US" dirty="0" smtClean="0">
+                    <a:solidFill>
+                      <a:srgbClr val="0070C0"/>
+                    </a:solidFill>
+                  </a:rPr>
+                  <a:t> Gaussians</a:t>
+                </a:r>
+                <a:endParaRPr lang="en-US" dirty="0"/>
+              </a:p>
+            </p:txBody>
+          </p:sp>
+        </mc:Choice>
+        <mc:Fallback>
+          <p:sp>
+            <p:nvSpPr>
+              <p:cNvPr id="2" name="Title 1"/>
+              <p:cNvSpPr>
+                <a:spLocks noGrp="1" noRot="1" noChangeAspect="1" noMove="1" noResize="1" noEditPoints="1" noAdjustHandles="1" noChangeArrowheads="1" noChangeShapeType="1" noTextEdit="1"/>
+              </p:cNvSpPr>
+              <p:nvPr>
+                <p:ph type="title"/>
+              </p:nvPr>
+            </p:nvSpPr>
+            <p:spPr>
+              <a:blipFill rotWithShape="1">
+                <a:blip r:embed="rId2"/>
+                <a:stretch>
+                  <a:fillRect b="-8511"/>
+                </a:stretch>
+              </a:blipFill>
+            </p:spPr>
+            <p:txBody>
+              <a:bodyPr/>
+              <a:lstStyle/>
+              <a:p>
+                <a:r>
+                  <a:rPr lang="en-US">
+                    <a:noFill/>
+                  </a:rPr>
+                  <a:t> </a:t>
+                </a:r>
+              </a:p>
+            </p:txBody>
+          </p:sp>
+        </mc:Fallback>
+      </mc:AlternateContent>
+      <mc:AlternateContent xmlns:mc="http://schemas.openxmlformats.org/markup-compatibility/2006">
+        <mc:Choice xmlns:a14="http://schemas.microsoft.com/office/drawing/2010/main" Requires="a14">
+          <p:sp>
+            <p:nvSpPr>
+              <p:cNvPr id="3" name="Content Placeholder 2"/>
+              <p:cNvSpPr>
+                <a:spLocks noGrp="1"/>
+              </p:cNvSpPr>
+              <p:nvPr>
+                <p:ph idx="1"/>
+              </p:nvPr>
+            </p:nvSpPr>
+            <p:spPr>
+              <a:xfrm>
+                <a:off x="457200" y="1371600"/>
+                <a:ext cx="8686800" cy="5410200"/>
+              </a:xfrm>
+            </p:spPr>
+            <p:txBody>
+              <a:bodyPr/>
+              <a:lstStyle/>
+              <a:p>
+                <a:r>
+                  <a:rPr lang="en-US" b="1" dirty="0" smtClean="0"/>
+                  <a:t>Thm. </a:t>
+                </a:r>
+                <a14:m>
+                  <m:oMath xmlns:m="http://schemas.openxmlformats.org/officeDocument/2006/math">
+                    <m:r>
+                      <a:rPr lang="en-US" b="1" i="1" dirty="0" smtClean="0">
+                        <a:latin typeface="Cambria Math"/>
+                      </a:rPr>
+                      <m:t>𝒑</m:t>
+                    </m:r>
+                  </m:oMath>
+                </a14:m>
+                <a:r>
+                  <a:rPr lang="en-US" dirty="0" smtClean="0"/>
+                  <a:t> is a mixture of </a:t>
+                </a:r>
+                <a14:m>
+                  <m:oMath xmlns:m="http://schemas.openxmlformats.org/officeDocument/2006/math">
+                    <m:r>
+                      <a:rPr lang="en-US" b="0" i="1" smtClean="0">
+                        <a:solidFill>
+                          <a:srgbClr val="FF0000"/>
+                        </a:solidFill>
+                        <a:latin typeface="Cambria Math"/>
+                      </a:rPr>
+                      <m:t>𝑘</m:t>
+                    </m:r>
+                  </m:oMath>
+                </a14:m>
+                <a:r>
+                  <a:rPr lang="en-US" dirty="0" smtClean="0"/>
+                  <a:t> spherical Gaussians </a:t>
+                </a:r>
+                <a14:m>
+                  <m:oMath xmlns:m="http://schemas.openxmlformats.org/officeDocument/2006/math">
+                    <m:r>
+                      <a:rPr lang="en-US" b="0" i="1" smtClean="0">
+                        <a:latin typeface="Cambria Math"/>
+                      </a:rPr>
+                      <m:t>⇒</m:t>
+                    </m:r>
+                  </m:oMath>
+                </a14:m>
+                <a:r>
+                  <a:rPr lang="en-US" dirty="0" smtClean="0"/>
+                  <a:t> best fit </a:t>
+                </a:r>
+                <a14:m>
+                  <m:oMath xmlns:m="http://schemas.openxmlformats.org/officeDocument/2006/math">
+                    <m:r>
+                      <a:rPr lang="en-US" b="0" i="1" smtClean="0">
+                        <a:solidFill>
+                          <a:srgbClr val="FF0000"/>
+                        </a:solidFill>
+                        <a:latin typeface="Cambria Math"/>
+                      </a:rPr>
+                      <m:t>𝑘</m:t>
+                    </m:r>
+                  </m:oMath>
+                </a14:m>
+                <a:r>
+                  <a:rPr lang="en-US" dirty="0" smtClean="0"/>
+                  <a:t>-dim. subspace contains their centers</a:t>
+                </a:r>
+              </a:p>
+              <a:p>
+                <a14:m>
+                  <m:oMath xmlns:m="http://schemas.openxmlformats.org/officeDocument/2006/math">
+                    <m:r>
+                      <a:rPr lang="en-US" b="0" i="1" smtClean="0">
+                        <a:latin typeface="Cambria Math"/>
+                      </a:rPr>
+                      <m:t>𝑝</m:t>
+                    </m:r>
+                    <m:r>
+                      <a:rPr lang="en-US" b="0" i="1" smtClean="0">
+                        <a:latin typeface="Cambria Math"/>
+                      </a:rPr>
+                      <m:t>=</m:t>
+                    </m:r>
+                    <m:sSub>
+                      <m:sSubPr>
+                        <m:ctrlPr>
+                          <a:rPr lang="en-US" b="0" i="1" smtClean="0">
+                            <a:latin typeface="Cambria Math"/>
+                          </a:rPr>
+                        </m:ctrlPr>
+                      </m:sSubPr>
+                      <m:e>
+                        <m:r>
+                          <a:rPr lang="en-US" b="0" i="1" smtClean="0">
+                            <a:latin typeface="Cambria Math"/>
+                          </a:rPr>
+                          <m:t>𝑤</m:t>
+                        </m:r>
+                      </m:e>
+                      <m:sub>
+                        <m:r>
+                          <a:rPr lang="en-US" b="0" i="1" smtClean="0">
+                            <a:latin typeface="Cambria Math"/>
+                          </a:rPr>
+                          <m:t>1</m:t>
+                        </m:r>
+                      </m:sub>
+                    </m:sSub>
+                    <m:sSub>
+                      <m:sSubPr>
+                        <m:ctrlPr>
+                          <a:rPr lang="en-US" b="0" i="1" smtClean="0">
+                            <a:latin typeface="Cambria Math"/>
+                          </a:rPr>
+                        </m:ctrlPr>
+                      </m:sSubPr>
+                      <m:e>
+                        <m:r>
+                          <a:rPr lang="en-US" b="1" i="1" smtClean="0">
+                            <a:latin typeface="Cambria Math"/>
+                          </a:rPr>
+                          <m:t>𝒑</m:t>
+                        </m:r>
+                      </m:e>
+                      <m:sub>
+                        <m:r>
+                          <a:rPr lang="en-US" b="0" i="1" smtClean="0">
+                            <a:latin typeface="Cambria Math"/>
+                          </a:rPr>
+                          <m:t>1</m:t>
+                        </m:r>
+                      </m:sub>
+                    </m:sSub>
+                    <m:r>
+                      <a:rPr lang="en-US" b="0" i="1" smtClean="0">
+                        <a:latin typeface="Cambria Math"/>
+                      </a:rPr>
+                      <m:t>+</m:t>
+                    </m:r>
+                    <m:sSub>
+                      <m:sSubPr>
+                        <m:ctrlPr>
+                          <a:rPr lang="en-US" b="0" i="1" smtClean="0">
+                            <a:latin typeface="Cambria Math"/>
+                          </a:rPr>
+                        </m:ctrlPr>
+                      </m:sSubPr>
+                      <m:e>
+                        <m:r>
+                          <a:rPr lang="en-US" b="0" i="1" smtClean="0">
+                            <a:latin typeface="Cambria Math"/>
+                          </a:rPr>
+                          <m:t>𝑤</m:t>
+                        </m:r>
+                      </m:e>
+                      <m:sub>
+                        <m:r>
+                          <a:rPr lang="en-US" b="0" i="1" smtClean="0">
+                            <a:latin typeface="Cambria Math"/>
+                          </a:rPr>
+                          <m:t>2</m:t>
+                        </m:r>
+                      </m:sub>
+                    </m:sSub>
+                    <m:sSub>
+                      <m:sSubPr>
+                        <m:ctrlPr>
+                          <a:rPr lang="en-US" b="0" i="1" smtClean="0">
+                            <a:latin typeface="Cambria Math"/>
+                          </a:rPr>
+                        </m:ctrlPr>
+                      </m:sSubPr>
+                      <m:e>
+                        <m:r>
+                          <a:rPr lang="en-US" b="1" i="1" smtClean="0">
+                            <a:latin typeface="Cambria Math"/>
+                          </a:rPr>
+                          <m:t>𝒑</m:t>
+                        </m:r>
+                      </m:e>
+                      <m:sub>
+                        <m:r>
+                          <a:rPr lang="en-US" b="0" i="1" smtClean="0">
+                            <a:latin typeface="Cambria Math"/>
+                          </a:rPr>
+                          <m:t>2</m:t>
+                        </m:r>
+                      </m:sub>
+                    </m:sSub>
+                    <m:r>
+                      <a:rPr lang="en-US" b="0" i="1" smtClean="0">
+                        <a:latin typeface="Cambria Math"/>
+                      </a:rPr>
+                      <m:t>+…+</m:t>
+                    </m:r>
+                    <m:sSub>
+                      <m:sSubPr>
+                        <m:ctrlPr>
+                          <a:rPr lang="en-US" b="0" i="1" smtClean="0">
+                            <a:latin typeface="Cambria Math"/>
+                          </a:rPr>
+                        </m:ctrlPr>
+                      </m:sSubPr>
+                      <m:e>
+                        <m:r>
+                          <a:rPr lang="en-US" b="0" i="1" smtClean="0">
+                            <a:latin typeface="Cambria Math"/>
+                          </a:rPr>
+                          <m:t>𝑤</m:t>
+                        </m:r>
+                      </m:e>
+                      <m:sub>
+                        <m:r>
+                          <a:rPr lang="en-US" b="0" i="1" smtClean="0">
+                            <a:solidFill>
+                              <a:srgbClr val="FF0000"/>
+                            </a:solidFill>
+                            <a:latin typeface="Cambria Math"/>
+                          </a:rPr>
+                          <m:t>𝑘</m:t>
+                        </m:r>
+                      </m:sub>
+                    </m:sSub>
+                    <m:sSub>
+                      <m:sSubPr>
+                        <m:ctrlPr>
+                          <a:rPr lang="en-US" b="0" i="1" smtClean="0">
+                            <a:latin typeface="Cambria Math"/>
+                          </a:rPr>
+                        </m:ctrlPr>
+                      </m:sSubPr>
+                      <m:e>
+                        <m:r>
+                          <a:rPr lang="en-US" b="1" i="1" smtClean="0">
+                            <a:latin typeface="Cambria Math"/>
+                          </a:rPr>
+                          <m:t>𝒑</m:t>
+                        </m:r>
+                      </m:e>
+                      <m:sub>
+                        <m:r>
+                          <a:rPr lang="en-US" b="0" i="1" smtClean="0">
+                            <a:solidFill>
+                              <a:srgbClr val="FF0000"/>
+                            </a:solidFill>
+                            <a:latin typeface="Cambria Math"/>
+                          </a:rPr>
+                          <m:t>𝑘</m:t>
+                        </m:r>
+                      </m:sub>
+                    </m:sSub>
+                  </m:oMath>
+                </a14:m>
+                <a:endParaRPr lang="en-US" b="0" dirty="0" smtClean="0"/>
+              </a:p>
+              <a:p>
+                <a:r>
+                  <a:rPr lang="en-US" dirty="0" smtClean="0"/>
+                  <a:t>Let </a:t>
+                </a:r>
+                <a14:m>
+                  <m:oMath xmlns:m="http://schemas.openxmlformats.org/officeDocument/2006/math">
+                    <m:r>
+                      <a:rPr lang="en-US" b="1" i="1" smtClean="0">
+                        <a:latin typeface="Cambria Math"/>
+                      </a:rPr>
+                      <m:t>𝑽</m:t>
+                    </m:r>
+                  </m:oMath>
+                </a14:m>
+                <a:r>
+                  <a:rPr lang="en-US" b="1" dirty="0" smtClean="0"/>
+                  <a:t> </a:t>
+                </a:r>
+                <a:r>
+                  <a:rPr lang="en-US" dirty="0" smtClean="0"/>
+                  <a:t>be a subspace of dimension </a:t>
+                </a:r>
+                <a14:m>
+                  <m:oMath xmlns:m="http://schemas.openxmlformats.org/officeDocument/2006/math">
+                    <m:r>
+                      <a:rPr lang="en-US" b="0" i="1" smtClean="0">
+                        <a:latin typeface="Cambria Math"/>
+                      </a:rPr>
+                      <m:t>≤</m:t>
+                    </m:r>
+                    <m:r>
+                      <a:rPr lang="en-US" b="0" i="1" smtClean="0">
+                        <a:solidFill>
+                          <a:srgbClr val="FF0000"/>
+                        </a:solidFill>
+                        <a:latin typeface="Cambria Math"/>
+                      </a:rPr>
+                      <m:t>𝑘</m:t>
+                    </m:r>
+                  </m:oMath>
+                </a14:m>
+                <a:endParaRPr lang="en-US" b="1" dirty="0" smtClean="0"/>
+              </a:p>
+              <a:p>
+                <a:pPr marL="0" indent="0">
+                  <a:buNone/>
+                </a:pPr>
+                <a14:m>
+                  <m:oMathPara xmlns:m="http://schemas.openxmlformats.org/officeDocument/2006/math">
+                    <m:oMathParaPr>
+                      <m:jc m:val="centerGroup"/>
+                    </m:oMathParaPr>
+                    <m:oMath xmlns:m="http://schemas.openxmlformats.org/officeDocument/2006/math">
+                      <m:sSub>
+                        <m:sSubPr>
+                          <m:ctrlPr>
+                            <a:rPr lang="en-US" sz="2800" b="1" i="1" smtClean="0">
+                              <a:latin typeface="Cambria Math"/>
+                              <a:ea typeface="Cambria Math"/>
+                            </a:rPr>
+                          </m:ctrlPr>
+                        </m:sSubPr>
+                        <m:e>
+                          <m:r>
+                            <a:rPr lang="en-US" sz="2800" b="1" i="1" smtClean="0">
+                              <a:latin typeface="Cambria Math"/>
+                              <a:ea typeface="Cambria Math"/>
+                            </a:rPr>
+                            <m:t>𝔼</m:t>
+                          </m:r>
+                        </m:e>
+                        <m:sub>
+                          <m:r>
+                            <a:rPr lang="en-US" sz="2800" b="1" i="1" smtClean="0">
+                              <a:latin typeface="Cambria Math"/>
+                              <a:ea typeface="Cambria Math"/>
+                            </a:rPr>
+                            <m:t>𝒙</m:t>
+                          </m:r>
+                          <m:r>
+                            <a:rPr lang="en-US" sz="2800" b="1" i="1" smtClean="0">
+                              <a:latin typeface="Cambria Math"/>
+                              <a:ea typeface="Cambria Math"/>
+                            </a:rPr>
+                            <m:t>∼</m:t>
+                          </m:r>
+                          <m:r>
+                            <a:rPr lang="en-US" sz="2800" b="1" i="1" smtClean="0">
+                              <a:latin typeface="Cambria Math"/>
+                              <a:ea typeface="Cambria Math"/>
+                            </a:rPr>
+                            <m:t>𝒑</m:t>
+                          </m:r>
+                        </m:sub>
+                      </m:sSub>
+                      <m:d>
+                        <m:dPr>
+                          <m:begChr m:val="["/>
+                          <m:endChr m:val="]"/>
+                          <m:ctrlPr>
+                            <a:rPr lang="en-US" sz="2800" b="1" i="1" smtClean="0">
+                              <a:latin typeface="Cambria Math"/>
+                              <a:ea typeface="Cambria Math"/>
+                            </a:rPr>
+                          </m:ctrlPr>
+                        </m:dPr>
+                        <m:e>
+                          <m:sSubSup>
+                            <m:sSubSupPr>
+                              <m:ctrlPr>
+                                <a:rPr lang="en-US" sz="2800" b="1" i="1" smtClean="0">
+                                  <a:latin typeface="Cambria Math"/>
+                                  <a:ea typeface="Cambria Math"/>
+                                </a:rPr>
+                              </m:ctrlPr>
+                            </m:sSubSupPr>
+                            <m:e>
+                              <m:d>
+                                <m:dPr>
+                                  <m:begChr m:val="|"/>
+                                  <m:endChr m:val="|"/>
+                                  <m:ctrlPr>
+                                    <a:rPr lang="en-US" sz="2800" b="1" i="1" smtClean="0">
+                                      <a:latin typeface="Cambria Math"/>
+                                      <a:ea typeface="Cambria Math"/>
+                                    </a:rPr>
+                                  </m:ctrlPr>
+                                </m:dPr>
+                                <m:e>
+                                  <m:d>
+                                    <m:dPr>
+                                      <m:begChr m:val="|"/>
+                                      <m:endChr m:val="|"/>
+                                      <m:ctrlPr>
+                                        <a:rPr lang="en-US" sz="2800" b="1" i="1" smtClean="0">
+                                          <a:latin typeface="Cambria Math"/>
+                                          <a:ea typeface="Cambria Math"/>
+                                        </a:rPr>
+                                      </m:ctrlPr>
+                                    </m:dPr>
+                                    <m:e>
+                                      <m:r>
+                                        <a:rPr lang="en-US" sz="2800" b="0" i="1" smtClean="0">
+                                          <a:latin typeface="Cambria Math"/>
+                                          <a:ea typeface="Cambria Math"/>
+                                        </a:rPr>
+                                        <m:t>𝑝𝑟𝑜𝑗</m:t>
+                                      </m:r>
+                                      <m:d>
+                                        <m:dPr>
+                                          <m:ctrlPr>
+                                            <a:rPr lang="en-US" sz="2800" b="1" i="1" smtClean="0">
+                                              <a:latin typeface="Cambria Math"/>
+                                              <a:ea typeface="Cambria Math"/>
+                                            </a:rPr>
+                                          </m:ctrlPr>
+                                        </m:dPr>
+                                        <m:e>
+                                          <m:r>
+                                            <a:rPr lang="en-US" sz="2800" b="1" i="1" smtClean="0">
+                                              <a:latin typeface="Cambria Math"/>
+                                              <a:ea typeface="Cambria Math"/>
+                                            </a:rPr>
+                                            <m:t>𝒙</m:t>
+                                          </m:r>
+                                          <m:r>
+                                            <a:rPr lang="en-US" sz="2800" b="1" i="1" smtClean="0">
+                                              <a:latin typeface="Cambria Math"/>
+                                              <a:ea typeface="Cambria Math"/>
+                                            </a:rPr>
+                                            <m:t>,</m:t>
+                                          </m:r>
+                                          <m:r>
+                                            <a:rPr lang="en-US" sz="2800" b="1" i="1" smtClean="0">
+                                              <a:latin typeface="Cambria Math"/>
+                                              <a:ea typeface="Cambria Math"/>
+                                            </a:rPr>
+                                            <m:t>𝑽</m:t>
+                                          </m:r>
+                                        </m:e>
+                                      </m:d>
+                                    </m:e>
+                                  </m:d>
+                                </m:e>
+                              </m:d>
+                            </m:e>
+                            <m:sub>
+                              <m:r>
+                                <a:rPr lang="en-US" sz="2800" b="1" i="1" smtClean="0">
+                                  <a:latin typeface="Cambria Math"/>
+                                  <a:ea typeface="Cambria Math"/>
+                                </a:rPr>
+                                <m:t>𝟐</m:t>
+                              </m:r>
+                            </m:sub>
+                            <m:sup>
+                              <m:r>
+                                <a:rPr lang="en-US" sz="2800" b="1" i="1" smtClean="0">
+                                  <a:latin typeface="Cambria Math"/>
+                                  <a:ea typeface="Cambria Math"/>
+                                </a:rPr>
+                                <m:t>𝟐</m:t>
+                              </m:r>
+                            </m:sup>
+                          </m:sSubSup>
+                        </m:e>
+                      </m:d>
+                      <m:r>
+                        <a:rPr lang="en-US" sz="2800" b="1" i="1" smtClean="0">
+                          <a:latin typeface="Cambria Math"/>
+                          <a:ea typeface="Cambria Math"/>
+                        </a:rPr>
+                        <m:t>=</m:t>
+                      </m:r>
+                      <m:nary>
+                        <m:naryPr>
+                          <m:chr m:val="∑"/>
+                          <m:ctrlPr>
+                            <a:rPr lang="en-US" sz="2800" b="1" i="1" smtClean="0">
+                              <a:latin typeface="Cambria Math"/>
+                              <a:ea typeface="Cambria Math"/>
+                            </a:rPr>
+                          </m:ctrlPr>
+                        </m:naryPr>
+                        <m:sub>
+                          <m:r>
+                            <a:rPr lang="en-US" sz="2800" b="0" i="1" smtClean="0">
+                              <a:latin typeface="Cambria Math"/>
+                              <a:ea typeface="Cambria Math"/>
+                            </a:rPr>
+                            <m:t>𝑖</m:t>
+                          </m:r>
+                          <m:r>
+                            <a:rPr lang="en-US" sz="2800" b="0" i="1" smtClean="0">
+                              <a:latin typeface="Cambria Math"/>
+                              <a:ea typeface="Cambria Math"/>
+                            </a:rPr>
+                            <m:t>=1</m:t>
+                          </m:r>
+                        </m:sub>
+                        <m:sup>
+                          <m:r>
+                            <a:rPr lang="en-US" sz="2800" b="0" i="1" smtClean="0">
+                              <a:solidFill>
+                                <a:srgbClr val="FF0000"/>
+                              </a:solidFill>
+                              <a:latin typeface="Cambria Math"/>
+                            </a:rPr>
+                            <m:t>𝑘</m:t>
+                          </m:r>
+                        </m:sup>
+                        <m:e>
+                          <m:sSub>
+                            <m:sSubPr>
+                              <m:ctrlPr>
+                                <a:rPr lang="en-US" sz="2800" i="1" smtClean="0">
+                                  <a:latin typeface="Cambria Math"/>
+                                  <a:ea typeface="Cambria Math"/>
+                                </a:rPr>
+                              </m:ctrlPr>
+                            </m:sSubPr>
+                            <m:e>
+                              <m:r>
+                                <a:rPr lang="en-US" sz="2800" b="0" i="1" smtClean="0">
+                                  <a:latin typeface="Cambria Math"/>
+                                  <a:ea typeface="Cambria Math"/>
+                                </a:rPr>
+                                <m:t>𝑤</m:t>
+                              </m:r>
+                            </m:e>
+                            <m:sub>
+                              <m:r>
+                                <a:rPr lang="en-US" sz="2800" b="0" i="1" smtClean="0">
+                                  <a:latin typeface="Cambria Math"/>
+                                  <a:ea typeface="Cambria Math"/>
+                                </a:rPr>
+                                <m:t>𝑖</m:t>
+                              </m:r>
+                            </m:sub>
+                          </m:sSub>
+                        </m:e>
+                      </m:nary>
+                      <m:sSub>
+                        <m:sSubPr>
+                          <m:ctrlPr>
+                            <a:rPr lang="en-US" sz="2800" b="1" i="1" smtClean="0">
+                              <a:latin typeface="Cambria Math"/>
+                              <a:ea typeface="Cambria Math"/>
+                            </a:rPr>
+                          </m:ctrlPr>
+                        </m:sSubPr>
+                        <m:e>
+                          <m:r>
+                            <a:rPr lang="en-US" sz="2800" b="1" i="1" smtClean="0">
+                              <a:latin typeface="Cambria Math"/>
+                              <a:ea typeface="Cambria Math"/>
+                            </a:rPr>
+                            <m:t>𝔼</m:t>
+                          </m:r>
+                        </m:e>
+                        <m:sub>
+                          <m:r>
+                            <a:rPr lang="en-US" sz="2800" b="1" i="1" smtClean="0">
+                              <a:latin typeface="Cambria Math"/>
+                              <a:ea typeface="Cambria Math"/>
+                            </a:rPr>
+                            <m:t>𝒙</m:t>
+                          </m:r>
+                          <m:r>
+                            <a:rPr lang="en-US" sz="2800" b="1" i="1" smtClean="0">
+                              <a:latin typeface="Cambria Math"/>
+                              <a:ea typeface="Cambria Math"/>
+                            </a:rPr>
+                            <m:t>∼</m:t>
+                          </m:r>
+                          <m:sSub>
+                            <m:sSubPr>
+                              <m:ctrlPr>
+                                <a:rPr lang="en-US" sz="2800" b="1" i="1" smtClean="0">
+                                  <a:latin typeface="Cambria Math"/>
+                                  <a:ea typeface="Cambria Math"/>
+                                </a:rPr>
+                              </m:ctrlPr>
+                            </m:sSubPr>
+                            <m:e>
+                              <m:r>
+                                <a:rPr lang="en-US" sz="2800" b="1" i="1" smtClean="0">
+                                  <a:latin typeface="Cambria Math"/>
+                                  <a:ea typeface="Cambria Math"/>
+                                </a:rPr>
+                                <m:t>𝒑</m:t>
+                              </m:r>
+                            </m:e>
+                            <m:sub>
+                              <m:r>
+                                <a:rPr lang="en-US" sz="2800" b="1" i="1" smtClean="0">
+                                  <a:latin typeface="Cambria Math"/>
+                                  <a:ea typeface="Cambria Math"/>
+                                </a:rPr>
+                                <m:t>𝒊</m:t>
+                              </m:r>
+                            </m:sub>
+                          </m:sSub>
+                        </m:sub>
+                      </m:sSub>
+                      <m:d>
+                        <m:dPr>
+                          <m:begChr m:val="["/>
+                          <m:endChr m:val="]"/>
+                          <m:ctrlPr>
+                            <a:rPr lang="en-US" sz="2800" b="1" i="1" smtClean="0">
+                              <a:latin typeface="Cambria Math"/>
+                              <a:ea typeface="Cambria Math"/>
+                            </a:rPr>
+                          </m:ctrlPr>
+                        </m:dPr>
+                        <m:e>
+                          <m:sSubSup>
+                            <m:sSubSupPr>
+                              <m:ctrlPr>
+                                <a:rPr lang="en-US" sz="2800" b="1" i="1" smtClean="0">
+                                  <a:latin typeface="Cambria Math"/>
+                                  <a:ea typeface="Cambria Math"/>
+                                </a:rPr>
+                              </m:ctrlPr>
+                            </m:sSubSupPr>
+                            <m:e>
+                              <m:d>
+                                <m:dPr>
+                                  <m:begChr m:val="|"/>
+                                  <m:endChr m:val="|"/>
+                                  <m:ctrlPr>
+                                    <a:rPr lang="en-US" sz="2800" b="1" i="1" smtClean="0">
+                                      <a:latin typeface="Cambria Math"/>
+                                      <a:ea typeface="Cambria Math"/>
+                                    </a:rPr>
+                                  </m:ctrlPr>
+                                </m:dPr>
+                                <m:e>
+                                  <m:d>
+                                    <m:dPr>
+                                      <m:begChr m:val="|"/>
+                                      <m:endChr m:val="|"/>
+                                      <m:ctrlPr>
+                                        <a:rPr lang="en-US" sz="2800" b="1" i="1" smtClean="0">
+                                          <a:latin typeface="Cambria Math"/>
+                                          <a:ea typeface="Cambria Math"/>
+                                        </a:rPr>
+                                      </m:ctrlPr>
+                                    </m:dPr>
+                                    <m:e>
+                                      <m:r>
+                                        <a:rPr lang="en-US" sz="2800" b="0" i="1" smtClean="0">
+                                          <a:latin typeface="Cambria Math"/>
+                                          <a:ea typeface="Cambria Math"/>
+                                        </a:rPr>
+                                        <m:t>𝑝𝑟𝑜𝑗</m:t>
+                                      </m:r>
+                                      <m:d>
+                                        <m:dPr>
+                                          <m:ctrlPr>
+                                            <a:rPr lang="en-US" sz="2800" b="1" i="1" smtClean="0">
+                                              <a:latin typeface="Cambria Math"/>
+                                              <a:ea typeface="Cambria Math"/>
+                                            </a:rPr>
+                                          </m:ctrlPr>
+                                        </m:dPr>
+                                        <m:e>
+                                          <m:r>
+                                            <a:rPr lang="en-US" sz="2800" b="1" i="1" smtClean="0">
+                                              <a:latin typeface="Cambria Math"/>
+                                              <a:ea typeface="Cambria Math"/>
+                                            </a:rPr>
+                                            <m:t>𝒙</m:t>
+                                          </m:r>
+                                          <m:r>
+                                            <a:rPr lang="en-US" sz="2800" b="1" i="1" smtClean="0">
+                                              <a:latin typeface="Cambria Math"/>
+                                              <a:ea typeface="Cambria Math"/>
+                                            </a:rPr>
+                                            <m:t>,</m:t>
+                                          </m:r>
+                                          <m:r>
+                                            <a:rPr lang="en-US" sz="2800" b="1" i="1" smtClean="0">
+                                              <a:latin typeface="Cambria Math"/>
+                                              <a:ea typeface="Cambria Math"/>
+                                            </a:rPr>
+                                            <m:t>𝑽</m:t>
+                                          </m:r>
+                                        </m:e>
+                                      </m:d>
+                                    </m:e>
+                                  </m:d>
+                                </m:e>
+                              </m:d>
+                            </m:e>
+                            <m:sub>
+                              <m:r>
+                                <a:rPr lang="en-US" sz="2800" b="1" i="1" smtClean="0">
+                                  <a:latin typeface="Cambria Math"/>
+                                  <a:ea typeface="Cambria Math"/>
+                                </a:rPr>
+                                <m:t>𝟐</m:t>
+                              </m:r>
+                            </m:sub>
+                            <m:sup>
+                              <m:r>
+                                <a:rPr lang="en-US" sz="2800" b="1" i="1" smtClean="0">
+                                  <a:latin typeface="Cambria Math"/>
+                                  <a:ea typeface="Cambria Math"/>
+                                </a:rPr>
+                                <m:t>𝟐</m:t>
+                              </m:r>
+                            </m:sup>
+                          </m:sSubSup>
+                        </m:e>
+                      </m:d>
+                    </m:oMath>
+                  </m:oMathPara>
+                </a14:m>
+                <a:endParaRPr lang="en-US" sz="2800" b="1" dirty="0" smtClean="0"/>
+              </a:p>
+              <a:p>
+                <a:r>
+                  <a:rPr lang="en-US" sz="2800" dirty="0" smtClean="0"/>
+                  <a:t>Each term is maximized if</a:t>
+                </a:r>
+                <a:r>
+                  <a:rPr lang="en-US" sz="2800" b="1" dirty="0" smtClean="0"/>
+                  <a:t> </a:t>
+                </a:r>
+                <a14:m>
+                  <m:oMath xmlns:m="http://schemas.openxmlformats.org/officeDocument/2006/math">
+                    <m:r>
+                      <a:rPr lang="en-US" sz="2800" b="1" i="1" smtClean="0">
+                        <a:latin typeface="Cambria Math"/>
+                        <a:ea typeface="Cambria Math"/>
+                      </a:rPr>
+                      <m:t>𝑽</m:t>
+                    </m:r>
+                  </m:oMath>
+                </a14:m>
+                <a:r>
+                  <a:rPr lang="en-US" sz="2800" b="1" dirty="0" smtClean="0"/>
+                  <a:t> </a:t>
+                </a:r>
+                <a:r>
+                  <a:rPr lang="en-US" sz="2800" dirty="0" smtClean="0"/>
+                  <a:t>contains all </a:t>
+                </a:r>
+                <a14:m>
+                  <m:oMath xmlns:m="http://schemas.openxmlformats.org/officeDocument/2006/math">
+                    <m:sSubSup>
+                      <m:sSubSupPr>
+                        <m:ctrlPr>
+                          <a:rPr lang="en-US" sz="2800" b="1" i="1" smtClean="0">
+                            <a:latin typeface="Cambria Math"/>
+                          </a:rPr>
+                        </m:ctrlPr>
+                      </m:sSubSupPr>
+                      <m:e>
+                        <m:r>
+                          <a:rPr lang="en-US" sz="2800" b="1" i="1" smtClean="0">
+                            <a:latin typeface="Cambria Math"/>
+                          </a:rPr>
+                          <m:t>𝝁</m:t>
+                        </m:r>
+                      </m:e>
+                      <m:sub>
+                        <m:r>
+                          <a:rPr lang="en-US" sz="2800" b="1" i="1" smtClean="0">
+                            <a:latin typeface="Cambria Math"/>
+                          </a:rPr>
+                          <m:t>𝒊</m:t>
+                        </m:r>
+                      </m:sub>
+                      <m:sup>
+                        <m:r>
+                          <a:rPr lang="en-US" sz="2800" b="1" i="1" smtClean="0">
+                            <a:latin typeface="Cambria Math"/>
+                          </a:rPr>
+                          <m:t>′</m:t>
+                        </m:r>
+                      </m:sup>
+                    </m:sSubSup>
+                    <m:r>
+                      <a:rPr lang="en-US" sz="2800" b="0" i="1" smtClean="0">
+                        <a:latin typeface="Cambria Math"/>
+                      </a:rPr>
+                      <m:t>𝑠</m:t>
+                    </m:r>
+                    <m:r>
+                      <a:rPr lang="en-US" sz="2800" b="1" i="1" smtClean="0">
+                        <a:latin typeface="Cambria Math"/>
+                      </a:rPr>
+                      <m:t> </m:t>
+                    </m:r>
+                  </m:oMath>
+                </a14:m>
+                <a:endParaRPr lang="en-US" sz="2800" b="1" dirty="0" smtClean="0"/>
+              </a:p>
+              <a:p>
+                <a:r>
+                  <a:rPr lang="en-US" sz="2800" dirty="0" smtClean="0"/>
+                  <a:t>If we only have a finite number of samples then accuracy has to be analyzed carefully</a:t>
+                </a:r>
+                <a:endParaRPr lang="en-US" sz="2800" dirty="0"/>
+              </a:p>
+            </p:txBody>
+          </p:sp>
+        </mc:Choice>
+        <mc:Fallback>
+          <p:sp>
+            <p:nvSpPr>
+              <p:cNvPr id="3" name="Content Placeholder 2"/>
+              <p:cNvSpPr>
+                <a:spLocks noGrp="1" noRot="1" noChangeAspect="1" noMove="1" noResize="1" noEditPoints="1" noAdjustHandles="1" noChangeArrowheads="1" noChangeShapeType="1" noTextEdit="1"/>
+              </p:cNvSpPr>
+              <p:nvPr>
+                <p:ph idx="1"/>
+              </p:nvPr>
+            </p:nvSpPr>
+            <p:spPr>
+              <a:xfrm>
+                <a:off x="457200" y="1371600"/>
+                <a:ext cx="8686800" cy="5410200"/>
+              </a:xfrm>
+              <a:blipFill rotWithShape="1">
+                <a:blip r:embed="rId3"/>
+                <a:stretch>
+                  <a:fillRect l="-1544" t="-1351"/>
+                </a:stretch>
+              </a:blipFill>
+            </p:spPr>
+            <p:txBody>
+              <a:bodyPr/>
+              <a:lstStyle/>
+              <a:p>
+                <a:r>
+                  <a:rPr lang="en-US">
+                    <a:noFill/>
+                  </a:rPr>
+                  <a:t> </a:t>
+                </a:r>
+              </a:p>
+            </p:txBody>
+          </p:sp>
+        </mc:Fallback>
+      </mc:AlternateContent>
+    </p:spTree>
+    <p:extLst>
+      <p:ext uri="{BB962C8B-B14F-4D97-AF65-F5344CB8AC3E}">
+        <p14:creationId xmlns:p14="http://schemas.microsoft.com/office/powerpoint/2010/main" val="2280058646"/>
+      </p:ext>
+    </p:extLst>
+  </p:cSld>
+  <p:clrMapOvr>
+    <a:masterClrMapping/>
+  </p:clrMapOvr>
+  <p:timing>
+    <p:tnLst>
+      <p:par>
+        <p:cTn id="1" dur="indefinite" restart="never" nodeType="tmRoot">
+          <p:childTnLst>
+            <p:seq concurrent="1" nextAc="seek">
+              <p:cTn id="2" dur="indefinite" nodeType="mainSeq">
+                <p:childTnLst>
+                  <p:par>
+                    <p:cTn id="3" fill="hold">
+                      <p:stCondLst>
+                        <p:cond delay="indefinite"/>
+                      </p:stCondLst>
+                      <p:childTnLst>
+                        <p:par>
+                          <p:cTn id="4" fill="hold">
+                            <p:stCondLst>
+                              <p:cond delay="0"/>
+                            </p:stCondLst>
+                            <p:childTnLst>
+                              <p:par>
+                                <p:cTn id="5" presetID="1" presetClass="entr" presetSubtype="0" fill="hold" grpId="0" nodeType="clickEffect">
+                                  <p:stCondLst>
+                                    <p:cond delay="0"/>
+                                  </p:stCondLst>
+                                  <p:childTnLst>
+                                    <p:set>
+                                      <p:cBhvr>
+                                        <p:cTn id="6" dur="1" fill="hold">
+                                          <p:stCondLst>
+                                            <p:cond delay="0"/>
+                                          </p:stCondLst>
+                                        </p:cTn>
+                                        <p:tgtEl>
+                                          <p:spTgt spid="3">
+                                            <p:txEl>
+                                              <p:pRg st="0" end="0"/>
+                                            </p:txEl>
+                                          </p:spTgt>
+                                        </p:tgtEl>
+                                        <p:attrNameLst>
+                                          <p:attrName>style.visibility</p:attrName>
+                                        </p:attrNameLst>
+                                      </p:cBhvr>
+                                      <p:to>
+                                        <p:strVal val="visible"/>
+                                      </p:to>
+                                    </p:set>
+                                  </p:childTnLst>
+                                </p:cTn>
+                              </p:par>
+                            </p:childTnLst>
+                          </p:cTn>
+                        </p:par>
+                      </p:childTnLst>
+                    </p:cTn>
+                  </p:par>
+                  <p:par>
+                    <p:cTn id="7" fill="hold">
+                      <p:stCondLst>
+                        <p:cond delay="indefinite"/>
+                      </p:stCondLst>
+                      <p:childTnLst>
+                        <p:par>
+                          <p:cTn id="8" fill="hold">
+                            <p:stCondLst>
+                              <p:cond delay="0"/>
+                            </p:stCondLst>
+                            <p:childTnLst>
+                              <p:par>
+                                <p:cTn id="9" presetID="1" presetClass="entr" presetSubtype="0" fill="hold" grpId="0" nodeType="clickEffect">
+                                  <p:stCondLst>
+                                    <p:cond delay="0"/>
+                                  </p:stCondLst>
+                                  <p:childTnLst>
+                                    <p:set>
+                                      <p:cBhvr>
+                                        <p:cTn id="10" dur="1" fill="hold">
+                                          <p:stCondLst>
+                                            <p:cond delay="0"/>
+                                          </p:stCondLst>
+                                        </p:cTn>
+                                        <p:tgtEl>
+                                          <p:spTgt spid="3">
+                                            <p:txEl>
+                                              <p:pRg st="1" end="1"/>
+                                            </p:txEl>
+                                          </p:spTgt>
+                                        </p:tgtEl>
+                                        <p:attrNameLst>
+                                          <p:attrName>style.visibility</p:attrName>
+                                        </p:attrNameLst>
+                                      </p:cBhvr>
+                                      <p:to>
+                                        <p:strVal val="visible"/>
+                                      </p:to>
+                                    </p:set>
+                                  </p:childTnLst>
+                                </p:cTn>
+                              </p:par>
+                            </p:childTnLst>
+                          </p:cTn>
+                        </p:par>
+                      </p:childTnLst>
+                    </p:cTn>
+                  </p:par>
+                  <p:par>
+                    <p:cTn id="11" fill="hold">
+                      <p:stCondLst>
+                        <p:cond delay="indefinite"/>
+                      </p:stCondLst>
+                      <p:childTnLst>
+                        <p:par>
+                          <p:cTn id="12" fill="hold">
+                            <p:stCondLst>
+                              <p:cond delay="0"/>
+                            </p:stCondLst>
+                            <p:childTnLst>
+                              <p:par>
+                                <p:cTn id="13" presetID="1" presetClass="entr" presetSubtype="0" fill="hold" grpId="0" nodeType="clickEffect">
+                                  <p:stCondLst>
+                                    <p:cond delay="0"/>
+                                  </p:stCondLst>
+                                  <p:childTnLst>
+                                    <p:set>
+                                      <p:cBhvr>
+                                        <p:cTn id="14" dur="1" fill="hold">
+                                          <p:stCondLst>
+                                            <p:cond delay="0"/>
+                                          </p:stCondLst>
+                                        </p:cTn>
+                                        <p:tgtEl>
+                                          <p:spTgt spid="3">
+                                            <p:txEl>
+                                              <p:pRg st="2" end="2"/>
+                                            </p:txEl>
+                                          </p:spTgt>
+                                        </p:tgtEl>
+                                        <p:attrNameLst>
+                                          <p:attrName>style.visibility</p:attrName>
+                                        </p:attrNameLst>
+                                      </p:cBhvr>
+                                      <p:to>
+                                        <p:strVal val="visible"/>
+                                      </p:to>
+                                    </p:set>
+                                  </p:childTnLst>
+                                </p:cTn>
+                              </p:par>
+                            </p:childTnLst>
+                          </p:cTn>
+                        </p:par>
+                      </p:childTnLst>
+                    </p:cTn>
+                  </p:par>
+                  <p:par>
+                    <p:cTn id="15" fill="hold">
+                      <p:stCondLst>
+                        <p:cond delay="indefinite"/>
+                      </p:stCondLst>
+                      <p:childTnLst>
+                        <p:par>
+                          <p:cTn id="16" fill="hold">
+                            <p:stCondLst>
+                              <p:cond delay="0"/>
+                            </p:stCondLst>
+                            <p:childTnLst>
+                              <p:par>
+                                <p:cTn id="17" presetID="1" presetClass="entr" presetSubtype="0" fill="hold" grpId="0" nodeType="clickEffect">
+                                  <p:stCondLst>
+                                    <p:cond delay="0"/>
+                                  </p:stCondLst>
+                                  <p:childTnLst>
+                                    <p:set>
+                                      <p:cBhvr>
+                                        <p:cTn id="18" dur="1" fill="hold">
+                                          <p:stCondLst>
+                                            <p:cond delay="0"/>
+                                          </p:stCondLst>
+                                        </p:cTn>
+                                        <p:tgtEl>
+                                          <p:spTgt spid="3">
+                                            <p:txEl>
+                                              <p:pRg st="3" end="3"/>
+                                            </p:txEl>
+                                          </p:spTgt>
+                                        </p:tgtEl>
+                                        <p:attrNameLst>
+                                          <p:attrName>style.visibility</p:attrName>
+                                        </p:attrNameLst>
+                                      </p:cBhvr>
+                                      <p:to>
+                                        <p:strVal val="visible"/>
+                                      </p:to>
+                                    </p:set>
+                                  </p:childTnLst>
+                                </p:cTn>
+                              </p:par>
+                            </p:childTnLst>
+                          </p:cTn>
+                        </p:par>
+                      </p:childTnLst>
+                    </p:cTn>
+                  </p:par>
+                  <p:par>
+                    <p:cTn id="19" fill="hold">
+                      <p:stCondLst>
+                        <p:cond delay="indefinite"/>
+                      </p:stCondLst>
+                      <p:childTnLst>
+                        <p:par>
+                          <p:cTn id="20" fill="hold">
+                            <p:stCondLst>
+                              <p:cond delay="0"/>
+                            </p:stCondLst>
+                            <p:childTnLst>
+                              <p:par>
+                                <p:cTn id="21" presetID="1" presetClass="entr" presetSubtype="0" fill="hold" grpId="0" nodeType="clickEffect">
+                                  <p:stCondLst>
+                                    <p:cond delay="0"/>
+                                  </p:stCondLst>
+                                  <p:childTnLst>
+                                    <p:set>
+                                      <p:cBhvr>
+                                        <p:cTn id="22" dur="1" fill="hold">
+                                          <p:stCondLst>
+                                            <p:cond delay="0"/>
+                                          </p:stCondLst>
+                                        </p:cTn>
+                                        <p:tgtEl>
+                                          <p:spTgt spid="3">
+                                            <p:txEl>
+                                              <p:pRg st="4" end="4"/>
+                                            </p:txEl>
+                                          </p:spTgt>
+                                        </p:tgtEl>
+                                        <p:attrNameLst>
+                                          <p:attrName>style.visibility</p:attrName>
+                                        </p:attrNameLst>
+                                      </p:cBhvr>
+                                      <p:to>
+                                        <p:strVal val="visible"/>
+                                      </p:to>
+                                    </p:set>
+                                  </p:childTnLst>
+                                </p:cTn>
+                              </p:par>
+                            </p:childTnLst>
+                          </p:cTn>
+                        </p:par>
+                      </p:childTnLst>
+                    </p:cTn>
+                  </p:par>
+                  <p:par>
+                    <p:cTn id="23" fill="hold">
+                      <p:stCondLst>
+                        <p:cond delay="indefinite"/>
+                      </p:stCondLst>
+                      <p:childTnLst>
+                        <p:par>
+                          <p:cTn id="24" fill="hold">
+                            <p:stCondLst>
+                              <p:cond delay="0"/>
+                            </p:stCondLst>
+                            <p:childTnLst>
+                              <p:par>
+                                <p:cTn id="25" presetID="1" presetClass="entr" presetSubtype="0" fill="hold" grpId="0" nodeType="clickEffect">
+                                  <p:stCondLst>
+                                    <p:cond delay="0"/>
+                                  </p:stCondLst>
+                                  <p:childTnLst>
+                                    <p:set>
+                                      <p:cBhvr>
+                                        <p:cTn id="26" dur="1" fill="hold">
+                                          <p:stCondLst>
+                                            <p:cond delay="0"/>
+                                          </p:stCondLst>
+                                        </p:cTn>
+                                        <p:tgtEl>
+                                          <p:spTgt spid="3">
+                                            <p:txEl>
+                                              <p:pRg st="5" end="5"/>
+                                            </p:txEl>
+                                          </p:spTgt>
+                                        </p:tgtEl>
+                                        <p:attrNameLst>
+                                          <p:attrName>style.visibility</p:attrName>
+                                        </p:attrNameLst>
+                                      </p:cBhvr>
+                                      <p:to>
+                                        <p:strVal val="visible"/>
+                                      </p:to>
+                                    </p:set>
+                                  </p:childTnLst>
+                                </p:cTn>
+                              </p:par>
+                            </p:childTnLst>
+                          </p:cTn>
+                        </p:par>
+                      </p:childTnLst>
+                    </p:cTn>
+                  </p:par>
+                </p:childTnLst>
+              </p:cTn>
+              <p:prevCondLst>
+                <p:cond evt="onPrev" delay="0">
+                  <p:tgtEl>
+                    <p:sldTgt/>
+                  </p:tgtEl>
+                </p:cond>
+              </p:prevCondLst>
+              <p:nextCondLst>
+                <p:cond evt="onNext" delay="0">
+                  <p:tgtEl>
+                    <p:sldTgt/>
+                  </p:tgtEl>
+                </p:cond>
+              </p:nextCondLst>
+            </p:seq>
+          </p:childTnLst>
+        </p:cTn>
+      </p:par>
+    </p:tnLst>
+    <p:bldLst>
+      <p:bldP spid="3" grpId="0" build="p"/>
+    </p:bldLst>
+  </p:timing>
+</p:sld>
+</file>
+
+<file path=ppt/slides/slide15.xml><?xml version="1.0" encoding="utf-8"?>
+<p:sld xmlns:a="http://schemas.openxmlformats.org/drawingml/2006/main" xmlns:r="http://schemas.openxmlformats.org/officeDocument/2006/relationships" xmlns:p="http://schemas.openxmlformats.org/presentationml/2006/main">
+  <p:cSld>
+    <p:spTree>
+      <p:nvGrpSpPr>
+        <p:cNvPr id="1" name=""/>
+        <p:cNvGrpSpPr/>
+        <p:nvPr/>
+      </p:nvGrpSpPr>
+      <p:grpSpPr>
+        <a:xfrm>
+          <a:off x="0" y="0"/>
+          <a:ext cx="0" cy="0"/>
+          <a:chOff x="0" y="0"/>
+          <a:chExt cx="0" cy="0"/>
+        </a:xfrm>
+      </p:grpSpPr>
+      <p:sp>
+        <p:nvSpPr>
+          <p:cNvPr id="2" name="Title 1"/>
+          <p:cNvSpPr>
+            <a:spLocks noGrp="1"/>
+          </p:cNvSpPr>
+          <p:nvPr>
+            <p:ph type="title"/>
+          </p:nvPr>
+        </p:nvSpPr>
+        <p:spPr>
+          <a:xfrm>
+            <a:off x="152400" y="274638"/>
+            <a:ext cx="8763000" cy="1143000"/>
+          </a:xfrm>
+        </p:spPr>
+        <p:txBody>
+          <a:bodyPr>
+            <a:normAutofit fontScale="90000"/>
+          </a:bodyPr>
+          <a:lstStyle/>
+          <a:p>
+            <a:r>
+              <a:rPr lang="en-US" dirty="0" smtClean="0">
+                <a:solidFill>
+                  <a:srgbClr val="0070C0"/>
+                </a:solidFill>
+              </a:rPr>
+              <a:t>HITS Algorithm for Hubs and Authorities</a:t>
+            </a:r>
+            <a:endParaRPr lang="en-US" dirty="0">
+              <a:solidFill>
+                <a:srgbClr val="0070C0"/>
+              </a:solidFill>
+            </a:endParaRPr>
+          </a:p>
+        </p:txBody>
+      </p:sp>
+      <mc:AlternateContent xmlns:mc="http://schemas.openxmlformats.org/markup-compatibility/2006">
+        <mc:Choice xmlns:a14="http://schemas.microsoft.com/office/drawing/2010/main" Requires="a14">
+          <p:sp>
+            <p:nvSpPr>
+              <p:cNvPr id="3" name="Content Placeholder 2"/>
+              <p:cNvSpPr>
+                <a:spLocks noGrp="1"/>
+              </p:cNvSpPr>
+              <p:nvPr>
+                <p:ph idx="1"/>
+              </p:nvPr>
+            </p:nvSpPr>
+            <p:spPr>
+              <a:xfrm>
+                <a:off x="457200" y="1600200"/>
+                <a:ext cx="8534400" cy="5105400"/>
+              </a:xfrm>
+            </p:spPr>
+            <p:txBody>
+              <a:bodyPr>
+                <a:normAutofit fontScale="92500" lnSpcReduction="10000"/>
+              </a:bodyPr>
+              <a:lstStyle/>
+              <a:p>
+                <a:r>
+                  <a:rPr lang="en-US" dirty="0" smtClean="0"/>
+                  <a:t>Document ranking: project on 1</a:t>
+                </a:r>
+                <a:r>
+                  <a:rPr lang="en-US" baseline="30000" dirty="0" smtClean="0"/>
+                  <a:t>st</a:t>
+                </a:r>
+                <a:r>
+                  <a:rPr lang="en-US" dirty="0" smtClean="0"/>
+                  <a:t> singular vector </a:t>
+                </a:r>
+              </a:p>
+              <a:p>
+                <a:r>
+                  <a:rPr lang="en-US" dirty="0" smtClean="0"/>
+                  <a:t>WWW: directed graph with links = edges</a:t>
+                </a:r>
+              </a:p>
+              <a:p>
+                <a14:m>
+                  <m:oMath xmlns:m="http://schemas.openxmlformats.org/officeDocument/2006/math">
+                    <m:r>
+                      <a:rPr lang="en-US" b="1" i="1" smtClean="0">
+                        <a:latin typeface="Cambria Math"/>
+                      </a:rPr>
+                      <m:t>𝒏</m:t>
+                    </m:r>
+                    <m:r>
+                      <a:rPr lang="en-US" b="0" i="1" smtClean="0">
+                        <a:latin typeface="Cambria Math"/>
+                      </a:rPr>
+                      <m:t> </m:t>
+                    </m:r>
+                  </m:oMath>
+                </a14:m>
+                <a:r>
+                  <a:rPr lang="en-US" dirty="0" smtClean="0"/>
+                  <a:t>Authorities: pages containing original info</a:t>
+                </a:r>
+              </a:p>
+              <a:p>
+                <a14:m>
+                  <m:oMath xmlns:m="http://schemas.openxmlformats.org/officeDocument/2006/math">
+                    <m:r>
+                      <a:rPr lang="en-US" b="1" i="1" dirty="0" smtClean="0">
+                        <a:solidFill>
+                          <a:srgbClr val="0070C0"/>
+                        </a:solidFill>
+                        <a:latin typeface="Cambria Math"/>
+                      </a:rPr>
+                      <m:t>𝒅</m:t>
+                    </m:r>
+                  </m:oMath>
+                </a14:m>
+                <a:r>
+                  <a:rPr lang="en-US" dirty="0" smtClean="0"/>
+                  <a:t> Hubs: collections of links to authorities</a:t>
+                </a:r>
+              </a:p>
+              <a:p>
+                <a:pPr lvl="1"/>
+                <a:r>
+                  <a:rPr lang="en-US" dirty="0" smtClean="0"/>
+                  <a:t>Authority depends on importance of pointing hubs</a:t>
+                </a:r>
+              </a:p>
+              <a:p>
+                <a:pPr lvl="1"/>
+                <a:r>
+                  <a:rPr lang="en-US" dirty="0" smtClean="0"/>
+                  <a:t>Hub quality depends on how authoritative links are</a:t>
+                </a:r>
+              </a:p>
+              <a:p>
+                <a:r>
+                  <a:rPr lang="en-US" dirty="0" smtClean="0"/>
+                  <a:t>Authority vector:</a:t>
+                </a:r>
+                <a:r>
+                  <a:rPr lang="en-US" b="1" dirty="0" smtClean="0"/>
+                  <a:t> </a:t>
+                </a:r>
+                <a14:m>
+                  <m:oMath xmlns:m="http://schemas.openxmlformats.org/officeDocument/2006/math">
+                    <m:sSub>
+                      <m:sSubPr>
+                        <m:ctrlPr>
+                          <a:rPr lang="en-US" b="1" i="1" smtClean="0">
+                            <a:latin typeface="Cambria Math"/>
+                          </a:rPr>
+                        </m:ctrlPr>
+                      </m:sSubPr>
+                      <m:e>
+                        <m:r>
+                          <a:rPr lang="en-US" b="1" i="1" smtClean="0">
+                            <a:latin typeface="Cambria Math"/>
+                          </a:rPr>
+                          <m:t>𝒗</m:t>
+                        </m:r>
+                      </m:e>
+                      <m:sub>
+                        <m:r>
+                          <a:rPr lang="en-US" b="1" i="1" smtClean="0">
+                            <a:latin typeface="Cambria Math"/>
+                          </a:rPr>
+                          <m:t>𝒋</m:t>
+                        </m:r>
+                      </m:sub>
+                    </m:sSub>
+                    <m:r>
+                      <a:rPr lang="en-US" b="1" i="1" smtClean="0">
+                        <a:latin typeface="Cambria Math"/>
+                      </a:rPr>
+                      <m:t>,</m:t>
+                    </m:r>
+                    <m:r>
+                      <a:rPr lang="en-US" b="0" i="1" smtClean="0">
+                        <a:latin typeface="Cambria Math"/>
+                      </a:rPr>
+                      <m:t>𝑗</m:t>
+                    </m:r>
+                    <m:r>
+                      <a:rPr lang="en-US" b="0" i="1" smtClean="0">
+                        <a:latin typeface="Cambria Math"/>
+                      </a:rPr>
+                      <m:t>=1,…,</m:t>
+                    </m:r>
+                    <m:r>
+                      <a:rPr lang="en-US" b="1" i="1" smtClean="0">
+                        <a:latin typeface="Cambria Math"/>
+                      </a:rPr>
+                      <m:t>𝒏</m:t>
+                    </m:r>
+                  </m:oMath>
+                </a14:m>
+                <a:r>
+                  <a:rPr lang="en-US" dirty="0" smtClean="0"/>
+                  <a:t>: </a:t>
+                </a:r>
+                <a14:m>
+                  <m:oMath xmlns:m="http://schemas.openxmlformats.org/officeDocument/2006/math">
+                    <m:sSub>
+                      <m:sSubPr>
+                        <m:ctrlPr>
+                          <a:rPr lang="en-US" b="1" i="1" smtClean="0">
+                            <a:latin typeface="Cambria Math"/>
+                          </a:rPr>
+                        </m:ctrlPr>
+                      </m:sSubPr>
+                      <m:e>
+                        <m:r>
+                          <a:rPr lang="en-US" b="1" i="1" smtClean="0">
+                            <a:latin typeface="Cambria Math"/>
+                          </a:rPr>
+                          <m:t>𝒗</m:t>
+                        </m:r>
+                      </m:e>
+                      <m:sub>
+                        <m:r>
+                          <a:rPr lang="en-US" b="1" i="1" smtClean="0">
+                            <a:latin typeface="Cambria Math"/>
+                          </a:rPr>
+                          <m:t>𝒋</m:t>
+                        </m:r>
+                      </m:sub>
+                    </m:sSub>
+                    <m:r>
+                      <a:rPr lang="en-US" b="1" i="1" smtClean="0">
+                        <a:latin typeface="Cambria Math"/>
+                      </a:rPr>
+                      <m:t>∼</m:t>
+                    </m:r>
+                    <m:nary>
+                      <m:naryPr>
+                        <m:chr m:val="∑"/>
+                        <m:ctrlPr>
+                          <a:rPr lang="en-US" b="1" i="1" smtClean="0">
+                            <a:latin typeface="Cambria Math"/>
+                          </a:rPr>
+                        </m:ctrlPr>
+                      </m:naryPr>
+                      <m:sub>
+                        <m:r>
+                          <a:rPr lang="en-US" b="0" i="1" smtClean="0">
+                            <a:latin typeface="Cambria Math"/>
+                          </a:rPr>
+                          <m:t>𝑖</m:t>
+                        </m:r>
+                        <m:r>
+                          <a:rPr lang="en-US" b="0" i="1" smtClean="0">
+                            <a:latin typeface="Cambria Math"/>
+                          </a:rPr>
+                          <m:t>=1</m:t>
+                        </m:r>
+                      </m:sub>
+                      <m:sup>
+                        <m:r>
+                          <a:rPr lang="en-US" b="1" i="1" smtClean="0">
+                            <a:solidFill>
+                              <a:srgbClr val="0070C0"/>
+                            </a:solidFill>
+                            <a:latin typeface="Cambria Math"/>
+                          </a:rPr>
+                          <m:t>𝒅</m:t>
+                        </m:r>
+                      </m:sup>
+                      <m:e>
+                        <m:sSub>
+                          <m:sSubPr>
+                            <m:ctrlPr>
+                              <a:rPr lang="en-US" b="1" i="1" smtClean="0">
+                                <a:latin typeface="Cambria Math"/>
+                              </a:rPr>
+                            </m:ctrlPr>
+                          </m:sSubPr>
+                          <m:e>
+                            <m:r>
+                              <a:rPr lang="en-US" b="1" i="1" smtClean="0">
+                                <a:latin typeface="Cambria Math"/>
+                              </a:rPr>
+                              <m:t>𝒖</m:t>
+                            </m:r>
+                          </m:e>
+                          <m:sub>
+                            <m:r>
+                              <a:rPr lang="en-US" b="0" i="1" smtClean="0">
+                                <a:latin typeface="Cambria Math"/>
+                              </a:rPr>
+                              <m:t>𝑖</m:t>
+                            </m:r>
+                          </m:sub>
+                        </m:sSub>
+                        <m:sSub>
+                          <m:sSubPr>
+                            <m:ctrlPr>
+                              <a:rPr lang="en-US" b="1" i="1" smtClean="0">
+                                <a:latin typeface="Cambria Math"/>
+                              </a:rPr>
+                            </m:ctrlPr>
+                          </m:sSubPr>
+                          <m:e>
+                            <m:r>
+                              <a:rPr lang="en-US" b="1" i="1" smtClean="0">
+                                <a:latin typeface="Cambria Math"/>
+                              </a:rPr>
+                              <m:t>𝑨</m:t>
+                            </m:r>
+                          </m:e>
+                          <m:sub>
+                            <m:r>
+                              <a:rPr lang="en-US" b="0" i="1" smtClean="0">
+                                <a:latin typeface="Cambria Math"/>
+                              </a:rPr>
+                              <m:t>𝑖𝑗</m:t>
+                            </m:r>
+                          </m:sub>
+                        </m:sSub>
+                      </m:e>
+                    </m:nary>
+                  </m:oMath>
+                </a14:m>
+                <a:endParaRPr lang="en-US" dirty="0" smtClean="0"/>
+              </a:p>
+              <a:p>
+                <a:r>
+                  <a:rPr lang="en-US" dirty="0" smtClean="0"/>
+                  <a:t>Hub vector:</a:t>
+                </a:r>
+                <a:r>
+                  <a:rPr lang="en-US" b="1" dirty="0" smtClean="0"/>
+                  <a:t> </a:t>
+                </a:r>
+                <a14:m>
+                  <m:oMath xmlns:m="http://schemas.openxmlformats.org/officeDocument/2006/math">
+                    <m:sSub>
+                      <m:sSubPr>
+                        <m:ctrlPr>
+                          <a:rPr lang="en-US" b="1" i="1" smtClean="0">
+                            <a:latin typeface="Cambria Math"/>
+                          </a:rPr>
+                        </m:ctrlPr>
+                      </m:sSubPr>
+                      <m:e>
+                        <m:r>
+                          <a:rPr lang="en-US" b="1" i="1" smtClean="0">
+                            <a:latin typeface="Cambria Math"/>
+                          </a:rPr>
+                          <m:t>𝒖</m:t>
+                        </m:r>
+                      </m:e>
+                      <m:sub>
+                        <m:r>
+                          <a:rPr lang="en-US" b="1" i="1" smtClean="0">
+                            <a:latin typeface="Cambria Math"/>
+                          </a:rPr>
+                          <m:t>𝒊</m:t>
+                        </m:r>
+                      </m:sub>
+                    </m:sSub>
+                    <m:r>
+                      <a:rPr lang="en-US" b="1" i="1" smtClean="0">
+                        <a:latin typeface="Cambria Math"/>
+                      </a:rPr>
+                      <m:t>, </m:t>
+                    </m:r>
+                    <m:r>
+                      <a:rPr lang="en-US" b="0" i="1" smtClean="0">
+                        <a:latin typeface="Cambria Math"/>
+                      </a:rPr>
+                      <m:t>𝑖</m:t>
+                    </m:r>
+                    <m:r>
+                      <a:rPr lang="en-US" b="0" i="1" smtClean="0">
+                        <a:latin typeface="Cambria Math"/>
+                      </a:rPr>
+                      <m:t>=1,…,</m:t>
+                    </m:r>
+                    <m:r>
+                      <a:rPr lang="en-US" b="1" i="1" smtClean="0">
+                        <a:solidFill>
+                          <a:srgbClr val="0070C0"/>
+                        </a:solidFill>
+                        <a:latin typeface="Cambria Math"/>
+                      </a:rPr>
+                      <m:t>𝒅</m:t>
+                    </m:r>
+                    <m:r>
+                      <a:rPr lang="en-US" b="1" i="1" smtClean="0">
+                        <a:solidFill>
+                          <a:srgbClr val="0070C0"/>
+                        </a:solidFill>
+                        <a:latin typeface="Cambria Math"/>
+                      </a:rPr>
+                      <m:t>:</m:t>
+                    </m:r>
+                    <m:sSub>
+                      <m:sSubPr>
+                        <m:ctrlPr>
+                          <a:rPr lang="en-US" b="1" i="1" smtClean="0">
+                            <a:latin typeface="Cambria Math"/>
+                          </a:rPr>
+                        </m:ctrlPr>
+                      </m:sSubPr>
+                      <m:e>
+                        <m:r>
+                          <a:rPr lang="en-US" b="1" i="1" smtClean="0">
+                            <a:latin typeface="Cambria Math"/>
+                          </a:rPr>
+                          <m:t>𝒖</m:t>
+                        </m:r>
+                      </m:e>
+                      <m:sub>
+                        <m:r>
+                          <a:rPr lang="en-US" b="1" i="1" smtClean="0">
+                            <a:latin typeface="Cambria Math"/>
+                          </a:rPr>
+                          <m:t>𝒊</m:t>
+                        </m:r>
+                      </m:sub>
+                    </m:sSub>
+                    <m:r>
+                      <a:rPr lang="en-US" b="1" i="1" smtClean="0">
+                        <a:latin typeface="Cambria Math"/>
+                      </a:rPr>
+                      <m:t>∼</m:t>
+                    </m:r>
+                    <m:nary>
+                      <m:naryPr>
+                        <m:chr m:val="∑"/>
+                        <m:ctrlPr>
+                          <a:rPr lang="en-US" b="1" i="1" smtClean="0">
+                            <a:latin typeface="Cambria Math"/>
+                          </a:rPr>
+                        </m:ctrlPr>
+                      </m:naryPr>
+                      <m:sub>
+                        <m:r>
+                          <a:rPr lang="en-US" b="0" i="1" smtClean="0">
+                            <a:latin typeface="Cambria Math"/>
+                          </a:rPr>
+                          <m:t>𝑗</m:t>
+                        </m:r>
+                        <m:r>
+                          <a:rPr lang="en-US" b="0" i="1" smtClean="0">
+                            <a:latin typeface="Cambria Math"/>
+                          </a:rPr>
+                          <m:t>=1</m:t>
+                        </m:r>
+                      </m:sub>
+                      <m:sup>
+                        <m:r>
+                          <a:rPr lang="en-US" b="1" i="1" smtClean="0">
+                            <a:solidFill>
+                              <a:schemeClr val="tx1"/>
+                            </a:solidFill>
+                            <a:latin typeface="Cambria Math"/>
+                          </a:rPr>
+                          <m:t>𝒏</m:t>
+                        </m:r>
+                      </m:sup>
+                      <m:e>
+                        <m:sSub>
+                          <m:sSubPr>
+                            <m:ctrlPr>
+                              <a:rPr lang="en-US" b="1" i="1" smtClean="0">
+                                <a:latin typeface="Cambria Math"/>
+                              </a:rPr>
+                            </m:ctrlPr>
+                          </m:sSubPr>
+                          <m:e>
+                            <m:r>
+                              <a:rPr lang="en-US" b="1" i="1" smtClean="0">
+                                <a:latin typeface="Cambria Math"/>
+                              </a:rPr>
+                              <m:t>𝒗</m:t>
+                            </m:r>
+                          </m:e>
+                          <m:sub>
+                            <m:r>
+                              <a:rPr lang="en-US" b="0" i="1" smtClean="0">
+                                <a:latin typeface="Cambria Math"/>
+                              </a:rPr>
+                              <m:t>𝑗</m:t>
+                            </m:r>
+                          </m:sub>
+                        </m:sSub>
+                        <m:sSub>
+                          <m:sSubPr>
+                            <m:ctrlPr>
+                              <a:rPr lang="en-US" b="1" i="1" smtClean="0">
+                                <a:latin typeface="Cambria Math"/>
+                              </a:rPr>
+                            </m:ctrlPr>
+                          </m:sSubPr>
+                          <m:e>
+                            <m:r>
+                              <a:rPr lang="en-US" b="1" i="1" smtClean="0">
+                                <a:latin typeface="Cambria Math"/>
+                              </a:rPr>
+                              <m:t>𝑨</m:t>
+                            </m:r>
+                          </m:e>
+                          <m:sub>
+                            <m:r>
+                              <a:rPr lang="en-US" b="0" i="1" smtClean="0">
+                                <a:latin typeface="Cambria Math"/>
+                              </a:rPr>
+                              <m:t>𝑖𝑗</m:t>
+                            </m:r>
+                          </m:sub>
+                        </m:sSub>
+                      </m:e>
+                    </m:nary>
+                  </m:oMath>
+                </a14:m>
+                <a:endParaRPr lang="en-US" b="1" dirty="0" smtClean="0"/>
+              </a:p>
+              <a:p>
+                <a:r>
+                  <a:rPr lang="en-US" dirty="0" smtClean="0"/>
+                  <a:t>Use power method:</a:t>
+                </a:r>
+                <a:r>
+                  <a:rPr lang="en-US" b="1" dirty="0" smtClean="0"/>
+                  <a:t> </a:t>
+                </a:r>
+                <a14:m>
+                  <m:oMath xmlns:m="http://schemas.openxmlformats.org/officeDocument/2006/math">
+                    <m:r>
+                      <a:rPr lang="en-US" b="1" i="1" smtClean="0">
+                        <a:latin typeface="Cambria Math"/>
+                      </a:rPr>
+                      <m:t>𝒖</m:t>
+                    </m:r>
+                    <m:r>
+                      <a:rPr lang="en-US" b="1" i="1" smtClean="0">
+                        <a:latin typeface="Cambria Math"/>
+                      </a:rPr>
+                      <m:t>=</m:t>
+                    </m:r>
+                    <m:r>
+                      <a:rPr lang="en-US" b="1" i="1" smtClean="0">
+                        <a:latin typeface="Cambria Math"/>
+                      </a:rPr>
+                      <m:t>𝑨𝒗</m:t>
+                    </m:r>
+                    <m:r>
+                      <a:rPr lang="en-US" b="1" i="0" smtClean="0">
+                        <a:latin typeface="Cambria Math"/>
+                      </a:rPr>
+                      <m:t>, </m:t>
+                    </m:r>
+                    <m:r>
+                      <a:rPr lang="en-US" b="1" i="1" smtClean="0">
+                        <a:latin typeface="Cambria Math"/>
+                      </a:rPr>
+                      <m:t>𝒗</m:t>
+                    </m:r>
+                    <m:r>
+                      <a:rPr lang="en-US" b="1" i="1" smtClean="0">
+                        <a:latin typeface="Cambria Math"/>
+                      </a:rPr>
+                      <m:t>=</m:t>
+                    </m:r>
+                    <m:sSup>
+                      <m:sSupPr>
+                        <m:ctrlPr>
+                          <a:rPr lang="en-US" b="1" i="1" smtClean="0">
+                            <a:latin typeface="Cambria Math"/>
+                          </a:rPr>
+                        </m:ctrlPr>
+                      </m:sSupPr>
+                      <m:e>
+                        <m:r>
+                          <a:rPr lang="en-US" b="1" i="1" smtClean="0">
+                            <a:latin typeface="Cambria Math"/>
+                          </a:rPr>
+                          <m:t>𝑨</m:t>
+                        </m:r>
+                      </m:e>
+                      <m:sup>
+                        <m:r>
+                          <a:rPr lang="en-US" b="1" i="1" smtClean="0">
+                            <a:latin typeface="Cambria Math"/>
+                          </a:rPr>
+                          <m:t>𝑻</m:t>
+                        </m:r>
+                      </m:sup>
+                    </m:sSup>
+                    <m:r>
+                      <a:rPr lang="en-US" b="1" i="1" smtClean="0">
+                        <a:latin typeface="Cambria Math"/>
+                      </a:rPr>
+                      <m:t>𝒖</m:t>
+                    </m:r>
+                  </m:oMath>
+                </a14:m>
+                <a:endParaRPr lang="en-US" b="1" dirty="0" smtClean="0"/>
+              </a:p>
+              <a:p>
+                <a:r>
+                  <a:rPr lang="en-US" dirty="0" smtClean="0"/>
+                  <a:t>Converges to first left/right singular vectors</a:t>
+                </a:r>
+                <a:endParaRPr lang="en-US" dirty="0"/>
+              </a:p>
+            </p:txBody>
+          </p:sp>
+        </mc:Choice>
+        <mc:Fallback>
+          <p:sp>
+            <p:nvSpPr>
+              <p:cNvPr id="3" name="Content Placeholder 2"/>
+              <p:cNvSpPr>
+                <a:spLocks noGrp="1" noRot="1" noChangeAspect="1" noMove="1" noResize="1" noEditPoints="1" noAdjustHandles="1" noChangeArrowheads="1" noChangeShapeType="1" noTextEdit="1"/>
+              </p:cNvSpPr>
+              <p:nvPr>
+                <p:ph idx="1"/>
+              </p:nvPr>
+            </p:nvSpPr>
+            <p:spPr>
+              <a:xfrm>
+                <a:off x="457200" y="1600200"/>
+                <a:ext cx="8534400" cy="5105400"/>
+              </a:xfrm>
+              <a:blipFill rotWithShape="1">
+                <a:blip r:embed="rId2"/>
+                <a:stretch>
+                  <a:fillRect l="-1429" t="-2389" b="-2748"/>
+                </a:stretch>
+              </a:blipFill>
+            </p:spPr>
+            <p:txBody>
+              <a:bodyPr/>
+              <a:lstStyle/>
+              <a:p>
+                <a:r>
+                  <a:rPr lang="en-US">
+                    <a:noFill/>
+                  </a:rPr>
+                  <a:t> </a:t>
+                </a:r>
+              </a:p>
+            </p:txBody>
+          </p:sp>
+        </mc:Fallback>
+      </mc:AlternateContent>
+    </p:spTree>
+    <p:extLst>
+      <p:ext uri="{BB962C8B-B14F-4D97-AF65-F5344CB8AC3E}">
+        <p14:creationId xmlns:p14="http://schemas.microsoft.com/office/powerpoint/2010/main" val="1366105470"/>
+      </p:ext>
+    </p:extLst>
+  </p:cSld>
+  <p:clrMapOvr>
+    <a:masterClrMapping/>
+  </p:clrMapOvr>
+  <p:timing>
+    <p:tnLst>
+      <p:par>
+        <p:cTn id="1" dur="indefinite" restart="never" nodeType="tmRoot">
+          <p:childTnLst>
+            <p:seq concurrent="1" nextAc="seek">
+              <p:cTn id="2" dur="indefinite" nodeType="mainSeq">
+                <p:childTnLst>
+                  <p:par>
+                    <p:cTn id="3" fill="hold">
+                      <p:stCondLst>
+                        <p:cond delay="indefinite"/>
+                      </p:stCondLst>
+                      <p:childTnLst>
+                        <p:par>
+                          <p:cTn id="4" fill="hold">
+                            <p:stCondLst>
+                              <p:cond delay="0"/>
+                            </p:stCondLst>
+                            <p:childTnLst>
+                              <p:par>
+                                <p:cTn id="5" presetID="1" presetClass="entr" presetSubtype="0" fill="hold" grpId="0" nodeType="clickEffect">
+                                  <p:stCondLst>
+                                    <p:cond delay="0"/>
+                                  </p:stCondLst>
+                                  <p:childTnLst>
+                                    <p:set>
+                                      <p:cBhvr>
+                                        <p:cTn id="6" dur="1" fill="hold">
+                                          <p:stCondLst>
+                                            <p:cond delay="0"/>
+                                          </p:stCondLst>
+                                        </p:cTn>
+                                        <p:tgtEl>
+                                          <p:spTgt spid="3">
+                                            <p:txEl>
+                                              <p:pRg st="0" end="0"/>
+                                            </p:txEl>
+                                          </p:spTgt>
+                                        </p:tgtEl>
+                                        <p:attrNameLst>
+                                          <p:attrName>style.visibility</p:attrName>
+                                        </p:attrNameLst>
+                                      </p:cBhvr>
+                                      <p:to>
+                                        <p:strVal val="visible"/>
+                                      </p:to>
+                                    </p:set>
+                                  </p:childTnLst>
+                                </p:cTn>
+                              </p:par>
+                            </p:childTnLst>
+                          </p:cTn>
+                        </p:par>
+                      </p:childTnLst>
+                    </p:cTn>
+                  </p:par>
+                  <p:par>
+                    <p:cTn id="7" fill="hold">
+                      <p:stCondLst>
+                        <p:cond delay="indefinite"/>
+                      </p:stCondLst>
+                      <p:childTnLst>
+                        <p:par>
+                          <p:cTn id="8" fill="hold">
+                            <p:stCondLst>
+                              <p:cond delay="0"/>
+                            </p:stCondLst>
+                            <p:childTnLst>
+                              <p:par>
+                                <p:cTn id="9" presetID="1" presetClass="entr" presetSubtype="0" fill="hold" grpId="0" nodeType="clickEffect">
+                                  <p:stCondLst>
+                                    <p:cond delay="0"/>
+                                  </p:stCondLst>
+                                  <p:childTnLst>
+                                    <p:set>
+                                      <p:cBhvr>
+                                        <p:cTn id="10" dur="1" fill="hold">
+                                          <p:stCondLst>
+                                            <p:cond delay="0"/>
+                                          </p:stCondLst>
+                                        </p:cTn>
+                                        <p:tgtEl>
+                                          <p:spTgt spid="3">
+                                            <p:txEl>
+                                              <p:pRg st="1" end="1"/>
+                                            </p:txEl>
+                                          </p:spTgt>
+                                        </p:tgtEl>
+                                        <p:attrNameLst>
+                                          <p:attrName>style.visibility</p:attrName>
+                                        </p:attrNameLst>
+                                      </p:cBhvr>
+                                      <p:to>
+                                        <p:strVal val="visible"/>
+                                      </p:to>
+                                    </p:set>
+                                  </p:childTnLst>
+                                </p:cTn>
+                              </p:par>
+                            </p:childTnLst>
+                          </p:cTn>
+                        </p:par>
+                      </p:childTnLst>
+                    </p:cTn>
+                  </p:par>
+                  <p:par>
+                    <p:cTn id="11" fill="hold">
+                      <p:stCondLst>
+                        <p:cond delay="indefinite"/>
+                      </p:stCondLst>
+                      <p:childTnLst>
+                        <p:par>
+                          <p:cTn id="12" fill="hold">
+                            <p:stCondLst>
+                              <p:cond delay="0"/>
+                            </p:stCondLst>
+                            <p:childTnLst>
+                              <p:par>
+                                <p:cTn id="13" presetID="1" presetClass="entr" presetSubtype="0" fill="hold" grpId="0" nodeType="clickEffect">
+                                  <p:stCondLst>
+                                    <p:cond delay="0"/>
+                                  </p:stCondLst>
+                                  <p:childTnLst>
+                                    <p:set>
+                                      <p:cBhvr>
+                                        <p:cTn id="14" dur="1" fill="hold">
+                                          <p:stCondLst>
+                                            <p:cond delay="0"/>
+                                          </p:stCondLst>
+                                        </p:cTn>
+                                        <p:tgtEl>
+                                          <p:spTgt spid="3">
+                                            <p:txEl>
+                                              <p:pRg st="2" end="2"/>
+                                            </p:txEl>
+                                          </p:spTgt>
+                                        </p:tgtEl>
+                                        <p:attrNameLst>
+                                          <p:attrName>style.visibility</p:attrName>
+                                        </p:attrNameLst>
+                                      </p:cBhvr>
+                                      <p:to>
+                                        <p:strVal val="visible"/>
+                                      </p:to>
+                                    </p:set>
+                                  </p:childTnLst>
+                                </p:cTn>
+                              </p:par>
+                            </p:childTnLst>
+                          </p:cTn>
+                        </p:par>
+                      </p:childTnLst>
+                    </p:cTn>
+                  </p:par>
+                  <p:par>
+                    <p:cTn id="15" fill="hold">
+                      <p:stCondLst>
+                        <p:cond delay="indefinite"/>
+                      </p:stCondLst>
+                      <p:childTnLst>
+                        <p:par>
+                          <p:cTn id="16" fill="hold">
+                            <p:stCondLst>
+                              <p:cond delay="0"/>
+                            </p:stCondLst>
+                            <p:childTnLst>
+                              <p:par>
+                                <p:cTn id="17" presetID="1" presetClass="entr" presetSubtype="0" fill="hold" grpId="0" nodeType="clickEffect">
+                                  <p:stCondLst>
+                                    <p:cond delay="0"/>
+                                  </p:stCondLst>
+                                  <p:childTnLst>
+                                    <p:set>
+                                      <p:cBhvr>
+                                        <p:cTn id="18" dur="1" fill="hold">
+                                          <p:stCondLst>
+                                            <p:cond delay="0"/>
+                                          </p:stCondLst>
+                                        </p:cTn>
+                                        <p:tgtEl>
+                                          <p:spTgt spid="3">
+                                            <p:txEl>
+                                              <p:pRg st="3" end="3"/>
+                                            </p:txEl>
+                                          </p:spTgt>
+                                        </p:tgtEl>
+                                        <p:attrNameLst>
+                                          <p:attrName>style.visibility</p:attrName>
+                                        </p:attrNameLst>
+                                      </p:cBhvr>
+                                      <p:to>
+                                        <p:strVal val="visible"/>
+                                      </p:to>
+                                    </p:set>
+                                  </p:childTnLst>
+                                </p:cTn>
+                              </p:par>
+                              <p:par>
+                                <p:cTn id="19" presetID="1" presetClass="entr" presetSubtype="0" fill="hold" grpId="0" nodeType="withEffect">
+                                  <p:stCondLst>
+                                    <p:cond delay="0"/>
+                                  </p:stCondLst>
+                                  <p:childTnLst>
+                                    <p:set>
+                                      <p:cBhvr>
+                                        <p:cTn id="20" dur="1" fill="hold">
+                                          <p:stCondLst>
+                                            <p:cond delay="0"/>
+                                          </p:stCondLst>
+                                        </p:cTn>
+                                        <p:tgtEl>
+                                          <p:spTgt spid="3">
+                                            <p:txEl>
+                                              <p:pRg st="4" end="4"/>
+                                            </p:txEl>
+                                          </p:spTgt>
+                                        </p:tgtEl>
+                                        <p:attrNameLst>
+                                          <p:attrName>style.visibility</p:attrName>
+                                        </p:attrNameLst>
+                                      </p:cBhvr>
+                                      <p:to>
+                                        <p:strVal val="visible"/>
+                                      </p:to>
+                                    </p:set>
+                                  </p:childTnLst>
+                                </p:cTn>
+                              </p:par>
+                              <p:par>
+                                <p:cTn id="21" presetID="1" presetClass="entr" presetSubtype="0" fill="hold" grpId="0" nodeType="withEffect">
+                                  <p:stCondLst>
+                                    <p:cond delay="0"/>
+                                  </p:stCondLst>
+                                  <p:childTnLst>
+                                    <p:set>
+                                      <p:cBhvr>
+                                        <p:cTn id="22" dur="1" fill="hold">
+                                          <p:stCondLst>
+                                            <p:cond delay="0"/>
+                                          </p:stCondLst>
+                                        </p:cTn>
+                                        <p:tgtEl>
+                                          <p:spTgt spid="3">
+                                            <p:txEl>
+                                              <p:pRg st="5" end="5"/>
+                                            </p:txEl>
+                                          </p:spTgt>
+                                        </p:tgtEl>
+                                        <p:attrNameLst>
+                                          <p:attrName>style.visibility</p:attrName>
+                                        </p:attrNameLst>
+                                      </p:cBhvr>
+                                      <p:to>
+                                        <p:strVal val="visible"/>
+                                      </p:to>
+                                    </p:set>
+                                  </p:childTnLst>
+                                </p:cTn>
+                              </p:par>
+                            </p:childTnLst>
+                          </p:cTn>
+                        </p:par>
+                      </p:childTnLst>
+                    </p:cTn>
+                  </p:par>
+                  <p:par>
+                    <p:cTn id="23" fill="hold">
+                      <p:stCondLst>
+                        <p:cond delay="indefinite"/>
+                      </p:stCondLst>
+                      <p:childTnLst>
+                        <p:par>
+                          <p:cTn id="24" fill="hold">
+                            <p:stCondLst>
+                              <p:cond delay="0"/>
+                            </p:stCondLst>
+                            <p:childTnLst>
+                              <p:par>
+                                <p:cTn id="25" presetID="1" presetClass="entr" presetSubtype="0" fill="hold" grpId="0" nodeType="clickEffect">
+                                  <p:stCondLst>
+                                    <p:cond delay="0"/>
+                                  </p:stCondLst>
+                                  <p:childTnLst>
+                                    <p:set>
+                                      <p:cBhvr>
+                                        <p:cTn id="26" dur="1" fill="hold">
+                                          <p:stCondLst>
+                                            <p:cond delay="0"/>
+                                          </p:stCondLst>
+                                        </p:cTn>
+                                        <p:tgtEl>
+                                          <p:spTgt spid="3">
+                                            <p:txEl>
+                                              <p:pRg st="6" end="6"/>
+                                            </p:txEl>
+                                          </p:spTgt>
+                                        </p:tgtEl>
+                                        <p:attrNameLst>
+                                          <p:attrName>style.visibility</p:attrName>
+                                        </p:attrNameLst>
+                                      </p:cBhvr>
+                                      <p:to>
+                                        <p:strVal val="visible"/>
+                                      </p:to>
+                                    </p:set>
+                                  </p:childTnLst>
+                                </p:cTn>
+                              </p:par>
+                            </p:childTnLst>
+                          </p:cTn>
+                        </p:par>
+                      </p:childTnLst>
+                    </p:cTn>
+                  </p:par>
+                  <p:par>
+                    <p:cTn id="27" fill="hold">
+                      <p:stCondLst>
+                        <p:cond delay="indefinite"/>
+                      </p:stCondLst>
+                      <p:childTnLst>
+                        <p:par>
+                          <p:cTn id="28" fill="hold">
+                            <p:stCondLst>
+                              <p:cond delay="0"/>
+                            </p:stCondLst>
+                            <p:childTnLst>
+                              <p:par>
+                                <p:cTn id="29" presetID="1" presetClass="entr" presetSubtype="0" fill="hold" grpId="0" nodeType="clickEffect">
+                                  <p:stCondLst>
+                                    <p:cond delay="0"/>
+                                  </p:stCondLst>
+                                  <p:childTnLst>
+                                    <p:set>
+                                      <p:cBhvr>
+                                        <p:cTn id="30" dur="1" fill="hold">
+                                          <p:stCondLst>
+                                            <p:cond delay="0"/>
+                                          </p:stCondLst>
+                                        </p:cTn>
+                                        <p:tgtEl>
+                                          <p:spTgt spid="3">
+                                            <p:txEl>
+                                              <p:pRg st="7" end="7"/>
+                                            </p:txEl>
+                                          </p:spTgt>
+                                        </p:tgtEl>
+                                        <p:attrNameLst>
+                                          <p:attrName>style.visibility</p:attrName>
+                                        </p:attrNameLst>
+                                      </p:cBhvr>
+                                      <p:to>
+                                        <p:strVal val="visible"/>
+                                      </p:to>
+                                    </p:set>
+                                  </p:childTnLst>
+                                </p:cTn>
+                              </p:par>
+                            </p:childTnLst>
+                          </p:cTn>
+                        </p:par>
+                      </p:childTnLst>
+                    </p:cTn>
+                  </p:par>
+                  <p:par>
+                    <p:cTn id="31" fill="hold">
+                      <p:stCondLst>
+                        <p:cond delay="indefinite"/>
+                      </p:stCondLst>
+                      <p:childTnLst>
+                        <p:par>
+                          <p:cTn id="32" fill="hold">
+                            <p:stCondLst>
+                              <p:cond delay="0"/>
+                            </p:stCondLst>
+                            <p:childTnLst>
+                              <p:par>
+                                <p:cTn id="33" presetID="1" presetClass="entr" presetSubtype="0" fill="hold" grpId="0" nodeType="clickEffect">
+                                  <p:stCondLst>
+                                    <p:cond delay="0"/>
+                                  </p:stCondLst>
+                                  <p:childTnLst>
+                                    <p:set>
+                                      <p:cBhvr>
+                                        <p:cTn id="34" dur="1" fill="hold">
+                                          <p:stCondLst>
+                                            <p:cond delay="0"/>
+                                          </p:stCondLst>
+                                        </p:cTn>
+                                        <p:tgtEl>
+                                          <p:spTgt spid="3">
+                                            <p:txEl>
+                                              <p:pRg st="8" end="8"/>
+                                            </p:txEl>
+                                          </p:spTgt>
+                                        </p:tgtEl>
+                                        <p:attrNameLst>
+                                          <p:attrName>style.visibility</p:attrName>
+                                        </p:attrNameLst>
+                                      </p:cBhvr>
+                                      <p:to>
+                                        <p:strVal val="visible"/>
+                                      </p:to>
+                                    </p:set>
+                                  </p:childTnLst>
+                                </p:cTn>
+                              </p:par>
+                            </p:childTnLst>
+                          </p:cTn>
+                        </p:par>
+                      </p:childTnLst>
+                    </p:cTn>
+                  </p:par>
+                  <p:par>
+                    <p:cTn id="35" fill="hold">
+                      <p:stCondLst>
+                        <p:cond delay="indefinite"/>
+                      </p:stCondLst>
+                      <p:childTnLst>
+                        <p:par>
+                          <p:cTn id="36" fill="hold">
+                            <p:stCondLst>
+                              <p:cond delay="0"/>
+                            </p:stCondLst>
+                            <p:childTnLst>
+                              <p:par>
+                                <p:cTn id="37" presetID="1" presetClass="entr" presetSubtype="0" fill="hold" grpId="0" nodeType="clickEffect">
+                                  <p:stCondLst>
+                                    <p:cond delay="0"/>
+                                  </p:stCondLst>
+                                  <p:childTnLst>
+                                    <p:set>
+                                      <p:cBhvr>
+                                        <p:cTn id="38" dur="1" fill="hold">
+                                          <p:stCondLst>
+                                            <p:cond delay="0"/>
+                                          </p:stCondLst>
+                                        </p:cTn>
+                                        <p:tgtEl>
+                                          <p:spTgt spid="3">
+                                            <p:txEl>
+                                              <p:pRg st="9" end="9"/>
+                                            </p:txEl>
+                                          </p:spTgt>
+                                        </p:tgtEl>
+                                        <p:attrNameLst>
+                                          <p:attrName>style.visibility</p:attrName>
+                                        </p:attrNameLst>
+                                      </p:cBhvr>
+                                      <p:to>
+                                        <p:strVal val="visible"/>
+                                      </p:to>
+                                    </p:set>
+                                  </p:childTnLst>
+                                </p:cTn>
+                              </p:par>
+                            </p:childTnLst>
+                          </p:cTn>
+                        </p:par>
+                      </p:childTnLst>
+                    </p:cTn>
+                  </p:par>
+                </p:childTnLst>
+              </p:cTn>
+              <p:prevCondLst>
+                <p:cond evt="onPrev" delay="0">
+                  <p:tgtEl>
+                    <p:sldTgt/>
+                  </p:tgtEl>
+                </p:cond>
+              </p:prevCondLst>
+              <p:nextCondLst>
+                <p:cond evt="onNext" delay="0">
+                  <p:tgtEl>
+                    <p:sldTgt/>
+                  </p:tgtEl>
+                </p:cond>
+              </p:nextCondLst>
+            </p:seq>
+          </p:childTnLst>
+        </p:cTn>
+      </p:par>
+    </p:tnLst>
+    <p:bldLst>
+      <p:bldP spid="3" grpId="0" uiExpand="1" build="p"/>
+    </p:bldLst>
+  </p:timing>
+</p:sld>
+</file>
+
+<file path=ppt/slides/slide16.xml><?xml version="1.0" encoding="utf-8"?>
+<p:sld xmlns:a="http://schemas.openxmlformats.org/drawingml/2006/main" xmlns:r="http://schemas.openxmlformats.org/officeDocument/2006/relationships" xmlns:p="http://schemas.openxmlformats.org/presentationml/2006/main">
+  <p:cSld>
+    <p:spTree>
+      <p:nvGrpSpPr>
+        <p:cNvPr id="1" name=""/>
+        <p:cNvGrpSpPr/>
+        <p:nvPr/>
+      </p:nvGrpSpPr>
+      <p:grpSpPr>
+        <a:xfrm>
+          <a:off x="0" y="0"/>
+          <a:ext cx="0" cy="0"/>
+          <a:chOff x="0" y="0"/>
+          <a:chExt cx="0" cy="0"/>
+        </a:xfrm>
+      </p:grpSpPr>
+      <p:sp>
+        <p:nvSpPr>
+          <p:cNvPr id="2" name="Title 1"/>
+          <p:cNvSpPr>
+            <a:spLocks noGrp="1"/>
+          </p:cNvSpPr>
+          <p:nvPr>
+            <p:ph type="title"/>
+          </p:nvPr>
+        </p:nvSpPr>
+        <p:spPr/>
+        <p:txBody>
+          <a:bodyPr/>
+          <a:lstStyle/>
+          <a:p>
+            <a:r>
+              <a:rPr lang="en-US" dirty="0" smtClean="0">
+                <a:solidFill>
+                  <a:srgbClr val="0070C0"/>
+                </a:solidFill>
+              </a:rPr>
+              <a:t>Exercises</a:t>
+            </a:r>
+            <a:endParaRPr lang="en-US" dirty="0">
+              <a:solidFill>
+                <a:srgbClr val="0070C0"/>
+              </a:solidFill>
+            </a:endParaRPr>
+          </a:p>
+        </p:txBody>
+      </p:sp>
+      <mc:AlternateContent xmlns:mc="http://schemas.openxmlformats.org/markup-compatibility/2006">
+        <mc:Choice xmlns:a14="http://schemas.microsoft.com/office/drawing/2010/main" Requires="a14">
+          <p:sp>
+            <p:nvSpPr>
+              <p:cNvPr id="3" name="Content Placeholder 2"/>
+              <p:cNvSpPr>
+                <a:spLocks noGrp="1"/>
+              </p:cNvSpPr>
+              <p:nvPr>
+                <p:ph idx="1"/>
+              </p:nvPr>
+            </p:nvSpPr>
+            <p:spPr/>
+            <p:txBody>
+              <a:bodyPr/>
+              <a:lstStyle/>
+              <a:p>
+                <a:r>
+                  <a:rPr lang="en-US" dirty="0" smtClean="0"/>
+                  <a:t>Ex. 1: </a:t>
+                </a:r>
+                <a14:m>
+                  <m:oMath xmlns:m="http://schemas.openxmlformats.org/officeDocument/2006/math">
+                    <m:r>
+                      <a:rPr lang="en-US" i="1" dirty="0" smtClean="0">
+                        <a:latin typeface="Cambria Math"/>
+                      </a:rPr>
+                      <m:t>𝐴</m:t>
+                    </m:r>
+                  </m:oMath>
+                </a14:m>
+                <a:r>
+                  <a:rPr lang="en-US" dirty="0" smtClean="0"/>
+                  <a:t> is </a:t>
+                </a:r>
+                <a14:m>
+                  <m:oMath xmlns:m="http://schemas.openxmlformats.org/officeDocument/2006/math">
+                    <m:r>
+                      <a:rPr lang="en-US" b="0" i="1" smtClean="0">
+                        <a:latin typeface="Cambria Math"/>
+                      </a:rPr>
+                      <m:t>𝑛</m:t>
+                    </m:r>
+                    <m:r>
+                      <a:rPr lang="en-US" b="0" i="1" smtClean="0">
+                        <a:latin typeface="Cambria Math"/>
+                      </a:rPr>
+                      <m:t>×</m:t>
+                    </m:r>
+                    <m:r>
+                      <a:rPr lang="en-US" b="0" i="1" smtClean="0">
+                        <a:latin typeface="Cambria Math"/>
+                      </a:rPr>
+                      <m:t>𝑛</m:t>
+                    </m:r>
+                  </m:oMath>
+                </a14:m>
+                <a:r>
+                  <a:rPr lang="en-US" dirty="0" smtClean="0"/>
+                  <a:t> matrix with orthonormal rows</a:t>
+                </a:r>
+              </a:p>
+              <a:p>
+                <a:pPr lvl="1"/>
+                <a:r>
+                  <a:rPr lang="en-US" dirty="0" smtClean="0"/>
+                  <a:t>Show that it has orthonormal columns</a:t>
+                </a:r>
+              </a:p>
+              <a:p>
+                <a:r>
+                  <a:rPr lang="en-US" dirty="0" smtClean="0"/>
+                  <a:t>Ex. 2: Interpret the left and right singular vectors of the document x term matrix</a:t>
+                </a:r>
+              </a:p>
+              <a:p>
+                <a:r>
+                  <a:rPr lang="en-US" dirty="0" smtClean="0"/>
+                  <a:t>Ex. 3. Use power method to compute singular values of the matrix:</a:t>
+                </a:r>
+              </a:p>
+              <a:p>
+                <a:pPr marL="0" indent="0">
+                  <a:buNone/>
+                </a:pPr>
+                <a14:m>
+                  <m:oMathPara xmlns:m="http://schemas.openxmlformats.org/officeDocument/2006/math">
+                    <m:oMathParaPr>
+                      <m:jc m:val="centerGroup"/>
+                    </m:oMathParaPr>
+                    <m:oMath xmlns:m="http://schemas.openxmlformats.org/officeDocument/2006/math">
+                      <m:d>
+                        <m:dPr>
+                          <m:ctrlPr>
+                            <a:rPr lang="en-US" b="0" i="1" smtClean="0">
+                              <a:latin typeface="Cambria Math"/>
+                            </a:rPr>
+                          </m:ctrlPr>
+                        </m:dPr>
+                        <m:e>
+                          <m:m>
+                            <m:mPr>
+                              <m:mcs>
+                                <m:mc>
+                                  <m:mcPr>
+                                    <m:count m:val="2"/>
+                                    <m:mcJc m:val="center"/>
+                                  </m:mcPr>
+                                </m:mc>
+                              </m:mcs>
+                              <m:ctrlPr>
+                                <a:rPr lang="en-US" i="1" smtClean="0">
+                                  <a:latin typeface="Cambria Math"/>
+                                </a:rPr>
+                              </m:ctrlPr>
+                            </m:mPr>
+                            <m:mr>
+                              <m:e>
+                                <m:r>
+                                  <m:rPr>
+                                    <m:brk m:alnAt="7"/>
+                                  </m:rPr>
+                                  <a:rPr lang="en-US" b="0" i="1" smtClean="0">
+                                    <a:latin typeface="Cambria Math"/>
+                                  </a:rPr>
+                                  <m:t>1</m:t>
+                                </m:r>
+                              </m:e>
+                              <m:e>
+                                <m:r>
+                                  <a:rPr lang="en-US" b="0" i="1" smtClean="0">
+                                    <a:latin typeface="Cambria Math"/>
+                                  </a:rPr>
+                                  <m:t>2</m:t>
+                                </m:r>
+                              </m:e>
+                            </m:mr>
+                            <m:mr>
+                              <m:e>
+                                <m:r>
+                                  <a:rPr lang="en-US" b="0" i="1" smtClean="0">
+                                    <a:latin typeface="Cambria Math"/>
+                                  </a:rPr>
+                                  <m:t>3</m:t>
+                                </m:r>
+                              </m:e>
+                              <m:e>
+                                <m:r>
+                                  <a:rPr lang="en-US" b="0" i="1" smtClean="0">
+                                    <a:latin typeface="Cambria Math"/>
+                                  </a:rPr>
+                                  <m:t>4</m:t>
+                                </m:r>
+                              </m:e>
+                            </m:mr>
+                          </m:m>
+                        </m:e>
+                      </m:d>
+                    </m:oMath>
+                  </m:oMathPara>
+                </a14:m>
+                <a:endParaRPr lang="en-US" dirty="0" smtClean="0"/>
+              </a:p>
+              <a:p>
+                <a:endParaRPr lang="en-US" dirty="0"/>
+              </a:p>
+            </p:txBody>
+          </p:sp>
+        </mc:Choice>
+        <mc:Fallback>
+          <p:sp>
+            <p:nvSpPr>
+              <p:cNvPr id="3" name="Content Placeholder 2"/>
+              <p:cNvSpPr>
+                <a:spLocks noGrp="1" noRot="1" noChangeAspect="1" noMove="1" noResize="1" noEditPoints="1" noAdjustHandles="1" noChangeArrowheads="1" noChangeShapeType="1" noTextEdit="1"/>
+              </p:cNvSpPr>
+              <p:nvPr>
+                <p:ph idx="1"/>
+              </p:nvPr>
+            </p:nvSpPr>
+            <p:spPr>
+              <a:blipFill rotWithShape="1">
+                <a:blip r:embed="rId2"/>
+                <a:stretch>
+                  <a:fillRect l="-1630" t="-1617" r="-1704"/>
+                </a:stretch>
+              </a:blipFill>
+            </p:spPr>
+            <p:txBody>
+              <a:bodyPr/>
+              <a:lstStyle/>
+              <a:p>
+                <a:r>
+                  <a:rPr lang="en-US">
+                    <a:noFill/>
+                  </a:rPr>
+                  <a:t> </a:t>
+                </a:r>
+              </a:p>
+            </p:txBody>
+          </p:sp>
+        </mc:Fallback>
+      </mc:AlternateContent>
+    </p:spTree>
+    <p:extLst>
+      <p:ext uri="{BB962C8B-B14F-4D97-AF65-F5344CB8AC3E}">
+        <p14:creationId xmlns:p14="http://schemas.microsoft.com/office/powerpoint/2010/main" val="3430385392"/>
+      </p:ext>
+    </p:extLst>
+  </p:cSld>
+  <p:clrMapOvr>
+    <a:masterClrMapping/>
+  </p:clrMapOvr>
+  <p:timing>
+    <p:tnLst>
+      <p:par>
+        <p:cTn id="1" dur="indefinite" restart="never" nodeType="tmRoot"/>
       </p:par>
     </p:tnLst>
   </p:timing>
@@ -17968,536 +22917,257 @@
           <a:chExt cx="0" cy="0"/>
         </a:xfrm>
       </p:grpSpPr>
-      <mc:AlternateContent xmlns:mc="http://schemas.openxmlformats.org/markup-compatibility/2006">
-        <mc:Choice xmlns:a14="http://schemas.microsoft.com/office/drawing/2010/main" Requires="a14">
-          <p:sp>
-            <p:nvSpPr>
-              <p:cNvPr id="2" name="Title 1"/>
-              <p:cNvSpPr>
-                <a:spLocks noGrp="1"/>
-              </p:cNvSpPr>
-              <p:nvPr>
-                <p:ph type="title"/>
-              </p:nvPr>
-            </p:nvSpPr>
-            <p:spPr>
-              <a:xfrm>
-                <a:off x="152400" y="274638"/>
-                <a:ext cx="8839200" cy="1143000"/>
-              </a:xfrm>
-            </p:spPr>
-            <p:txBody>
-              <a:bodyPr>
-                <a:normAutofit/>
-              </a:bodyPr>
-              <a:lstStyle/>
-              <a:p>
-                <a:r>
-                  <a:rPr lang="en-US" dirty="0" smtClean="0">
-                    <a:solidFill>
-                      <a:srgbClr val="0070C0"/>
-                    </a:solidFill>
-                  </a:rPr>
-                  <a:t>Separating mixture of </a:t>
-                </a:r>
-                <a14:m>
-                  <m:oMath xmlns:m="http://schemas.openxmlformats.org/officeDocument/2006/math">
-                    <m:r>
-                      <a:rPr lang="en-US" b="0" i="1" smtClean="0">
-                        <a:solidFill>
-                          <a:srgbClr val="0070C0"/>
-                        </a:solidFill>
-                        <a:latin typeface="Cambria Math"/>
-                      </a:rPr>
-                      <m:t>𝑘</m:t>
-                    </m:r>
-                  </m:oMath>
-                </a14:m>
-                <a:r>
-                  <a:rPr lang="en-US" dirty="0" smtClean="0">
-                    <a:solidFill>
-                      <a:srgbClr val="0070C0"/>
-                    </a:solidFill>
-                  </a:rPr>
-                  <a:t> Gaussians</a:t>
-                </a:r>
-                <a:endParaRPr lang="en-US" dirty="0"/>
-              </a:p>
-            </p:txBody>
-          </p:sp>
-        </mc:Choice>
-        <mc:Fallback>
-          <p:sp>
-            <p:nvSpPr>
-              <p:cNvPr id="2" name="Title 1"/>
-              <p:cNvSpPr>
-                <a:spLocks noGrp="1" noRot="1" noChangeAspect="1" noMove="1" noResize="1" noEditPoints="1" noAdjustHandles="1" noChangeArrowheads="1" noChangeShapeType="1" noTextEdit="1"/>
-              </p:cNvSpPr>
-              <p:nvPr>
-                <p:ph type="title"/>
-              </p:nvPr>
-            </p:nvSpPr>
-            <p:spPr>
-              <a:xfrm>
-                <a:off x="152400" y="274638"/>
-                <a:ext cx="8839200" cy="1143000"/>
-              </a:xfrm>
-              <a:blipFill rotWithShape="1">
-                <a:blip r:embed="rId2"/>
-                <a:stretch>
-                  <a:fillRect b="-8511"/>
-                </a:stretch>
-              </a:blipFill>
-            </p:spPr>
-            <p:txBody>
-              <a:bodyPr/>
-              <a:lstStyle/>
-              <a:p>
-                <a:r>
-                  <a:rPr lang="en-US">
-                    <a:noFill/>
-                  </a:rPr>
-                  <a:t> </a:t>
-                </a:r>
-              </a:p>
-            </p:txBody>
-          </p:sp>
-        </mc:Fallback>
-      </mc:AlternateContent>
-      <mc:AlternateContent xmlns:mc="http://schemas.openxmlformats.org/markup-compatibility/2006">
-        <mc:Choice xmlns:a14="http://schemas.microsoft.com/office/drawing/2010/main" Requires="a14">
-          <p:sp>
-            <p:nvSpPr>
-              <p:cNvPr id="3" name="Content Placeholder 2"/>
-              <p:cNvSpPr>
-                <a:spLocks noGrp="1"/>
-              </p:cNvSpPr>
-              <p:nvPr>
-                <p:ph idx="1"/>
-              </p:nvPr>
-            </p:nvSpPr>
-            <p:spPr>
-              <a:xfrm>
-                <a:off x="304800" y="1447800"/>
-                <a:ext cx="8839200" cy="5410200"/>
-              </a:xfrm>
-            </p:spPr>
-            <p:txBody>
-              <a:bodyPr>
-                <a:normAutofit fontScale="92500" lnSpcReduction="10000"/>
-              </a:bodyPr>
-              <a:lstStyle/>
-              <a:p>
-                <a:r>
-                  <a:rPr lang="en-US" b="1" dirty="0"/>
-                  <a:t>Sample origin problem</a:t>
-                </a:r>
-                <a:r>
-                  <a:rPr lang="en-US" dirty="0"/>
-                  <a:t>: </a:t>
-                </a:r>
-              </a:p>
-              <a:p>
-                <a:pPr lvl="1"/>
-                <a:r>
-                  <a:rPr lang="en-US" dirty="0"/>
-                  <a:t>G</a:t>
-                </a:r>
-                <a:r>
-                  <a:rPr lang="en-US" dirty="0"/>
-                  <a:t>iven samples from </a:t>
-                </a:r>
-                <a14:m>
-                  <m:oMath xmlns:m="http://schemas.openxmlformats.org/officeDocument/2006/math">
-                    <m:r>
-                      <a:rPr lang="en-US" b="1" i="1" smtClean="0">
-                        <a:solidFill>
-                          <a:srgbClr val="00B050"/>
-                        </a:solidFill>
-                        <a:latin typeface="Cambria Math"/>
-                      </a:rPr>
-                      <m:t>𝒌</m:t>
-                    </m:r>
-                    <m:r>
-                      <a:rPr lang="en-US" i="1">
-                        <a:latin typeface="Cambria Math"/>
-                      </a:rPr>
-                      <m:t> </m:t>
-                    </m:r>
-                  </m:oMath>
-                </a14:m>
-                <a:r>
-                  <a:rPr lang="en-US" b="1" dirty="0"/>
-                  <a:t>well-separated</a:t>
-                </a:r>
-                <a:r>
-                  <a:rPr lang="en-US" dirty="0"/>
-                  <a:t> </a:t>
-                </a:r>
-                <a:r>
-                  <a:rPr lang="en-US" dirty="0" smtClean="0"/>
-                  <a:t> spherical Gaussians </a:t>
-                </a:r>
-                <a:endParaRPr lang="en-US" dirty="0"/>
-              </a:p>
-              <a:p>
-                <a:pPr lvl="1"/>
-                <a:r>
-                  <a:rPr lang="en-US" b="1" dirty="0"/>
-                  <a:t>Q</a:t>
-                </a:r>
-                <a:r>
-                  <a:rPr lang="en-US" dirty="0"/>
-                  <a:t>: Did they come from the same Gaussian?</a:t>
-                </a:r>
-              </a:p>
-              <a:p>
-                <a14:m>
-                  <m:oMath xmlns:m="http://schemas.openxmlformats.org/officeDocument/2006/math">
-                    <m:r>
-                      <a:rPr lang="en-US" i="1" dirty="0">
-                        <a:solidFill>
-                          <a:srgbClr val="FF0000"/>
-                        </a:solidFill>
-                        <a:latin typeface="Cambria Math"/>
-                      </a:rPr>
-                      <m:t>𝛿</m:t>
-                    </m:r>
-                  </m:oMath>
-                </a14:m>
-                <a:r>
-                  <a:rPr lang="en-US" dirty="0" smtClean="0"/>
-                  <a:t> = distance between centers</a:t>
-                </a:r>
-              </a:p>
-              <a:p>
-                <a:r>
-                  <a:rPr lang="en-US" dirty="0" smtClean="0"/>
-                  <a:t>For two Gaussians naïve separation requires</a:t>
-                </a:r>
-              </a:p>
-              <a:p>
-                <a:pPr marL="0" indent="0">
-                  <a:buNone/>
-                </a:pPr>
-                <a14:m>
-                  <m:oMathPara xmlns:m="http://schemas.openxmlformats.org/officeDocument/2006/math">
-                    <m:oMathParaPr>
-                      <m:jc m:val="centerGroup"/>
-                    </m:oMathParaPr>
-                    <m:oMath xmlns:m="http://schemas.openxmlformats.org/officeDocument/2006/math">
-                      <m:r>
-                        <a:rPr lang="en-US" i="1" dirty="0">
-                          <a:solidFill>
-                            <a:srgbClr val="FF0000"/>
-                          </a:solidFill>
-                          <a:latin typeface="Cambria Math"/>
-                        </a:rPr>
-                        <m:t>𝛿</m:t>
-                      </m:r>
-                      <m:r>
-                        <a:rPr lang="en-US" b="0" i="1" dirty="0" smtClean="0">
-                          <a:solidFill>
-                            <a:srgbClr val="FF0000"/>
-                          </a:solidFill>
-                          <a:latin typeface="Cambria Math"/>
-                        </a:rPr>
-                        <m:t>&gt;</m:t>
-                      </m:r>
-                      <m:r>
-                        <a:rPr lang="en-US" i="1">
-                          <a:latin typeface="Cambria Math"/>
-                        </a:rPr>
-                        <m:t>𝜔</m:t>
-                      </m:r>
-                      <m:d>
-                        <m:dPr>
-                          <m:ctrlPr>
-                            <a:rPr lang="en-US" i="1">
-                              <a:latin typeface="Cambria Math"/>
-                            </a:rPr>
-                          </m:ctrlPr>
-                        </m:dPr>
-                        <m:e>
-                          <m:sSup>
-                            <m:sSupPr>
-                              <m:ctrlPr>
-                                <a:rPr lang="en-US" b="1" i="1">
-                                  <a:solidFill>
-                                    <a:srgbClr val="0070C0"/>
-                                  </a:solidFill>
-                                  <a:latin typeface="Cambria Math"/>
-                                </a:rPr>
-                              </m:ctrlPr>
-                            </m:sSupPr>
-                            <m:e>
-                              <m:r>
-                                <a:rPr lang="en-US" b="1" i="1">
-                                  <a:solidFill>
-                                    <a:srgbClr val="0070C0"/>
-                                  </a:solidFill>
-                                  <a:latin typeface="Cambria Math"/>
-                                </a:rPr>
-                                <m:t>𝒅</m:t>
-                              </m:r>
-                            </m:e>
-                            <m:sup>
-                              <m:r>
-                                <a:rPr lang="en-US" b="1" i="1">
-                                  <a:solidFill>
-                                    <a:srgbClr val="0070C0"/>
-                                  </a:solidFill>
-                                  <a:latin typeface="Cambria Math"/>
-                                </a:rPr>
-                                <m:t>𝟏</m:t>
-                              </m:r>
-                              <m:r>
-                                <a:rPr lang="en-US" b="1" i="1">
-                                  <a:solidFill>
-                                    <a:srgbClr val="0070C0"/>
-                                  </a:solidFill>
-                                  <a:latin typeface="Cambria Math"/>
-                                </a:rPr>
-                                <m:t>/</m:t>
-                              </m:r>
-                              <m:r>
-                                <a:rPr lang="en-US" b="1" i="1">
-                                  <a:solidFill>
-                                    <a:srgbClr val="0070C0"/>
-                                  </a:solidFill>
-                                  <a:latin typeface="Cambria Math"/>
-                                </a:rPr>
-                                <m:t>𝟒</m:t>
-                              </m:r>
-                            </m:sup>
-                          </m:sSup>
-                        </m:e>
-                      </m:d>
-                    </m:oMath>
-                  </m:oMathPara>
-                </a14:m>
-                <a:endParaRPr lang="en-US" b="1" dirty="0" smtClean="0"/>
-              </a:p>
-              <a:p>
-                <a:r>
-                  <a:rPr lang="en-US" b="1" dirty="0" err="1" smtClean="0"/>
-                  <a:t>Thm</a:t>
-                </a:r>
-                <a:r>
-                  <a:rPr lang="en-US" b="1" dirty="0" smtClean="0"/>
-                  <a:t>. </a:t>
-                </a:r>
-                <a14:m>
-                  <m:oMath xmlns:m="http://schemas.openxmlformats.org/officeDocument/2006/math">
-                    <m:sSup>
-                      <m:sSupPr>
-                        <m:ctrlPr>
-                          <a:rPr lang="en-US" i="1">
-                            <a:solidFill>
-                              <a:srgbClr val="0070C0"/>
-                            </a:solidFill>
-                            <a:latin typeface="Cambria Math"/>
-                          </a:rPr>
-                        </m:ctrlPr>
-                      </m:sSupPr>
-                      <m:e>
-                        <m:r>
-                          <a:rPr lang="en-US" b="0" i="1" dirty="0">
-                            <a:solidFill>
-                              <a:srgbClr val="FF0000"/>
-                            </a:solidFill>
-                            <a:latin typeface="Cambria Math"/>
-                          </a:rPr>
-                          <m:t>𝛿</m:t>
-                        </m:r>
-                        <m:r>
-                          <a:rPr lang="en-US" b="0" i="1" dirty="0" smtClean="0">
-                            <a:solidFill>
-                              <a:schemeClr val="tx1"/>
-                            </a:solidFill>
-                            <a:latin typeface="Cambria Math"/>
-                          </a:rPr>
-                          <m:t>=</m:t>
-                        </m:r>
-                        <m:r>
-                          <m:rPr>
-                            <m:sty m:val="p"/>
-                          </m:rPr>
-                          <a:rPr lang="en-US" b="0" i="0" dirty="0" smtClean="0">
-                            <a:solidFill>
-                              <a:schemeClr val="tx1"/>
-                            </a:solidFill>
-                            <a:latin typeface="Cambria Math"/>
-                          </a:rPr>
-                          <m:t>Ω</m:t>
-                        </m:r>
-                        <m:r>
-                          <a:rPr lang="en-US" b="0" i="0" dirty="0" smtClean="0">
-                            <a:solidFill>
-                              <a:schemeClr val="tx1"/>
-                            </a:solidFill>
-                            <a:latin typeface="Cambria Math"/>
-                          </a:rPr>
-                          <m:t>(</m:t>
-                        </m:r>
-                        <m:r>
-                          <a:rPr lang="en-US" b="1" i="1" smtClean="0">
-                            <a:solidFill>
-                              <a:srgbClr val="00B050"/>
-                            </a:solidFill>
-                            <a:latin typeface="Cambria Math"/>
-                          </a:rPr>
-                          <m:t>𝒌</m:t>
-                        </m:r>
-                      </m:e>
-                      <m:sup>
-                        <m:f>
-                          <m:fPr>
-                            <m:ctrlPr>
-                              <a:rPr lang="en-US" b="0" i="1" smtClean="0">
-                                <a:solidFill>
-                                  <a:schemeClr val="tx1"/>
-                                </a:solidFill>
-                                <a:latin typeface="Cambria Math"/>
-                              </a:rPr>
-                            </m:ctrlPr>
-                          </m:fPr>
-                          <m:num>
-                            <m:r>
-                              <a:rPr lang="en-US" b="0" i="1" smtClean="0">
-                                <a:solidFill>
-                                  <a:schemeClr val="tx1"/>
-                                </a:solidFill>
-                                <a:latin typeface="Cambria Math"/>
-                              </a:rPr>
-                              <m:t>1</m:t>
-                            </m:r>
-                          </m:num>
-                          <m:den>
-                            <m:r>
-                              <a:rPr lang="en-US" b="0" i="1" smtClean="0">
-                                <a:solidFill>
-                                  <a:schemeClr val="tx1"/>
-                                </a:solidFill>
-                                <a:latin typeface="Cambria Math"/>
-                              </a:rPr>
-                              <m:t>4</m:t>
-                            </m:r>
-                          </m:den>
-                        </m:f>
-                      </m:sup>
-                    </m:sSup>
-                    <m:r>
-                      <a:rPr lang="en-US" b="1" i="1" smtClean="0">
-                        <a:solidFill>
-                          <a:schemeClr val="tx1"/>
-                        </a:solidFill>
-                        <a:latin typeface="Cambria Math"/>
-                      </a:rPr>
-                      <m:t>) </m:t>
-                    </m:r>
-                  </m:oMath>
-                </a14:m>
-                <a:r>
-                  <a:rPr lang="en-US" dirty="0" smtClean="0"/>
-                  <a:t> suffices</a:t>
-                </a:r>
-              </a:p>
-              <a:p>
-                <a:r>
-                  <a:rPr lang="en-US" b="1" dirty="0" smtClean="0"/>
-                  <a:t>Idea: </a:t>
-                </a:r>
-              </a:p>
-              <a:p>
-                <a:pPr lvl="1"/>
-                <a:r>
-                  <a:rPr lang="en-US" dirty="0" smtClean="0"/>
-                  <a:t>Project on a </a:t>
-                </a:r>
-                <a14:m>
-                  <m:oMath xmlns:m="http://schemas.openxmlformats.org/officeDocument/2006/math">
-                    <m:r>
-                      <a:rPr lang="en-US" b="1" i="1" smtClean="0">
-                        <a:solidFill>
-                          <a:srgbClr val="00B050"/>
-                        </a:solidFill>
-                        <a:latin typeface="Cambria Math"/>
-                      </a:rPr>
-                      <m:t>𝒌</m:t>
-                    </m:r>
-                  </m:oMath>
-                </a14:m>
-                <a:r>
-                  <a:rPr lang="en-US" dirty="0" smtClean="0"/>
-                  <a:t>-dimensional subspace through centers </a:t>
-                </a:r>
-                <a:endParaRPr lang="en-US" dirty="0"/>
-              </a:p>
-              <a:p>
-                <a:pPr lvl="1"/>
-                <a:r>
-                  <a:rPr lang="en-US" b="1" dirty="0" smtClean="0"/>
-                  <a:t>Key fact:</a:t>
-                </a:r>
-                <a:r>
-                  <a:rPr lang="en-US" dirty="0" smtClean="0"/>
-                  <a:t> This subspace can be found via SVD</a:t>
-                </a:r>
-              </a:p>
-              <a:p>
-                <a:pPr lvl="1"/>
-                <a:r>
-                  <a:rPr lang="en-US" dirty="0" smtClean="0"/>
-                  <a:t>Apply naïve algorithm</a:t>
-                </a:r>
-                <a:endParaRPr lang="en-US" dirty="0"/>
-              </a:p>
-            </p:txBody>
-          </p:sp>
-        </mc:Choice>
-        <mc:Fallback>
-          <p:sp>
-            <p:nvSpPr>
-              <p:cNvPr id="3" name="Content Placeholder 2"/>
-              <p:cNvSpPr>
-                <a:spLocks noGrp="1" noRot="1" noChangeAspect="1" noMove="1" noResize="1" noEditPoints="1" noAdjustHandles="1" noChangeArrowheads="1" noChangeShapeType="1" noTextEdit="1"/>
-              </p:cNvSpPr>
-              <p:nvPr>
-                <p:ph idx="1"/>
-              </p:nvPr>
-            </p:nvSpPr>
-            <p:spPr>
-              <a:xfrm>
-                <a:off x="304800" y="1447800"/>
-                <a:ext cx="8839200" cy="5410200"/>
-              </a:xfrm>
-              <a:blipFill rotWithShape="1">
-                <a:blip r:embed="rId3"/>
-                <a:stretch>
-                  <a:fillRect l="-1379" t="-2255" r="-828" b="-2593"/>
-                </a:stretch>
-              </a:blipFill>
-            </p:spPr>
-            <p:txBody>
-              <a:bodyPr/>
-              <a:lstStyle/>
-              <a:p>
-                <a:r>
-                  <a:rPr lang="en-US">
-                    <a:noFill/>
-                  </a:rPr>
-                  <a:t> </a:t>
-                </a:r>
-              </a:p>
-            </p:txBody>
-          </p:sp>
-        </mc:Fallback>
-      </mc:AlternateContent>
+      <p:sp>
+        <p:nvSpPr>
+          <p:cNvPr id="2" name="Title 1"/>
+          <p:cNvSpPr>
+            <a:spLocks noGrp="1"/>
+          </p:cNvSpPr>
+          <p:nvPr>
+            <p:ph type="title"/>
+          </p:nvPr>
+        </p:nvSpPr>
+        <p:spPr/>
+        <p:txBody>
+          <a:bodyPr/>
+          <a:lstStyle/>
+          <a:p>
+            <a:r>
+              <a:rPr lang="en-US" dirty="0" smtClean="0">
+                <a:solidFill>
+                  <a:srgbClr val="0070C0"/>
+                </a:solidFill>
+              </a:rPr>
+              <a:t>Class Project</a:t>
+            </a:r>
+            <a:endParaRPr lang="en-US" dirty="0">
+              <a:solidFill>
+                <a:srgbClr val="0070C0"/>
+              </a:solidFill>
+            </a:endParaRPr>
+          </a:p>
+        </p:txBody>
+      </p:sp>
+      <p:sp>
+        <p:nvSpPr>
+          <p:cNvPr id="3" name="Content Placeholder 2"/>
+          <p:cNvSpPr>
+            <a:spLocks noGrp="1"/>
+          </p:cNvSpPr>
+          <p:nvPr>
+            <p:ph idx="1"/>
+          </p:nvPr>
+        </p:nvSpPr>
+        <p:spPr>
+          <a:xfrm>
+            <a:off x="457200" y="1371600"/>
+            <a:ext cx="8686800" cy="5257800"/>
+          </a:xfrm>
+        </p:spPr>
+        <p:txBody>
+          <a:bodyPr>
+            <a:normAutofit fontScale="92500" lnSpcReduction="20000"/>
+          </a:bodyPr>
+          <a:lstStyle/>
+          <a:p>
+            <a:r>
+              <a:rPr lang="en-US" b="1" dirty="0" smtClean="0"/>
+              <a:t>Survey of 3-5 research papers</a:t>
+            </a:r>
+          </a:p>
+          <a:p>
+            <a:pPr lvl="1"/>
+            <a:r>
+              <a:rPr lang="en-US" dirty="0" smtClean="0"/>
+              <a:t>Closely related to the topics of the class</a:t>
+            </a:r>
+          </a:p>
+          <a:p>
+            <a:pPr lvl="2"/>
+            <a:r>
+              <a:rPr lang="en-US" dirty="0" smtClean="0"/>
+              <a:t>Algorithms for high-dimensional data</a:t>
+            </a:r>
+            <a:endParaRPr lang="en-US" dirty="0" smtClean="0"/>
+          </a:p>
+          <a:p>
+            <a:pPr lvl="2"/>
+            <a:r>
+              <a:rPr lang="en-US" dirty="0" smtClean="0"/>
+              <a:t>Fast algorithms for numerical linear algebra</a:t>
+            </a:r>
+            <a:endParaRPr lang="en-US" dirty="0" smtClean="0"/>
+          </a:p>
+          <a:p>
+            <a:pPr lvl="2"/>
+            <a:r>
+              <a:rPr lang="en-US" dirty="0" smtClean="0"/>
+              <a:t>Algorithms for machine learning and/or clustering</a:t>
+            </a:r>
+            <a:endParaRPr lang="en-US" dirty="0" smtClean="0"/>
+          </a:p>
+          <a:p>
+            <a:pPr lvl="2"/>
+            <a:r>
+              <a:rPr lang="en-US" dirty="0" smtClean="0"/>
+              <a:t>Algorithms for streaming and massive data</a:t>
+            </a:r>
+            <a:endParaRPr lang="en-US" dirty="0" smtClean="0"/>
+          </a:p>
+          <a:p>
+            <a:pPr lvl="1"/>
+            <a:r>
+              <a:rPr lang="en-US" dirty="0" smtClean="0"/>
+              <a:t>Office hours if you need suggestions</a:t>
+            </a:r>
+          </a:p>
+          <a:p>
+            <a:pPr lvl="1"/>
+            <a:r>
+              <a:rPr lang="en-US" dirty="0" smtClean="0"/>
+              <a:t>Individual (not a group) project</a:t>
+            </a:r>
+            <a:endParaRPr lang="en-US" dirty="0" smtClean="0"/>
+          </a:p>
+          <a:p>
+            <a:pPr lvl="1"/>
+            <a:r>
+              <a:rPr lang="en-US" b="1" dirty="0" smtClean="0"/>
+              <a:t>1-page Proposal Due: </a:t>
+            </a:r>
+            <a:r>
+              <a:rPr lang="en-US" b="1" dirty="0" smtClean="0">
+                <a:solidFill>
+                  <a:srgbClr val="FF0000"/>
+                </a:solidFill>
+              </a:rPr>
+              <a:t>October 31</a:t>
+            </a:r>
+            <a:r>
+              <a:rPr lang="en-US" b="1" dirty="0" smtClean="0">
+                <a:solidFill>
+                  <a:srgbClr val="FF0000"/>
+                </a:solidFill>
+              </a:rPr>
+              <a:t>, 2016 at 23:59 EST</a:t>
+            </a:r>
+            <a:endParaRPr lang="en-US" b="1" dirty="0" smtClean="0"/>
+          </a:p>
+          <a:p>
+            <a:pPr lvl="1"/>
+            <a:r>
+              <a:rPr lang="en-US" b="1" dirty="0" smtClean="0"/>
+              <a:t>Final D</a:t>
+            </a:r>
+            <a:r>
+              <a:rPr lang="en-US" b="1" dirty="0" smtClean="0"/>
+              <a:t>eadline</a:t>
+            </a:r>
+            <a:r>
+              <a:rPr lang="en-US" dirty="0" smtClean="0"/>
+              <a:t>: </a:t>
+            </a:r>
+            <a:r>
+              <a:rPr lang="en-US" b="1" dirty="0" smtClean="0">
+                <a:solidFill>
+                  <a:srgbClr val="FF0000"/>
+                </a:solidFill>
+              </a:rPr>
+              <a:t>December </a:t>
+            </a:r>
+            <a:r>
+              <a:rPr lang="en-US" b="1" dirty="0" smtClean="0">
+                <a:solidFill>
+                  <a:srgbClr val="FF0000"/>
+                </a:solidFill>
+              </a:rPr>
+              <a:t>09, 2016 </a:t>
+            </a:r>
+            <a:r>
+              <a:rPr lang="en-US" b="1" dirty="0" smtClean="0">
+                <a:solidFill>
+                  <a:srgbClr val="FF0000"/>
+                </a:solidFill>
+              </a:rPr>
+              <a:t>at 23:59 EST</a:t>
+            </a:r>
+          </a:p>
+          <a:p>
+            <a:r>
+              <a:rPr lang="en-US" dirty="0" smtClean="0"/>
+              <a:t>Submission by </a:t>
+            </a:r>
+            <a:r>
+              <a:rPr lang="en-US" dirty="0" smtClean="0"/>
+              <a:t>e-mail to </a:t>
+            </a:r>
+            <a:r>
+              <a:rPr lang="en-US" b="1" dirty="0" err="1" smtClean="0"/>
+              <a:t>Lisul</a:t>
+            </a:r>
+            <a:r>
+              <a:rPr lang="en-US" b="1" dirty="0" smtClean="0"/>
+              <a:t> Islam (IU id: </a:t>
+            </a:r>
+            <a:r>
+              <a:rPr lang="en-US" b="1" dirty="0" err="1" smtClean="0"/>
+              <a:t>islammdl</a:t>
+            </a:r>
+            <a:r>
+              <a:rPr lang="en-US" b="1" dirty="0" smtClean="0"/>
+              <a:t>)</a:t>
+            </a:r>
+            <a:endParaRPr lang="en-US" b="1" dirty="0" smtClean="0"/>
+          </a:p>
+          <a:p>
+            <a:pPr lvl="1"/>
+            <a:r>
+              <a:rPr lang="en-US" dirty="0" smtClean="0"/>
+              <a:t>Submission Email Title: Project + Space + “Your Name”</a:t>
+            </a:r>
+          </a:p>
+          <a:p>
+            <a:pPr lvl="1"/>
+            <a:r>
+              <a:rPr lang="en-US" dirty="0" smtClean="0"/>
+              <a:t>Submission format: </a:t>
+            </a:r>
+            <a:r>
+              <a:rPr lang="en-US" b="1" dirty="0" smtClean="0"/>
+              <a:t>PDF </a:t>
+            </a:r>
+            <a:r>
+              <a:rPr lang="en-US" b="1" dirty="0" smtClean="0"/>
+              <a:t>from </a:t>
+            </a:r>
+            <a:r>
+              <a:rPr lang="en-US" b="1" dirty="0" err="1" smtClean="0"/>
+              <a:t>LaTeX</a:t>
+            </a:r>
+            <a:endParaRPr lang="en-US" b="1" dirty="0" smtClean="0"/>
+          </a:p>
+          <a:p>
+            <a:pPr marL="914400" lvl="2" indent="0">
+              <a:buNone/>
+            </a:pPr>
+            <a:endParaRPr lang="en-US" dirty="0" smtClean="0"/>
+          </a:p>
+          <a:p>
+            <a:pPr lvl="1"/>
+            <a:endParaRPr lang="en-US" dirty="0" smtClean="0"/>
+          </a:p>
+          <a:p>
+            <a:pPr marL="457200" lvl="1" indent="0">
+              <a:buNone/>
+            </a:pPr>
+            <a:endParaRPr lang="en-US" dirty="0"/>
+          </a:p>
+        </p:txBody>
+      </p:sp>
     </p:spTree>
     <p:extLst>
       <p:ext uri="{BB962C8B-B14F-4D97-AF65-F5344CB8AC3E}">
-        <p14:creationId xmlns:p14="http://schemas.microsoft.com/office/powerpoint/2010/main" val="224953696"/>
+        <p14:creationId xmlns:p14="http://schemas.microsoft.com/office/powerpoint/2010/main" val="1260233303"/>
       </p:ext>
     </p:extLst>
   </p:cSld>
@@ -18555,39 +23225,26 @@
                                   </p:childTnLst>
                                 </p:cTn>
                               </p:par>
+                            </p:childTnLst>
+                          </p:cTn>
+                        </p:par>
+                      </p:childTnLst>
+                    </p:cTn>
+                  </p:par>
+                  <p:par>
+                    <p:cTn id="7" fill="hold">
+                      <p:stCondLst>
+                        <p:cond delay="indefinite"/>
+                      </p:stCondLst>
+                      <p:childTnLst>
+                        <p:par>
+                          <p:cTn id="8" fill="hold">
+                            <p:stCondLst>
+                              <p:cond delay="0"/>
+                            </p:stCondLst>
+                            <p:childTnLst>
                               <p:par>
-                                <p:cTn id="7" presetID="1" presetClass="entr" presetSubtype="0" fill="hold" grpId="0" nodeType="withEffect">
-                                  <p:stCondLst>
-                                    <p:cond delay="0"/>
-                                  </p:stCondLst>
-                                  <p:childTnLst>
-                                    <p:set>
-                                      <p:cBhvr>
-                                        <p:cTn id="8" dur="1" fill="hold">
-                                          <p:stCondLst>
-                                            <p:cond delay="0"/>
-                                          </p:stCondLst>
-                                        </p:cTn>
-                                        <p:tgtEl>
-                                          <p:spTgt spid="3">
-                                            <p:txEl>
-                                              <p:pRg st="1" end="1"/>
-                                            </p:txEl>
-                                          </p:spTgt>
-                                        </p:tgtEl>
-                                        <p:attrNameLst>
-                                          <p:attrName>style.visibility</p:attrName>
-                                        </p:attrNameLst>
-                                      </p:cBhvr>
-                                      <p:to>
-                                        <p:strVal val="visible"/>
-                                      </p:to>
-                                    </p:set>
-                                  </p:childTnLst>
-                                </p:cTn>
-                              </p:par>
-                              <p:par>
-                                <p:cTn id="9" presetID="1" presetClass="entr" presetSubtype="0" fill="hold" grpId="0" nodeType="withEffect">
+                                <p:cTn id="9" presetID="1" presetClass="entr" presetSubtype="0" fill="hold" grpId="0" nodeType="clickEffect">
                                   <p:stCondLst>
                                     <p:cond delay="0"/>
                                   </p:stCondLst>
@@ -18602,7 +23259,7 @@
                                         <p:tgtEl>
                                           <p:spTgt spid="3">
                                             <p:txEl>
-                                              <p:pRg st="2" end="2"/>
+                                              <p:pRg st="1" end="1"/>
                                             </p:txEl>
                                           </p:spTgt>
                                         </p:tgtEl>
@@ -18651,7 +23308,7 @@
                                         <p:tgtEl>
                                           <p:spTgt spid="3">
                                             <p:txEl>
-                                              <p:pRg st="3" end="3"/>
+                                              <p:pRg st="2" end="2"/>
                                             </p:txEl>
                                           </p:spTgt>
                                         </p:tgtEl>
@@ -18700,7 +23357,7 @@
                                         <p:tgtEl>
                                           <p:spTgt spid="3">
                                             <p:txEl>
-                                              <p:pRg st="4" end="4"/>
+                                              <p:pRg st="3" end="3"/>
                                             </p:txEl>
                                           </p:spTgt>
                                         </p:tgtEl>
@@ -18749,7 +23406,7 @@
                                         <p:tgtEl>
                                           <p:spTgt spid="3">
                                             <p:txEl>
-                                              <p:pRg st="5" end="5"/>
+                                              <p:pRg st="4" end="4"/>
                                             </p:txEl>
                                           </p:spTgt>
                                         </p:tgtEl>
@@ -18798,7 +23455,7 @@
                                         <p:tgtEl>
                                           <p:spTgt spid="3">
                                             <p:txEl>
-                                              <p:pRg st="6" end="6"/>
+                                              <p:pRg st="5" end="5"/>
                                             </p:txEl>
                                           </p:spTgt>
                                         </p:tgtEl>
@@ -18847,6 +23504,55 @@
                                         <p:tgtEl>
                                           <p:spTgt spid="3">
                                             <p:txEl>
+                                              <p:pRg st="6" end="6"/>
+                                            </p:txEl>
+                                          </p:spTgt>
+                                        </p:tgtEl>
+                                        <p:attrNameLst>
+                                          <p:attrName>style.visibility</p:attrName>
+                                        </p:attrNameLst>
+                                      </p:cBhvr>
+                                      <p:to>
+                                        <p:strVal val="visible"/>
+                                      </p:to>
+                                    </p:set>
+                                  </p:childTnLst>
+                                </p:cTn>
+                              </p:par>
+                            </p:childTnLst>
+                          </p:cTn>
+                        </p:par>
+                      </p:childTnLst>
+                    </p:cTn>
+                  </p:par>
+                  <p:par>
+                    <p:cTn id="31" fill="hold">
+                      <p:stCondLst>
+                        <p:cond delay="indefinite"/>
+                      </p:stCondLst>
+                      <p:childTnLst>
+                        <p:par>
+                          <p:cTn id="32" fill="hold">
+                            <p:stCondLst>
+                              <p:cond delay="0"/>
+                            </p:stCondLst>
+                            <p:childTnLst>
+                              <p:par>
+                                <p:cTn id="33" presetID="1" presetClass="entr" presetSubtype="0" fill="hold" grpId="0" nodeType="clickEffect">
+                                  <p:stCondLst>
+                                    <p:cond delay="0"/>
+                                  </p:stCondLst>
+                                  <p:childTnLst>
+                                    <p:set>
+                                      <p:cBhvr>
+                                        <p:cTn id="34" dur="1" fill="hold">
+                                          <p:stCondLst>
+                                            <p:cond delay="0"/>
+                                          </p:stCondLst>
+                                        </p:cTn>
+                                        <p:tgtEl>
+                                          <p:spTgt spid="3">
+                                            <p:txEl>
                                               <p:pRg st="7" end="7"/>
                                             </p:txEl>
                                           </p:spTgt>
@@ -18862,15 +23568,33 @@
                                   </p:childTnLst>
                                 </p:cTn>
                               </p:par>
+                            </p:childTnLst>
+                          </p:cTn>
+                        </p:par>
+                      </p:childTnLst>
+                    </p:cTn>
+                  </p:par>
+                  <p:par>
+                    <p:cTn id="35" fill="hold">
+                      <p:stCondLst>
+                        <p:cond delay="indefinite"/>
+                      </p:stCondLst>
+                      <p:childTnLst>
+                        <p:par>
+                          <p:cTn id="36" fill="hold">
+                            <p:stCondLst>
+                              <p:cond delay="0"/>
+                            </p:stCondLst>
+                            <p:childTnLst>
                               <p:par>
-                                <p:cTn id="31" presetID="1" presetClass="entr" presetSubtype="0" fill="hold" grpId="0" nodeType="withEffect">
+                                <p:cTn id="37" presetID="1" presetClass="entr" presetSubtype="0" fill="hold" grpId="0" nodeType="clickEffect">
                                   <p:stCondLst>
                                     <p:cond delay="0"/>
                                   </p:stCondLst>
                                   <p:childTnLst>
                                     <p:set>
                                       <p:cBhvr>
-                                        <p:cTn id="32" dur="1" fill="hold">
+                                        <p:cTn id="38" dur="1" fill="hold">
                                           <p:stCondLst>
                                             <p:cond delay="0"/>
                                           </p:stCondLst>
@@ -18893,15 +23617,33 @@
                                   </p:childTnLst>
                                 </p:cTn>
                               </p:par>
+                            </p:childTnLst>
+                          </p:cTn>
+                        </p:par>
+                      </p:childTnLst>
+                    </p:cTn>
+                  </p:par>
+                  <p:par>
+                    <p:cTn id="39" fill="hold">
+                      <p:stCondLst>
+                        <p:cond delay="indefinite"/>
+                      </p:stCondLst>
+                      <p:childTnLst>
+                        <p:par>
+                          <p:cTn id="40" fill="hold">
+                            <p:stCondLst>
+                              <p:cond delay="0"/>
+                            </p:stCondLst>
+                            <p:childTnLst>
                               <p:par>
-                                <p:cTn id="33" presetID="1" presetClass="entr" presetSubtype="0" fill="hold" grpId="0" nodeType="withEffect">
+                                <p:cTn id="41" presetID="1" presetClass="entr" presetSubtype="0" fill="hold" grpId="0" nodeType="clickEffect">
                                   <p:stCondLst>
                                     <p:cond delay="0"/>
                                   </p:stCondLst>
                                   <p:childTnLst>
                                     <p:set>
                                       <p:cBhvr>
-                                        <p:cTn id="34" dur="1" fill="hold">
+                                        <p:cTn id="42" dur="1" fill="hold">
                                           <p:stCondLst>
                                             <p:cond delay="0"/>
                                           </p:stCondLst>
@@ -18924,15 +23666,33 @@
                                   </p:childTnLst>
                                 </p:cTn>
                               </p:par>
+                            </p:childTnLst>
+                          </p:cTn>
+                        </p:par>
+                      </p:childTnLst>
+                    </p:cTn>
+                  </p:par>
+                  <p:par>
+                    <p:cTn id="43" fill="hold">
+                      <p:stCondLst>
+                        <p:cond delay="indefinite"/>
+                      </p:stCondLst>
+                      <p:childTnLst>
+                        <p:par>
+                          <p:cTn id="44" fill="hold">
+                            <p:stCondLst>
+                              <p:cond delay="0"/>
+                            </p:stCondLst>
+                            <p:childTnLst>
                               <p:par>
-                                <p:cTn id="35" presetID="1" presetClass="entr" presetSubtype="0" fill="hold" grpId="0" nodeType="withEffect">
+                                <p:cTn id="45" presetID="1" presetClass="entr" presetSubtype="0" fill="hold" grpId="0" nodeType="clickEffect">
                                   <p:stCondLst>
                                     <p:cond delay="0"/>
                                   </p:stCondLst>
                                   <p:childTnLst>
                                     <p:set>
                                       <p:cBhvr>
-                                        <p:cTn id="36" dur="1" fill="hold">
+                                        <p:cTn id="46" dur="1" fill="hold">
                                           <p:stCondLst>
                                             <p:cond delay="0"/>
                                           </p:stCondLst>
@@ -18941,6 +23701,104 @@
                                           <p:spTgt spid="3">
                                             <p:txEl>
                                               <p:pRg st="10" end="10"/>
+                                            </p:txEl>
+                                          </p:spTgt>
+                                        </p:tgtEl>
+                                        <p:attrNameLst>
+                                          <p:attrName>style.visibility</p:attrName>
+                                        </p:attrNameLst>
+                                      </p:cBhvr>
+                                      <p:to>
+                                        <p:strVal val="visible"/>
+                                      </p:to>
+                                    </p:set>
+                                  </p:childTnLst>
+                                </p:cTn>
+                              </p:par>
+                            </p:childTnLst>
+                          </p:cTn>
+                        </p:par>
+                      </p:childTnLst>
+                    </p:cTn>
+                  </p:par>
+                  <p:par>
+                    <p:cTn id="47" fill="hold">
+                      <p:stCondLst>
+                        <p:cond delay="indefinite"/>
+                      </p:stCondLst>
+                      <p:childTnLst>
+                        <p:par>
+                          <p:cTn id="48" fill="hold">
+                            <p:stCondLst>
+                              <p:cond delay="0"/>
+                            </p:stCondLst>
+                            <p:childTnLst>
+                              <p:par>
+                                <p:cTn id="49" presetID="1" presetClass="entr" presetSubtype="0" fill="hold" grpId="0" nodeType="clickEffect">
+                                  <p:stCondLst>
+                                    <p:cond delay="0"/>
+                                  </p:stCondLst>
+                                  <p:childTnLst>
+                                    <p:set>
+                                      <p:cBhvr>
+                                        <p:cTn id="50" dur="1" fill="hold">
+                                          <p:stCondLst>
+                                            <p:cond delay="0"/>
+                                          </p:stCondLst>
+                                        </p:cTn>
+                                        <p:tgtEl>
+                                          <p:spTgt spid="3">
+                                            <p:txEl>
+                                              <p:pRg st="11" end="11"/>
+                                            </p:txEl>
+                                          </p:spTgt>
+                                        </p:tgtEl>
+                                        <p:attrNameLst>
+                                          <p:attrName>style.visibility</p:attrName>
+                                        </p:attrNameLst>
+                                      </p:cBhvr>
+                                      <p:to>
+                                        <p:strVal val="visible"/>
+                                      </p:to>
+                                    </p:set>
+                                  </p:childTnLst>
+                                </p:cTn>
+                              </p:par>
+                            </p:childTnLst>
+                          </p:cTn>
+                        </p:par>
+                      </p:childTnLst>
+                    </p:cTn>
+                  </p:par>
+                  <p:par>
+                    <p:cTn id="51" fill="hold">
+                      <p:stCondLst>
+                        <p:cond delay="indefinite"/>
+                      </p:stCondLst>
+                      <p:childTnLst>
+                        <p:par>
+                          <p:cTn id="52" fill="hold">
+                            <p:stCondLst>
+                              <p:cond delay="0"/>
+                            </p:stCondLst>
+                            <p:childTnLst>
+                              <p:par>
+                                <p:cTn id="53" presetID="1" presetClass="entr" presetSubtype="0" fill="hold" grpId="0" nodeType="clickEffect">
+                                  <p:stCondLst>
+                                    <p:cond delay="0"/>
+                                  </p:stCondLst>
+                                  <p:childTnLst>
+                                    <p:set>
+                                      <p:cBhvr>
+                                        <p:cTn id="54" dur="1" fill="hold">
+                                          <p:stCondLst>
+                                            <p:cond delay="0"/>
+                                          </p:stCondLst>
+                                        </p:cTn>
+                                        <p:tgtEl>
+                                          <p:spTgt spid="3">
+                                            <p:txEl>
+                                              <p:pRg st="12" end="12"/>
                                             </p:txEl>
                                           </p:spTgt>
                                         </p:tgtEl>
@@ -18983,7 +23841,7 @@
       </p:par>
     </p:tnLst>
     <p:bldLst>
-      <p:bldP spid="3" grpId="0" build="p"/>
+      <p:bldP spid="3" grpId="0" uiExpand="1" build="p"/>
     </p:bldLst>
   </p:timing>
 </p:sld>
